--- a/Graph Travel.pptx
+++ b/Graph Travel.pptx
@@ -2,15 +2,22 @@
 <file path=ppt/presentation.xml><?xml version="1.0" encoding="utf-8"?>
 <p:presentation xmlns:a="http://schemas.openxmlformats.org/drawingml/2006/main" xmlns:r="http://schemas.openxmlformats.org/officeDocument/2006/relationships" xmlns:p="http://schemas.openxmlformats.org/presentationml/2006/main" saveSubsetFonts="1" autoCompressPictures="0">
   <p:sldMasterIdLst>
-    <p:sldMasterId id="2147483648" r:id="rId1"/>
+    <p:sldMasterId id="2147483880" r:id="rId1"/>
   </p:sldMasterIdLst>
   <p:notesMasterIdLst>
-    <p:notesMasterId r:id="rId5"/>
+    <p:notesMasterId r:id="rId9"/>
   </p:notesMasterIdLst>
+  <p:handoutMasterIdLst>
+    <p:handoutMasterId r:id="rId10"/>
+  </p:handoutMasterIdLst>
   <p:sldIdLst>
-    <p:sldId id="256" r:id="rId2"/>
-    <p:sldId id="258" r:id="rId3"/>
-    <p:sldId id="257" r:id="rId4"/>
+    <p:sldId id="262" r:id="rId2"/>
+    <p:sldId id="256" r:id="rId3"/>
+    <p:sldId id="258" r:id="rId4"/>
+    <p:sldId id="257" r:id="rId5"/>
+    <p:sldId id="259" r:id="rId6"/>
+    <p:sldId id="260" r:id="rId7"/>
+    <p:sldId id="261" r:id="rId8"/>
   </p:sldIdLst>
   <p:sldSz cx="9144000" cy="6858000" type="screen4x3"/>
   <p:notesSz cx="6858000" cy="9144000"/>
@@ -112,6 +119,172 @@
 </p:presentation>
 </file>
 
+<file path=ppt/handoutMasters/handoutMaster1.xml><?xml version="1.0" encoding="utf-8"?>
+<p:handoutMaster xmlns:a="http://schemas.openxmlformats.org/drawingml/2006/main" xmlns:r="http://schemas.openxmlformats.org/officeDocument/2006/relationships" xmlns:p="http://schemas.openxmlformats.org/presentationml/2006/main">
+  <p:cSld>
+    <p:bg>
+      <p:bgRef idx="1001">
+        <a:schemeClr val="bg1"/>
+      </p:bgRef>
+    </p:bg>
+    <p:spTree>
+      <p:nvGrpSpPr>
+        <p:cNvPr id="1" name=""/>
+        <p:cNvGrpSpPr/>
+        <p:nvPr/>
+      </p:nvGrpSpPr>
+      <p:grpSpPr>
+        <a:xfrm>
+          <a:off x="0" y="0"/>
+          <a:ext cx="0" cy="0"/>
+          <a:chOff x="0" y="0"/>
+          <a:chExt cx="0" cy="0"/>
+        </a:xfrm>
+      </p:grpSpPr>
+      <p:sp>
+        <p:nvSpPr>
+          <p:cNvPr id="2" name="Header Placeholder 1"/>
+          <p:cNvSpPr>
+            <a:spLocks noGrp="1"/>
+          </p:cNvSpPr>
+          <p:nvPr>
+            <p:ph type="hdr" sz="quarter"/>
+          </p:nvPr>
+        </p:nvSpPr>
+        <p:spPr>
+          <a:xfrm>
+            <a:off x="0" y="0"/>
+            <a:ext cx="2971800" cy="457200"/>
+          </a:xfrm>
+          <a:prstGeom prst="rect">
+            <a:avLst/>
+          </a:prstGeom>
+        </p:spPr>
+        <p:txBody>
+          <a:bodyPr vert="horz" lIns="91440" tIns="45720" rIns="91440" bIns="45720" rtlCol="0"/>
+          <a:lstStyle>
+            <a:lvl1pPr algn="l">
+              <a:defRPr sz="1200"/>
+            </a:lvl1pPr>
+          </a:lstStyle>
+          <a:p>
+            <a:endParaRPr lang="en-US"/>
+          </a:p>
+        </p:txBody>
+      </p:sp>
+      <p:sp>
+        <p:nvSpPr>
+          <p:cNvPr id="3" name="Date Placeholder 2"/>
+          <p:cNvSpPr>
+            <a:spLocks noGrp="1"/>
+          </p:cNvSpPr>
+          <p:nvPr>
+            <p:ph type="dt" sz="quarter" idx="1"/>
+          </p:nvPr>
+        </p:nvSpPr>
+        <p:spPr>
+          <a:xfrm>
+            <a:off x="3884613" y="0"/>
+            <a:ext cx="2971800" cy="457200"/>
+          </a:xfrm>
+          <a:prstGeom prst="rect">
+            <a:avLst/>
+          </a:prstGeom>
+        </p:spPr>
+        <p:txBody>
+          <a:bodyPr vert="horz" lIns="91440" tIns="45720" rIns="91440" bIns="45720" rtlCol="0"/>
+          <a:lstStyle>
+            <a:lvl1pPr algn="r">
+              <a:defRPr sz="1200"/>
+            </a:lvl1pPr>
+          </a:lstStyle>
+          <a:p>
+            <a:fld id="{3EA63F21-AABD-F844-9242-AC79706565AC}" type="datetime1">
+              <a:rPr lang="da-DK" smtClean="0"/>
+              <a:t>27/04/11</a:t>
+            </a:fld>
+            <a:endParaRPr lang="en-US"/>
+          </a:p>
+        </p:txBody>
+      </p:sp>
+      <p:sp>
+        <p:nvSpPr>
+          <p:cNvPr id="4" name="Footer Placeholder 3"/>
+          <p:cNvSpPr>
+            <a:spLocks noGrp="1"/>
+          </p:cNvSpPr>
+          <p:nvPr>
+            <p:ph type="ftr" sz="quarter" idx="2"/>
+          </p:nvPr>
+        </p:nvSpPr>
+        <p:spPr>
+          <a:xfrm>
+            <a:off x="0" y="8685213"/>
+            <a:ext cx="2971800" cy="457200"/>
+          </a:xfrm>
+          <a:prstGeom prst="rect">
+            <a:avLst/>
+          </a:prstGeom>
+        </p:spPr>
+        <p:txBody>
+          <a:bodyPr vert="horz" lIns="91440" tIns="45720" rIns="91440" bIns="45720" rtlCol="0" anchor="b"/>
+          <a:lstStyle>
+            <a:lvl1pPr algn="l">
+              <a:defRPr sz="1200"/>
+            </a:lvl1pPr>
+          </a:lstStyle>
+          <a:p>
+            <a:endParaRPr lang="en-US"/>
+          </a:p>
+        </p:txBody>
+      </p:sp>
+      <p:sp>
+        <p:nvSpPr>
+          <p:cNvPr id="5" name="Slide Number Placeholder 4"/>
+          <p:cNvSpPr>
+            <a:spLocks noGrp="1"/>
+          </p:cNvSpPr>
+          <p:nvPr>
+            <p:ph type="sldNum" sz="quarter" idx="3"/>
+          </p:nvPr>
+        </p:nvSpPr>
+        <p:spPr>
+          <a:xfrm>
+            <a:off x="3884613" y="8685213"/>
+            <a:ext cx="2971800" cy="457200"/>
+          </a:xfrm>
+          <a:prstGeom prst="rect">
+            <a:avLst/>
+          </a:prstGeom>
+        </p:spPr>
+        <p:txBody>
+          <a:bodyPr vert="horz" lIns="91440" tIns="45720" rIns="91440" bIns="45720" rtlCol="0" anchor="b"/>
+          <a:lstStyle>
+            <a:lvl1pPr algn="r">
+              <a:defRPr sz="1200"/>
+            </a:lvl1pPr>
+          </a:lstStyle>
+          <a:p>
+            <a:fld id="{9CB13F9F-EB4B-5C4C-BEF7-958698258B63}" type="slidenum">
+              <a:rPr lang="en-US" smtClean="0"/>
+              <a:t>‹#›</a:t>
+            </a:fld>
+            <a:endParaRPr lang="en-US"/>
+          </a:p>
+        </p:txBody>
+      </p:sp>
+    </p:spTree>
+    <p:extLst>
+      <p:ext uri="{BB962C8B-B14F-4D97-AF65-F5344CB8AC3E}">
+        <p14:creationId xmlns:p14="http://schemas.microsoft.com/office/powerpoint/2010/main" val="2198598975"/>
+      </p:ext>
+    </p:extLst>
+  </p:cSld>
+  <p:clrMap bg1="lt1" tx1="dk1" bg2="lt2" tx2="dk2" accent1="accent1" accent2="accent2" accent3="accent3" accent4="accent4" accent5="accent5" accent6="accent6" hlink="hlink" folHlink="folHlink"/>
+  <p:hf hdr="0" ftr="0" dt="0"/>
+</p:handoutMaster>
+</file>
+
 <file path=ppt/notesMasters/notesMaster1.xml><?xml version="1.0" encoding="utf-8"?>
 <p:notesMaster xmlns:a="http://schemas.openxmlformats.org/drawingml/2006/main" xmlns:r="http://schemas.openxmlformats.org/officeDocument/2006/relationships" xmlns:p="http://schemas.openxmlformats.org/presentationml/2006/main">
   <p:cSld>
@@ -192,9 +365,9 @@
             </a:lvl1pPr>
           </a:lstStyle>
           <a:p>
-            <a:fld id="{3CDC2580-ECE1-6E4F-93F7-773A271CBF8E}" type="datetimeFigureOut">
-              <a:rPr lang="en-US" smtClean="0"/>
-              <a:t>18/04/11</a:t>
+            <a:fld id="{C68F96A4-0EB7-9643-95D1-9D6D8ADE8F73}" type="datetime1">
+              <a:rPr lang="da-DK" smtClean="0"/>
+              <a:t>27/04/11</a:t>
             </a:fld>
             <a:endParaRPr lang="en-US"/>
           </a:p>
@@ -367,6 +540,7 @@
     </p:extLst>
   </p:cSld>
   <p:clrMap bg1="lt1" tx1="dk1" bg2="lt2" tx2="dk2" accent1="accent1" accent2="accent2" accent3="accent3" accent4="accent4" accent5="accent5" accent6="accent6" hlink="hlink" folHlink="folHlink"/>
+  <p:hf hdr="0" ftr="0" dt="0"/>
   <p:notesStyle>
     <a:lvl1pPr marL="0" algn="l" defTabSz="457200" rtl="0" eaLnBrk="1" latinLnBrk="0" hangingPunct="1">
       <a:defRPr sz="1200" kern="1200">
@@ -506,15 +680,7 @@
           <a:bodyPr/>
           <a:lstStyle/>
           <a:p>
-            <a:r>
-              <a:rPr lang="en-US" dirty="0" smtClean="0"/>
-              <a:t>Hamiltonian</a:t>
-            </a:r>
-            <a:r>
-              <a:rPr lang="en-US" baseline="0" dirty="0" smtClean="0"/>
-              <a:t> cycle visits each vertex exactly once and returns to start vertex</a:t>
-            </a:r>
-            <a:endParaRPr lang="en-US" dirty="0"/>
+            <a:endParaRPr lang="en-US"/>
           </a:p>
         </p:txBody>
       </p:sp>
@@ -535,7 +701,7 @@
           <a:p>
             <a:fld id="{AE7D8726-A1C5-7945-B69B-4DC9B20991B0}" type="slidenum">
               <a:rPr lang="en-US" smtClean="0"/>
-              <a:t>3</a:t>
+              <a:t>2</a:t>
             </a:fld>
             <a:endParaRPr lang="en-US"/>
           </a:p>
@@ -544,7 +710,7 @@
     </p:spTree>
     <p:extLst>
       <p:ext uri="{BB962C8B-B14F-4D97-AF65-F5344CB8AC3E}">
-        <p14:creationId xmlns:p14="http://schemas.microsoft.com/office/powerpoint/2010/main" val="3621082647"/>
+        <p14:creationId xmlns:p14="http://schemas.microsoft.com/office/powerpoint/2010/main" val="3893073886"/>
       </p:ext>
     </p:extLst>
   </p:cSld>
@@ -554,9 +720,9 @@
 </p:notes>
 </file>
 
-<file path=ppt/slideLayouts/slideLayout1.xml><?xml version="1.0" encoding="utf-8"?>
-<p:sldLayout xmlns:a="http://schemas.openxmlformats.org/drawingml/2006/main" xmlns:r="http://schemas.openxmlformats.org/officeDocument/2006/relationships" xmlns:p="http://schemas.openxmlformats.org/presentationml/2006/main" type="title" preserve="1">
-  <p:cSld name="Title Slide">
+<file path=ppt/notesSlides/notesSlide2.xml><?xml version="1.0" encoding="utf-8"?>
+<p:notes xmlns:a="http://schemas.openxmlformats.org/drawingml/2006/main" xmlns:r="http://schemas.openxmlformats.org/officeDocument/2006/relationships" xmlns:p="http://schemas.openxmlformats.org/presentationml/2006/main">
+  <p:cSld>
     <p:spTree>
       <p:nvGrpSpPr>
         <p:cNvPr id="1" name=""/>
@@ -573,35 +739,379 @@
       </p:grpSpPr>
       <p:sp>
         <p:nvSpPr>
-          <p:cNvPr id="2" name="Title 1"/>
-          <p:cNvSpPr>
-            <a:spLocks noGrp="1"/>
-          </p:cNvSpPr>
-          <p:nvPr>
-            <p:ph type="ctrTitle"/>
-          </p:nvPr>
+          <p:cNvPr id="2" name="Slide Image Placeholder 1"/>
+          <p:cNvSpPr>
+            <a:spLocks noGrp="1" noRot="1" noChangeAspect="1"/>
+          </p:cNvSpPr>
+          <p:nvPr>
+            <p:ph type="sldImg"/>
+          </p:nvPr>
+        </p:nvSpPr>
+        <p:spPr/>
+      </p:sp>
+      <p:sp>
+        <p:nvSpPr>
+          <p:cNvPr id="3" name="Notes Placeholder 2"/>
+          <p:cNvSpPr>
+            <a:spLocks noGrp="1"/>
+          </p:cNvSpPr>
+          <p:nvPr>
+            <p:ph type="body" idx="1"/>
+          </p:nvPr>
+        </p:nvSpPr>
+        <p:spPr/>
+        <p:txBody>
+          <a:bodyPr/>
+          <a:lstStyle/>
+          <a:p>
+            <a:r>
+              <a:rPr lang="en-US" dirty="0" smtClean="0"/>
+              <a:t>Hamiltonian</a:t>
+            </a:r>
+            <a:r>
+              <a:rPr lang="en-US" baseline="0" dirty="0" smtClean="0"/>
+              <a:t> cycle visits each vertex exactly once and returns to start vertex</a:t>
+            </a:r>
+            <a:endParaRPr lang="en-US" dirty="0"/>
+          </a:p>
+        </p:txBody>
+      </p:sp>
+      <p:sp>
+        <p:nvSpPr>
+          <p:cNvPr id="4" name="Slide Number Placeholder 3"/>
+          <p:cNvSpPr>
+            <a:spLocks noGrp="1"/>
+          </p:cNvSpPr>
+          <p:nvPr>
+            <p:ph type="sldNum" sz="quarter" idx="10"/>
+          </p:nvPr>
+        </p:nvSpPr>
+        <p:spPr/>
+        <p:txBody>
+          <a:bodyPr/>
+          <a:lstStyle/>
+          <a:p>
+            <a:fld id="{AE7D8726-A1C5-7945-B69B-4DC9B20991B0}" type="slidenum">
+              <a:rPr lang="en-US" smtClean="0"/>
+              <a:t>4</a:t>
+            </a:fld>
+            <a:endParaRPr lang="en-US"/>
+          </a:p>
+        </p:txBody>
+      </p:sp>
+    </p:spTree>
+    <p:extLst>
+      <p:ext uri="{BB962C8B-B14F-4D97-AF65-F5344CB8AC3E}">
+        <p14:creationId xmlns:p14="http://schemas.microsoft.com/office/powerpoint/2010/main" val="3621082647"/>
+      </p:ext>
+    </p:extLst>
+  </p:cSld>
+  <p:clrMapOvr>
+    <a:masterClrMapping/>
+  </p:clrMapOvr>
+</p:notes>
+</file>
+
+<file path=ppt/notesSlides/notesSlide3.xml><?xml version="1.0" encoding="utf-8"?>
+<p:notes xmlns:a="http://schemas.openxmlformats.org/drawingml/2006/main" xmlns:r="http://schemas.openxmlformats.org/officeDocument/2006/relationships" xmlns:p="http://schemas.openxmlformats.org/presentationml/2006/main">
+  <p:cSld>
+    <p:spTree>
+      <p:nvGrpSpPr>
+        <p:cNvPr id="1" name=""/>
+        <p:cNvGrpSpPr/>
+        <p:nvPr/>
+      </p:nvGrpSpPr>
+      <p:grpSpPr>
+        <a:xfrm>
+          <a:off x="0" y="0"/>
+          <a:ext cx="0" cy="0"/>
+          <a:chOff x="0" y="0"/>
+          <a:chExt cx="0" cy="0"/>
+        </a:xfrm>
+      </p:grpSpPr>
+      <p:sp>
+        <p:nvSpPr>
+          <p:cNvPr id="2" name="Slide Image Placeholder 1"/>
+          <p:cNvSpPr>
+            <a:spLocks noGrp="1" noRot="1" noChangeAspect="1"/>
+          </p:cNvSpPr>
+          <p:nvPr>
+            <p:ph type="sldImg"/>
+          </p:nvPr>
+        </p:nvSpPr>
+        <p:spPr/>
+      </p:sp>
+      <p:sp>
+        <p:nvSpPr>
+          <p:cNvPr id="3" name="Notes Placeholder 2"/>
+          <p:cNvSpPr>
+            <a:spLocks noGrp="1"/>
+          </p:cNvSpPr>
+          <p:nvPr>
+            <p:ph type="body" idx="1"/>
+          </p:nvPr>
+        </p:nvSpPr>
+        <p:spPr/>
+        <p:txBody>
+          <a:bodyPr/>
+          <a:lstStyle/>
+          <a:p>
+            <a:r>
+              <a:rPr lang="en-US" dirty="0" smtClean="0"/>
+              <a:t>NN average 25%</a:t>
+            </a:r>
+            <a:r>
+              <a:rPr lang="en-US" baseline="0" dirty="0" smtClean="0"/>
+              <a:t> more than shortest but gives longest route with arranged cities.</a:t>
+            </a:r>
+          </a:p>
+          <a:p>
+            <a:endParaRPr lang="en-US" baseline="0" dirty="0" smtClean="0"/>
+          </a:p>
+          <a:p>
+            <a:r>
+              <a:rPr lang="en-US" baseline="0" dirty="0" smtClean="0"/>
+              <a:t>All cities: within 0,4% of shortest optimal solution</a:t>
+            </a:r>
+            <a:endParaRPr lang="en-US" dirty="0"/>
+          </a:p>
+        </p:txBody>
+      </p:sp>
+      <p:sp>
+        <p:nvSpPr>
+          <p:cNvPr id="4" name="Slide Number Placeholder 3"/>
+          <p:cNvSpPr>
+            <a:spLocks noGrp="1"/>
+          </p:cNvSpPr>
+          <p:nvPr>
+            <p:ph type="sldNum" sz="quarter" idx="10"/>
+          </p:nvPr>
+        </p:nvSpPr>
+        <p:spPr/>
+        <p:txBody>
+          <a:bodyPr/>
+          <a:lstStyle/>
+          <a:p>
+            <a:fld id="{AE7D8726-A1C5-7945-B69B-4DC9B20991B0}" type="slidenum">
+              <a:rPr lang="en-US" smtClean="0"/>
+              <a:t>5</a:t>
+            </a:fld>
+            <a:endParaRPr lang="en-US"/>
+          </a:p>
+        </p:txBody>
+      </p:sp>
+    </p:spTree>
+    <p:extLst>
+      <p:ext uri="{BB962C8B-B14F-4D97-AF65-F5344CB8AC3E}">
+        <p14:creationId xmlns:p14="http://schemas.microsoft.com/office/powerpoint/2010/main" val="4101502951"/>
+      </p:ext>
+    </p:extLst>
+  </p:cSld>
+  <p:clrMapOvr>
+    <a:masterClrMapping/>
+  </p:clrMapOvr>
+</p:notes>
+</file>
+
+<file path=ppt/slideLayouts/slideLayout1.xml><?xml version="1.0" encoding="utf-8"?>
+<p:sldLayout xmlns:a="http://schemas.openxmlformats.org/drawingml/2006/main" xmlns:r="http://schemas.openxmlformats.org/officeDocument/2006/relationships" xmlns:p="http://schemas.openxmlformats.org/presentationml/2006/main" showMasterSp="0" type="title" preserve="1">
+  <p:cSld name="Title Slide">
+    <p:bg>
+      <p:bgRef idx="1001">
+        <a:schemeClr val="bg2"/>
+      </p:bgRef>
+    </p:bg>
+    <p:spTree>
+      <p:nvGrpSpPr>
+        <p:cNvPr id="1" name=""/>
+        <p:cNvGrpSpPr/>
+        <p:nvPr/>
+      </p:nvGrpSpPr>
+      <p:grpSpPr>
+        <a:xfrm>
+          <a:off x="0" y="0"/>
+          <a:ext cx="0" cy="0"/>
+          <a:chOff x="0" y="0"/>
+          <a:chExt cx="0" cy="0"/>
+        </a:xfrm>
+      </p:grpSpPr>
+      <p:sp>
+        <p:nvSpPr>
+          <p:cNvPr id="7" name="Rectangle 6"/>
+          <p:cNvSpPr/>
+          <p:nvPr/>
+        </p:nvSpPr>
+        <p:spPr bwMode="white">
+          <a:xfrm>
+            <a:off x="0" y="5971032"/>
+            <a:ext cx="9144000" cy="886968"/>
+          </a:xfrm>
+          <a:prstGeom prst="rect">
+            <a:avLst/>
+          </a:prstGeom>
+          <a:solidFill>
+            <a:srgbClr val="FFFFFF"/>
+          </a:solidFill>
+          <a:ln w="50800" cap="rnd" cmpd="dbl" algn="ctr">
+            <a:noFill/>
+            <a:prstDash val="solid"/>
+          </a:ln>
+          <a:effectLst/>
+        </p:spPr>
+        <p:style>
+          <a:lnRef idx="3">
+            <a:schemeClr val="lt1"/>
+          </a:lnRef>
+          <a:fillRef idx="1">
+            <a:schemeClr val="accent1"/>
+          </a:fillRef>
+          <a:effectRef idx="1">
+            <a:schemeClr val="accent1"/>
+          </a:effectRef>
+          <a:fontRef idx="minor">
+            <a:schemeClr val="lt1"/>
+          </a:fontRef>
+        </p:style>
+        <p:txBody>
+          <a:bodyPr anchor="ctr"/>
+          <a:lstStyle/>
+          <a:p>
+            <a:pPr algn="ctr" eaLnBrk="1" latinLnBrk="0" hangingPunct="1"/>
+            <a:endParaRPr kumimoji="0" lang="en-US"/>
+          </a:p>
+        </p:txBody>
+      </p:sp>
+      <p:sp>
+        <p:nvSpPr>
+          <p:cNvPr id="10" name="Rectangle 9"/>
+          <p:cNvSpPr/>
+          <p:nvPr/>
         </p:nvSpPr>
         <p:spPr>
           <a:xfrm>
-            <a:off x="685800" y="2130425"/>
-            <a:ext cx="7772400" cy="1470025"/>
+            <a:off x="-9144" y="6053328"/>
+            <a:ext cx="2249424" cy="713232"/>
+          </a:xfrm>
+          <a:prstGeom prst="rect">
+            <a:avLst/>
+          </a:prstGeom>
+          <a:solidFill>
+            <a:schemeClr val="accent2">
+              <a:alpha val="100000"/>
+            </a:schemeClr>
+          </a:solidFill>
+          <a:ln w="50800" cap="rnd" cmpd="dbl" algn="ctr">
+            <a:noFill/>
+            <a:prstDash val="solid"/>
+          </a:ln>
+          <a:effectLst/>
+        </p:spPr>
+        <p:style>
+          <a:lnRef idx="3">
+            <a:schemeClr val="lt1"/>
+          </a:lnRef>
+          <a:fillRef idx="1">
+            <a:schemeClr val="accent1"/>
+          </a:fillRef>
+          <a:effectRef idx="1">
+            <a:schemeClr val="accent1"/>
+          </a:effectRef>
+          <a:fontRef idx="minor">
+            <a:schemeClr val="lt1"/>
+          </a:fontRef>
+        </p:style>
+        <p:txBody>
+          <a:bodyPr anchor="ctr"/>
+          <a:lstStyle/>
+          <a:p>
+            <a:pPr algn="ctr" eaLnBrk="1" latinLnBrk="0" hangingPunct="1"/>
+            <a:endParaRPr kumimoji="0" lang="en-US"/>
+          </a:p>
+        </p:txBody>
+      </p:sp>
+      <p:sp>
+        <p:nvSpPr>
+          <p:cNvPr id="11" name="Rectangle 10"/>
+          <p:cNvSpPr/>
+          <p:nvPr/>
+        </p:nvSpPr>
+        <p:spPr>
+          <a:xfrm>
+            <a:off x="2359152" y="6044184"/>
+            <a:ext cx="6784848" cy="713232"/>
+          </a:xfrm>
+          <a:prstGeom prst="rect">
+            <a:avLst/>
+          </a:prstGeom>
+          <a:solidFill>
+            <a:schemeClr val="accent1">
+              <a:alpha val="100000"/>
+            </a:schemeClr>
+          </a:solidFill>
+          <a:ln w="50800" cap="rnd" cmpd="dbl" algn="ctr">
+            <a:noFill/>
+            <a:prstDash val="solid"/>
+          </a:ln>
+          <a:effectLst/>
+        </p:spPr>
+        <p:style>
+          <a:lnRef idx="3">
+            <a:schemeClr val="lt1"/>
+          </a:lnRef>
+          <a:fillRef idx="1">
+            <a:schemeClr val="accent1"/>
+          </a:fillRef>
+          <a:effectRef idx="1">
+            <a:schemeClr val="accent1"/>
+          </a:effectRef>
+          <a:fontRef idx="minor">
+            <a:schemeClr val="lt1"/>
+          </a:fontRef>
+        </p:style>
+        <p:txBody>
+          <a:bodyPr anchor="ctr"/>
+          <a:lstStyle/>
+          <a:p>
+            <a:pPr algn="ctr" eaLnBrk="1" latinLnBrk="0" hangingPunct="1"/>
+            <a:endParaRPr kumimoji="0" lang="en-US"/>
+          </a:p>
+        </p:txBody>
+      </p:sp>
+      <p:sp>
+        <p:nvSpPr>
+          <p:cNvPr id="8" name="Title 7"/>
+          <p:cNvSpPr>
+            <a:spLocks noGrp="1"/>
+          </p:cNvSpPr>
+          <p:nvPr>
+            <p:ph type="ctrTitle"/>
+          </p:nvPr>
+        </p:nvSpPr>
+        <p:spPr>
+          <a:xfrm>
+            <a:off x="2362200" y="4038600"/>
+            <a:ext cx="6477000" cy="1828800"/>
           </a:xfrm>
         </p:spPr>
         <p:txBody>
-          <a:bodyPr/>
-          <a:lstStyle/>
-          <a:p>
-            <a:r>
-              <a:rPr lang="da-DK" smtClean="0"/>
+          <a:bodyPr anchor="b"/>
+          <a:lstStyle>
+            <a:lvl1pPr>
+              <a:defRPr cap="all" baseline="0"/>
+            </a:lvl1pPr>
+          </a:lstStyle>
+          <a:p>
+            <a:r>
+              <a:rPr kumimoji="0" lang="da-DK" smtClean="0"/>
               <a:t>Click to edit Master title style</a:t>
             </a:r>
-            <a:endParaRPr lang="en-US"/>
-          </a:p>
-        </p:txBody>
-      </p:sp>
-      <p:sp>
-        <p:nvSpPr>
-          <p:cNvPr id="3" name="Subtitle 2"/>
+            <a:endParaRPr kumimoji="0" lang="en-US"/>
+          </a:p>
+        </p:txBody>
+      </p:sp>
+      <p:sp>
+        <p:nvSpPr>
+          <p:cNvPr id="9" name="Subtitle 8"/>
           <p:cNvSpPr>
             <a:spLocks noGrp="1"/>
           </p:cNvSpPr>
@@ -611,108 +1121,126 @@
         </p:nvSpPr>
         <p:spPr>
           <a:xfrm>
-            <a:off x="1371600" y="3886200"/>
-            <a:ext cx="6400800" cy="1752600"/>
+            <a:off x="2362200" y="6050037"/>
+            <a:ext cx="6705600" cy="685800"/>
           </a:xfrm>
         </p:spPr>
         <p:txBody>
-          <a:bodyPr/>
+          <a:bodyPr anchor="ctr">
+            <a:normAutofit/>
+          </a:bodyPr>
           <a:lstStyle>
-            <a:lvl1pPr marL="0" indent="0" algn="ctr">
+            <a:lvl1pPr marL="0" indent="0" algn="l">
               <a:buNone/>
-              <a:defRPr>
+              <a:defRPr sz="2600">
                 <a:solidFill>
-                  <a:schemeClr val="tx1">
-                    <a:tint val="75000"/>
-                  </a:schemeClr>
+                  <a:srgbClr val="FFFFFF"/>
                 </a:solidFill>
               </a:defRPr>
             </a:lvl1pPr>
             <a:lvl2pPr marL="457200" indent="0" algn="ctr">
               <a:buNone/>
-              <a:defRPr>
-                <a:solidFill>
-                  <a:schemeClr val="tx1">
-                    <a:tint val="75000"/>
-                  </a:schemeClr>
-                </a:solidFill>
-              </a:defRPr>
             </a:lvl2pPr>
             <a:lvl3pPr marL="914400" indent="0" algn="ctr">
               <a:buNone/>
-              <a:defRPr>
-                <a:solidFill>
-                  <a:schemeClr val="tx1">
-                    <a:tint val="75000"/>
-                  </a:schemeClr>
-                </a:solidFill>
-              </a:defRPr>
             </a:lvl3pPr>
             <a:lvl4pPr marL="1371600" indent="0" algn="ctr">
               <a:buNone/>
-              <a:defRPr>
-                <a:solidFill>
-                  <a:schemeClr val="tx1">
-                    <a:tint val="75000"/>
-                  </a:schemeClr>
-                </a:solidFill>
-              </a:defRPr>
             </a:lvl4pPr>
             <a:lvl5pPr marL="1828800" indent="0" algn="ctr">
               <a:buNone/>
-              <a:defRPr>
-                <a:solidFill>
-                  <a:schemeClr val="tx1">
-                    <a:tint val="75000"/>
-                  </a:schemeClr>
-                </a:solidFill>
-              </a:defRPr>
             </a:lvl5pPr>
             <a:lvl6pPr marL="2286000" indent="0" algn="ctr">
               <a:buNone/>
-              <a:defRPr>
-                <a:solidFill>
-                  <a:schemeClr val="tx1">
-                    <a:tint val="75000"/>
-                  </a:schemeClr>
-                </a:solidFill>
-              </a:defRPr>
             </a:lvl6pPr>
             <a:lvl7pPr marL="2743200" indent="0" algn="ctr">
               <a:buNone/>
-              <a:defRPr>
-                <a:solidFill>
-                  <a:schemeClr val="tx1">
-                    <a:tint val="75000"/>
-                  </a:schemeClr>
-                </a:solidFill>
-              </a:defRPr>
             </a:lvl7pPr>
             <a:lvl8pPr marL="3200400" indent="0" algn="ctr">
               <a:buNone/>
-              <a:defRPr>
-                <a:solidFill>
-                  <a:schemeClr val="tx1">
-                    <a:tint val="75000"/>
-                  </a:schemeClr>
-                </a:solidFill>
-              </a:defRPr>
             </a:lvl8pPr>
             <a:lvl9pPr marL="3657600" indent="0" algn="ctr">
               <a:buNone/>
+            </a:lvl9pPr>
+          </a:lstStyle>
+          <a:p>
+            <a:r>
+              <a:rPr kumimoji="0" lang="da-DK" smtClean="0"/>
+              <a:t>Click to edit Master subtitle style</a:t>
+            </a:r>
+            <a:endParaRPr kumimoji="0" lang="en-US"/>
+          </a:p>
+        </p:txBody>
+      </p:sp>
+      <p:sp>
+        <p:nvSpPr>
+          <p:cNvPr id="28" name="Date Placeholder 27"/>
+          <p:cNvSpPr>
+            <a:spLocks noGrp="1"/>
+          </p:cNvSpPr>
+          <p:nvPr>
+            <p:ph type="dt" sz="half" idx="10"/>
+          </p:nvPr>
+        </p:nvSpPr>
+        <p:spPr>
+          <a:xfrm>
+            <a:off x="76200" y="6068699"/>
+            <a:ext cx="2057400" cy="685800"/>
+          </a:xfrm>
+        </p:spPr>
+        <p:txBody>
+          <a:bodyPr>
+            <a:noAutofit/>
+          </a:bodyPr>
+          <a:lstStyle>
+            <a:lvl1pPr algn="ctr">
+              <a:defRPr sz="2000">
+                <a:solidFill>
+                  <a:srgbClr val="FFFFFF"/>
+                </a:solidFill>
+              </a:defRPr>
+            </a:lvl1pPr>
+          </a:lstStyle>
+          <a:p>
+            <a:fld id="{3217A68C-AA2E-5C4C-9BA0-DA1EFB7D2B70}" type="datetime1">
+              <a:rPr lang="da-DK" smtClean="0"/>
+              <a:t>27/04/11</a:t>
+            </a:fld>
+            <a:endParaRPr lang="en-US"/>
+          </a:p>
+        </p:txBody>
+      </p:sp>
+      <p:sp>
+        <p:nvSpPr>
+          <p:cNvPr id="17" name="Footer Placeholder 16"/>
+          <p:cNvSpPr>
+            <a:spLocks noGrp="1"/>
+          </p:cNvSpPr>
+          <p:nvPr>
+            <p:ph type="ftr" sz="quarter" idx="11"/>
+          </p:nvPr>
+        </p:nvSpPr>
+        <p:spPr>
+          <a:xfrm>
+            <a:off x="2085393" y="236538"/>
+            <a:ext cx="5867400" cy="365125"/>
+          </a:xfrm>
+        </p:spPr>
+        <p:txBody>
+          <a:bodyPr/>
+          <a:lstStyle>
+            <a:lvl1pPr algn="r">
               <a:defRPr>
                 <a:solidFill>
-                  <a:schemeClr val="tx1">
-                    <a:tint val="75000"/>
-                  </a:schemeClr>
+                  <a:schemeClr val="tx2"/>
                 </a:solidFill>
               </a:defRPr>
-            </a:lvl9pPr>
+            </a:lvl1pPr>
           </a:lstStyle>
           <a:p>
             <a:r>
-              <a:rPr lang="da-DK" smtClean="0"/>
-              <a:t>Click to edit Master subtitle style</a:t>
+              <a:rPr lang="is-IS" smtClean="0"/>
+              <a:t>hyggekaffe.dk</a:t>
             </a:r>
             <a:endParaRPr lang="en-US"/>
           </a:p>
@@ -720,62 +1248,33 @@
       </p:sp>
       <p:sp>
         <p:nvSpPr>
-          <p:cNvPr id="4" name="Date Placeholder 3"/>
-          <p:cNvSpPr>
-            <a:spLocks noGrp="1"/>
-          </p:cNvSpPr>
-          <p:nvPr>
-            <p:ph type="dt" sz="half" idx="10"/>
-          </p:nvPr>
-        </p:nvSpPr>
-        <p:spPr/>
+          <p:cNvPr id="29" name="Slide Number Placeholder 28"/>
+          <p:cNvSpPr>
+            <a:spLocks noGrp="1"/>
+          </p:cNvSpPr>
+          <p:nvPr>
+            <p:ph type="sldNum" sz="quarter" idx="12"/>
+          </p:nvPr>
+        </p:nvSpPr>
+        <p:spPr>
+          <a:xfrm>
+            <a:off x="8001000" y="228600"/>
+            <a:ext cx="838200" cy="381000"/>
+          </a:xfrm>
+        </p:spPr>
         <p:txBody>
           <a:bodyPr/>
-          <a:lstStyle/>
-          <a:p>
-            <a:fld id="{37E30DBC-0852-F942-BA21-5F9121A408F1}" type="datetimeFigureOut">
-              <a:rPr lang="en-US" smtClean="0"/>
-              <a:t>18/04/11</a:t>
-            </a:fld>
-            <a:endParaRPr lang="en-US"/>
-          </a:p>
-        </p:txBody>
-      </p:sp>
-      <p:sp>
-        <p:nvSpPr>
-          <p:cNvPr id="5" name="Footer Placeholder 4"/>
-          <p:cNvSpPr>
-            <a:spLocks noGrp="1"/>
-          </p:cNvSpPr>
-          <p:nvPr>
-            <p:ph type="ftr" sz="quarter" idx="11"/>
-          </p:nvPr>
-        </p:nvSpPr>
-        <p:spPr/>
-        <p:txBody>
-          <a:bodyPr/>
-          <a:lstStyle/>
-          <a:p>
-            <a:endParaRPr lang="en-US"/>
-          </a:p>
-        </p:txBody>
-      </p:sp>
-      <p:sp>
-        <p:nvSpPr>
-          <p:cNvPr id="6" name="Slide Number Placeholder 5"/>
-          <p:cNvSpPr>
-            <a:spLocks noGrp="1"/>
-          </p:cNvSpPr>
-          <p:nvPr>
-            <p:ph type="sldNum" sz="quarter" idx="12"/>
-          </p:nvPr>
-        </p:nvSpPr>
-        <p:spPr/>
-        <p:txBody>
-          <a:bodyPr/>
-          <a:lstStyle/>
-          <a:p>
-            <a:fld id="{352532C4-7927-6444-971D-9540017D0F99}" type="slidenum">
+          <a:lstStyle>
+            <a:lvl1pPr>
+              <a:defRPr>
+                <a:solidFill>
+                  <a:schemeClr val="tx2"/>
+                </a:solidFill>
+              </a:defRPr>
+            </a:lvl1pPr>
+          </a:lstStyle>
+          <a:p>
+            <a:fld id="{D12AA694-00EB-4F4B-AABB-6F50FB178914}" type="slidenum">
               <a:rPr lang="en-US" smtClean="0"/>
               <a:t>‹#›</a:t>
             </a:fld>
@@ -784,14 +1283,9 @@
         </p:txBody>
       </p:sp>
     </p:spTree>
-    <p:extLst>
-      <p:ext uri="{BB962C8B-B14F-4D97-AF65-F5344CB8AC3E}">
-        <p14:creationId xmlns:p14="http://schemas.microsoft.com/office/powerpoint/2010/main" val="3750799411"/>
-      </p:ext>
-    </p:extLst>
   </p:cSld>
   <p:clrMapOvr>
-    <a:masterClrMapping/>
+    <a:overrideClrMapping bg1="dk1" tx1="lt1" bg2="dk2" tx2="lt2" accent1="accent1" accent2="accent2" accent3="accent3" accent4="accent4" accent5="accent5" accent6="accent6" hlink="hlink" folHlink="folHlink"/>
   </p:clrMapOvr>
 </p:sldLayout>
 </file>
@@ -829,10 +1323,10 @@
           <a:lstStyle/>
           <a:p>
             <a:r>
-              <a:rPr lang="da-DK" smtClean="0"/>
+              <a:rPr kumimoji="0" lang="da-DK" smtClean="0"/>
               <a:t>Click to edit Master title style</a:t>
             </a:r>
-            <a:endParaRPr lang="en-US"/>
+            <a:endParaRPr kumimoji="0" lang="en-US"/>
           </a:p>
         </p:txBody>
       </p:sp>
@@ -851,40 +1345,40 @@
           <a:bodyPr vert="eaVert"/>
           <a:lstStyle/>
           <a:p>
-            <a:pPr lvl="0"/>
+            <a:pPr lvl="0" eaLnBrk="1" latinLnBrk="0" hangingPunct="1"/>
             <a:r>
               <a:rPr lang="da-DK" smtClean="0"/>
               <a:t>Click to edit Master text styles</a:t>
             </a:r>
           </a:p>
           <a:p>
-            <a:pPr lvl="1"/>
+            <a:pPr lvl="1" eaLnBrk="1" latinLnBrk="0" hangingPunct="1"/>
             <a:r>
               <a:rPr lang="da-DK" smtClean="0"/>
               <a:t>Second level</a:t>
             </a:r>
           </a:p>
           <a:p>
-            <a:pPr lvl="2"/>
+            <a:pPr lvl="2" eaLnBrk="1" latinLnBrk="0" hangingPunct="1"/>
             <a:r>
               <a:rPr lang="da-DK" smtClean="0"/>
               <a:t>Third level</a:t>
             </a:r>
           </a:p>
           <a:p>
-            <a:pPr lvl="3"/>
+            <a:pPr lvl="3" eaLnBrk="1" latinLnBrk="0" hangingPunct="1"/>
             <a:r>
               <a:rPr lang="da-DK" smtClean="0"/>
               <a:t>Fourth level</a:t>
             </a:r>
           </a:p>
           <a:p>
-            <a:pPr lvl="4"/>
+            <a:pPr lvl="4" eaLnBrk="1" latinLnBrk="0" hangingPunct="1"/>
             <a:r>
               <a:rPr lang="da-DK" smtClean="0"/>
               <a:t>Fifth level</a:t>
             </a:r>
-            <a:endParaRPr lang="en-US"/>
+            <a:endParaRPr kumimoji="0" lang="en-US"/>
           </a:p>
         </p:txBody>
       </p:sp>
@@ -903,9 +1397,9 @@
           <a:bodyPr/>
           <a:lstStyle/>
           <a:p>
-            <a:fld id="{37E30DBC-0852-F942-BA21-5F9121A408F1}" type="datetimeFigureOut">
-              <a:rPr lang="en-US" smtClean="0"/>
-              <a:t>18/04/11</a:t>
+            <a:fld id="{834D7215-D9B5-F849-8092-972B49A3071D}" type="datetime1">
+              <a:rPr lang="da-DK" smtClean="0"/>
+              <a:t>27/04/11</a:t>
             </a:fld>
             <a:endParaRPr lang="en-US"/>
           </a:p>
@@ -926,6 +1420,10 @@
           <a:bodyPr/>
           <a:lstStyle/>
           <a:p>
+            <a:r>
+              <a:rPr lang="is-IS" smtClean="0"/>
+              <a:t>hyggekaffe.dk</a:t>
+            </a:r>
             <a:endParaRPr lang="en-US"/>
           </a:p>
         </p:txBody>
@@ -954,11 +1452,6 @@
         </p:txBody>
       </p:sp>
     </p:spTree>
-    <p:extLst>
-      <p:ext uri="{BB962C8B-B14F-4D97-AF65-F5344CB8AC3E}">
-        <p14:creationId xmlns:p14="http://schemas.microsoft.com/office/powerpoint/2010/main" val="948643091"/>
-      </p:ext>
-    </p:extLst>
   </p:cSld>
   <p:clrMapOvr>
     <a:masterClrMapping/>
@@ -967,8 +1460,13 @@
 </file>
 
 <file path=ppt/slideLayouts/slideLayout11.xml><?xml version="1.0" encoding="utf-8"?>
-<p:sldLayout xmlns:a="http://schemas.openxmlformats.org/drawingml/2006/main" xmlns:r="http://schemas.openxmlformats.org/officeDocument/2006/relationships" xmlns:p="http://schemas.openxmlformats.org/presentationml/2006/main" type="vertTitleAndTx" preserve="1">
+<p:sldLayout xmlns:a="http://schemas.openxmlformats.org/drawingml/2006/main" xmlns:r="http://schemas.openxmlformats.org/officeDocument/2006/relationships" xmlns:p="http://schemas.openxmlformats.org/presentationml/2006/main" showMasterSp="0" type="vertTitleAndTx" preserve="1">
   <p:cSld name="Vertical Title and Text">
+    <p:bg>
+      <p:bgRef idx="1001">
+        <a:schemeClr val="bg1"/>
+      </p:bgRef>
+    </p:bg>
     <p:spTree>
       <p:nvGrpSpPr>
         <p:cNvPr id="1" name=""/>
@@ -995,8 +1493,8 @@
         </p:nvSpPr>
         <p:spPr>
           <a:xfrm>
-            <a:off x="6629400" y="274638"/>
-            <a:ext cx="2057400" cy="5851525"/>
+            <a:off x="6553200" y="609600"/>
+            <a:ext cx="2057400" cy="5516563"/>
           </a:xfrm>
         </p:spPr>
         <p:txBody>
@@ -1004,10 +1502,10 @@
           <a:lstStyle/>
           <a:p>
             <a:r>
-              <a:rPr lang="da-DK" smtClean="0"/>
+              <a:rPr kumimoji="0" lang="da-DK" smtClean="0"/>
               <a:t>Click to edit Master title style</a:t>
             </a:r>
-            <a:endParaRPr lang="en-US"/>
+            <a:endParaRPr kumimoji="0" lang="en-US"/>
           </a:p>
         </p:txBody>
       </p:sp>
@@ -1023,48 +1521,48 @@
         </p:nvSpPr>
         <p:spPr>
           <a:xfrm>
-            <a:off x="457200" y="274638"/>
-            <a:ext cx="6019800" cy="5851525"/>
+            <a:off x="457200" y="609600"/>
+            <a:ext cx="5562600" cy="5516564"/>
           </a:xfrm>
         </p:spPr>
         <p:txBody>
           <a:bodyPr vert="eaVert"/>
           <a:lstStyle/>
           <a:p>
-            <a:pPr lvl="0"/>
+            <a:pPr lvl="0" eaLnBrk="1" latinLnBrk="0" hangingPunct="1"/>
             <a:r>
               <a:rPr lang="da-DK" smtClean="0"/>
               <a:t>Click to edit Master text styles</a:t>
             </a:r>
           </a:p>
           <a:p>
-            <a:pPr lvl="1"/>
+            <a:pPr lvl="1" eaLnBrk="1" latinLnBrk="0" hangingPunct="1"/>
             <a:r>
               <a:rPr lang="da-DK" smtClean="0"/>
               <a:t>Second level</a:t>
             </a:r>
           </a:p>
           <a:p>
-            <a:pPr lvl="2"/>
+            <a:pPr lvl="2" eaLnBrk="1" latinLnBrk="0" hangingPunct="1"/>
             <a:r>
               <a:rPr lang="da-DK" smtClean="0"/>
               <a:t>Third level</a:t>
             </a:r>
           </a:p>
           <a:p>
-            <a:pPr lvl="3"/>
+            <a:pPr lvl="3" eaLnBrk="1" latinLnBrk="0" hangingPunct="1"/>
             <a:r>
               <a:rPr lang="da-DK" smtClean="0"/>
               <a:t>Fourth level</a:t>
             </a:r>
           </a:p>
           <a:p>
-            <a:pPr lvl="4"/>
+            <a:pPr lvl="4" eaLnBrk="1" latinLnBrk="0" hangingPunct="1"/>
             <a:r>
               <a:rPr lang="da-DK" smtClean="0"/>
               <a:t>Fifth level</a:t>
             </a:r>
-            <a:endParaRPr lang="en-US"/>
+            <a:endParaRPr kumimoji="0" lang="en-US"/>
           </a:p>
         </p:txBody>
       </p:sp>
@@ -1078,14 +1576,19 @@
             <p:ph type="dt" sz="half" idx="10"/>
           </p:nvPr>
         </p:nvSpPr>
-        <p:spPr/>
+        <p:spPr>
+          <a:xfrm>
+            <a:off x="6553200" y="6248402"/>
+            <a:ext cx="2209800" cy="365125"/>
+          </a:xfrm>
+        </p:spPr>
         <p:txBody>
           <a:bodyPr/>
           <a:lstStyle/>
           <a:p>
-            <a:fld id="{37E30DBC-0852-F942-BA21-5F9121A408F1}" type="datetimeFigureOut">
-              <a:rPr lang="en-US" smtClean="0"/>
-              <a:t>18/04/11</a:t>
+            <a:fld id="{CBEE8FB3-441E-D44F-A689-4DD186A799C4}" type="datetime1">
+              <a:rPr lang="da-DK" smtClean="0"/>
+              <a:t>27/04/11</a:t>
             </a:fld>
             <a:endParaRPr lang="en-US"/>
           </a:p>
@@ -1101,17 +1604,161 @@
             <p:ph type="ftr" sz="quarter" idx="11"/>
           </p:nvPr>
         </p:nvSpPr>
-        <p:spPr/>
+        <p:spPr>
+          <a:xfrm>
+            <a:off x="457201" y="6248207"/>
+            <a:ext cx="5573483" cy="365125"/>
+          </a:xfrm>
+        </p:spPr>
         <p:txBody>
           <a:bodyPr/>
           <a:lstStyle/>
           <a:p>
+            <a:r>
+              <a:rPr lang="is-IS" smtClean="0"/>
+              <a:t>hyggekaffe.dk</a:t>
+            </a:r>
             <a:endParaRPr lang="en-US"/>
           </a:p>
         </p:txBody>
       </p:sp>
       <p:sp>
         <p:nvSpPr>
+          <p:cNvPr id="7" name="Rectangle 6"/>
+          <p:cNvSpPr/>
+          <p:nvPr/>
+        </p:nvSpPr>
+        <p:spPr bwMode="white">
+          <a:xfrm>
+            <a:off x="6096318" y="0"/>
+            <a:ext cx="320040" cy="6858000"/>
+          </a:xfrm>
+          <a:prstGeom prst="rect">
+            <a:avLst/>
+          </a:prstGeom>
+          <a:solidFill>
+            <a:srgbClr val="FFFFFF"/>
+          </a:solidFill>
+          <a:ln w="19050" cap="flat" cmpd="sng" algn="ctr">
+            <a:noFill/>
+            <a:prstDash val="solid"/>
+          </a:ln>
+        </p:spPr>
+        <p:style>
+          <a:lnRef idx="2">
+            <a:schemeClr val="accent1"/>
+          </a:lnRef>
+          <a:fillRef idx="1">
+            <a:schemeClr val="accent1"/>
+          </a:fillRef>
+          <a:effectRef idx="0">
+            <a:schemeClr val="accent1"/>
+          </a:effectRef>
+          <a:fontRef idx="minor">
+            <a:schemeClr val="lt1"/>
+          </a:fontRef>
+        </p:style>
+        <p:txBody>
+          <a:bodyPr rtlCol="0" anchor="ctr"/>
+          <a:lstStyle/>
+          <a:p>
+            <a:pPr algn="ctr" eaLnBrk="1" latinLnBrk="0" hangingPunct="1"/>
+            <a:endParaRPr kumimoji="0" lang="en-US"/>
+          </a:p>
+        </p:txBody>
+      </p:sp>
+      <p:sp>
+        <p:nvSpPr>
+          <p:cNvPr id="8" name="Rectangle 7"/>
+          <p:cNvSpPr/>
+          <p:nvPr/>
+        </p:nvSpPr>
+        <p:spPr>
+          <a:xfrm>
+            <a:off x="6142038" y="609600"/>
+            <a:ext cx="228600" cy="6248400"/>
+          </a:xfrm>
+          <a:prstGeom prst="rect">
+            <a:avLst/>
+          </a:prstGeom>
+          <a:solidFill>
+            <a:schemeClr val="accent1"/>
+          </a:solidFill>
+          <a:ln w="19050" cap="flat" cmpd="sng" algn="ctr">
+            <a:noFill/>
+            <a:prstDash val="solid"/>
+          </a:ln>
+        </p:spPr>
+        <p:style>
+          <a:lnRef idx="2">
+            <a:schemeClr val="accent1"/>
+          </a:lnRef>
+          <a:fillRef idx="1">
+            <a:schemeClr val="accent1"/>
+          </a:fillRef>
+          <a:effectRef idx="0">
+            <a:schemeClr val="accent1"/>
+          </a:effectRef>
+          <a:fontRef idx="minor">
+            <a:schemeClr val="lt1"/>
+          </a:fontRef>
+        </p:style>
+        <p:txBody>
+          <a:bodyPr rtlCol="0" anchor="ctr"/>
+          <a:lstStyle/>
+          <a:p>
+            <a:pPr algn="ctr" eaLnBrk="1" latinLnBrk="0" hangingPunct="1"/>
+            <a:endParaRPr kumimoji="0" lang="en-US"/>
+          </a:p>
+        </p:txBody>
+      </p:sp>
+      <p:sp>
+        <p:nvSpPr>
+          <p:cNvPr id="9" name="Rectangle 8"/>
+          <p:cNvSpPr/>
+          <p:nvPr/>
+        </p:nvSpPr>
+        <p:spPr>
+          <a:xfrm>
+            <a:off x="6142038" y="0"/>
+            <a:ext cx="228600" cy="533400"/>
+          </a:xfrm>
+          <a:prstGeom prst="rect">
+            <a:avLst/>
+          </a:prstGeom>
+          <a:solidFill>
+            <a:schemeClr val="accent2"/>
+          </a:solidFill>
+          <a:ln w="19050" cap="flat" cmpd="sng" algn="ctr">
+            <a:noFill/>
+            <a:prstDash val="solid"/>
+          </a:ln>
+        </p:spPr>
+        <p:style>
+          <a:lnRef idx="2">
+            <a:schemeClr val="accent1"/>
+          </a:lnRef>
+          <a:fillRef idx="1">
+            <a:schemeClr val="accent1"/>
+          </a:fillRef>
+          <a:effectRef idx="0">
+            <a:schemeClr val="accent1"/>
+          </a:effectRef>
+          <a:fontRef idx="minor">
+            <a:schemeClr val="lt1"/>
+          </a:fontRef>
+        </p:style>
+        <p:txBody>
+          <a:bodyPr rtlCol="0" anchor="ctr"/>
+          <a:lstStyle/>
+          <a:p>
+            <a:pPr algn="ctr" eaLnBrk="1" latinLnBrk="0" hangingPunct="1"/>
+            <a:endParaRPr kumimoji="0" lang="en-US"/>
+          </a:p>
+        </p:txBody>
+      </p:sp>
+      <p:sp>
+        <p:nvSpPr>
           <p:cNvPr id="6" name="Slide Number Placeholder 5"/>
           <p:cNvSpPr>
             <a:spLocks noGrp="1"/>
@@ -1120,7 +1767,12 @@
             <p:ph type="sldNum" sz="quarter" idx="12"/>
           </p:nvPr>
         </p:nvSpPr>
-        <p:spPr/>
+        <p:spPr>
+          <a:xfrm rot="5400000">
+            <a:off x="5989638" y="144462"/>
+            <a:ext cx="533400" cy="244476"/>
+          </a:xfrm>
+        </p:spPr>
         <p:txBody>
           <a:bodyPr/>
           <a:lstStyle/>
@@ -1134,14 +1786,9 @@
         </p:txBody>
       </p:sp>
     </p:spTree>
-    <p:extLst>
-      <p:ext uri="{BB962C8B-B14F-4D97-AF65-F5344CB8AC3E}">
-        <p14:creationId xmlns:p14="http://schemas.microsoft.com/office/powerpoint/2010/main" val="1991493914"/>
-      </p:ext>
-    </p:extLst>
   </p:cSld>
   <p:clrMapOvr>
-    <a:masterClrMapping/>
+    <a:overrideClrMapping bg1="lt1" tx1="dk1" bg2="lt2" tx2="dk2" accent1="accent1" accent2="accent2" accent3="accent3" accent4="accent4" accent5="accent5" accent6="accent6" hlink="hlink" folHlink="folHlink"/>
   </p:clrMapOvr>
 </p:sldLayout>
 </file>
@@ -1173,89 +1820,42 @@
             <p:ph type="title"/>
           </p:nvPr>
         </p:nvSpPr>
+        <p:spPr>
+          <a:xfrm>
+            <a:off x="612648" y="228600"/>
+            <a:ext cx="8153400" cy="990600"/>
+          </a:xfrm>
+        </p:spPr>
+        <p:txBody>
+          <a:bodyPr/>
+          <a:lstStyle/>
+          <a:p>
+            <a:r>
+              <a:rPr kumimoji="0" lang="da-DK" smtClean="0"/>
+              <a:t>Click to edit Master title style</a:t>
+            </a:r>
+            <a:endParaRPr kumimoji="0" lang="en-US"/>
+          </a:p>
+        </p:txBody>
+      </p:sp>
+      <p:sp>
+        <p:nvSpPr>
+          <p:cNvPr id="4" name="Date Placeholder 3"/>
+          <p:cNvSpPr>
+            <a:spLocks noGrp="1"/>
+          </p:cNvSpPr>
+          <p:nvPr>
+            <p:ph type="dt" sz="half" idx="10"/>
+          </p:nvPr>
+        </p:nvSpPr>
         <p:spPr/>
         <p:txBody>
           <a:bodyPr/>
           <a:lstStyle/>
           <a:p>
-            <a:r>
+            <a:fld id="{C28F3DC5-4093-DF41-805B-E94DE59E80DC}" type="datetime1">
               <a:rPr lang="da-DK" smtClean="0"/>
-              <a:t>Click to edit Master title style</a:t>
-            </a:r>
-            <a:endParaRPr lang="en-US"/>
-          </a:p>
-        </p:txBody>
-      </p:sp>
-      <p:sp>
-        <p:nvSpPr>
-          <p:cNvPr id="3" name="Content Placeholder 2"/>
-          <p:cNvSpPr>
-            <a:spLocks noGrp="1"/>
-          </p:cNvSpPr>
-          <p:nvPr>
-            <p:ph idx="1"/>
-          </p:nvPr>
-        </p:nvSpPr>
-        <p:spPr/>
-        <p:txBody>
-          <a:bodyPr/>
-          <a:lstStyle/>
-          <a:p>
-            <a:pPr lvl="0"/>
-            <a:r>
-              <a:rPr lang="da-DK" smtClean="0"/>
-              <a:t>Click to edit Master text styles</a:t>
-            </a:r>
-          </a:p>
-          <a:p>
-            <a:pPr lvl="1"/>
-            <a:r>
-              <a:rPr lang="da-DK" smtClean="0"/>
-              <a:t>Second level</a:t>
-            </a:r>
-          </a:p>
-          <a:p>
-            <a:pPr lvl="2"/>
-            <a:r>
-              <a:rPr lang="da-DK" smtClean="0"/>
-              <a:t>Third level</a:t>
-            </a:r>
-          </a:p>
-          <a:p>
-            <a:pPr lvl="3"/>
-            <a:r>
-              <a:rPr lang="da-DK" smtClean="0"/>
-              <a:t>Fourth level</a:t>
-            </a:r>
-          </a:p>
-          <a:p>
-            <a:pPr lvl="4"/>
-            <a:r>
-              <a:rPr lang="da-DK" smtClean="0"/>
-              <a:t>Fifth level</a:t>
-            </a:r>
-            <a:endParaRPr lang="en-US"/>
-          </a:p>
-        </p:txBody>
-      </p:sp>
-      <p:sp>
-        <p:nvSpPr>
-          <p:cNvPr id="4" name="Date Placeholder 3"/>
-          <p:cNvSpPr>
-            <a:spLocks noGrp="1"/>
-          </p:cNvSpPr>
-          <p:nvPr>
-            <p:ph type="dt" sz="half" idx="10"/>
-          </p:nvPr>
-        </p:nvSpPr>
-        <p:spPr/>
-        <p:txBody>
-          <a:bodyPr/>
-          <a:lstStyle/>
-          <a:p>
-            <a:fld id="{37E30DBC-0852-F942-BA21-5F9121A408F1}" type="datetimeFigureOut">
-              <a:rPr lang="en-US" smtClean="0"/>
-              <a:t>18/04/11</a:t>
+              <a:t>27/04/11</a:t>
             </a:fld>
             <a:endParaRPr lang="en-US"/>
           </a:p>
@@ -1276,6 +1876,10 @@
           <a:bodyPr/>
           <a:lstStyle/>
           <a:p>
+            <a:r>
+              <a:rPr lang="is-IS" smtClean="0"/>
+              <a:t>hyggekaffe.dk</a:t>
+            </a:r>
             <a:endParaRPr lang="en-US"/>
           </a:p>
         </p:txBody>
@@ -1293,7 +1897,15 @@
         <p:spPr/>
         <p:txBody>
           <a:bodyPr/>
-          <a:lstStyle/>
+          <a:lstStyle>
+            <a:lvl1pPr>
+              <a:defRPr>
+                <a:solidFill>
+                  <a:srgbClr val="FFFFFF"/>
+                </a:solidFill>
+              </a:defRPr>
+            </a:lvl1pPr>
+          </a:lstStyle>
           <a:p>
             <a:fld id="{352532C4-7927-6444-971D-9540017D0F99}" type="slidenum">
               <a:rPr lang="en-US" smtClean="0"/>
@@ -1303,12 +1915,64 @@
           </a:p>
         </p:txBody>
       </p:sp>
+      <p:sp>
+        <p:nvSpPr>
+          <p:cNvPr id="8" name="Content Placeholder 7"/>
+          <p:cNvSpPr>
+            <a:spLocks noGrp="1"/>
+          </p:cNvSpPr>
+          <p:nvPr>
+            <p:ph sz="quarter" idx="1"/>
+          </p:nvPr>
+        </p:nvSpPr>
+        <p:spPr>
+          <a:xfrm>
+            <a:off x="612648" y="1600200"/>
+            <a:ext cx="8153400" cy="4495800"/>
+          </a:xfrm>
+        </p:spPr>
+        <p:txBody>
+          <a:bodyPr/>
+          <a:lstStyle/>
+          <a:p>
+            <a:pPr lvl="0" eaLnBrk="1" latinLnBrk="0" hangingPunct="1"/>
+            <a:r>
+              <a:rPr lang="da-DK" smtClean="0"/>
+              <a:t>Click to edit Master text styles</a:t>
+            </a:r>
+          </a:p>
+          <a:p>
+            <a:pPr lvl="1" eaLnBrk="1" latinLnBrk="0" hangingPunct="1"/>
+            <a:r>
+              <a:rPr lang="da-DK" smtClean="0"/>
+              <a:t>Second level</a:t>
+            </a:r>
+          </a:p>
+          <a:p>
+            <a:pPr lvl="2" eaLnBrk="1" latinLnBrk="0" hangingPunct="1"/>
+            <a:r>
+              <a:rPr lang="da-DK" smtClean="0"/>
+              <a:t>Third level</a:t>
+            </a:r>
+          </a:p>
+          <a:p>
+            <a:pPr lvl="3" eaLnBrk="1" latinLnBrk="0" hangingPunct="1"/>
+            <a:r>
+              <a:rPr lang="da-DK" smtClean="0"/>
+              <a:t>Fourth level</a:t>
+            </a:r>
+          </a:p>
+          <a:p>
+            <a:pPr lvl="4" eaLnBrk="1" latinLnBrk="0" hangingPunct="1"/>
+            <a:r>
+              <a:rPr lang="da-DK" smtClean="0"/>
+              <a:t>Fifth level</a:t>
+            </a:r>
+            <a:endParaRPr kumimoji="0" lang="en-US"/>
+          </a:p>
+        </p:txBody>
+      </p:sp>
     </p:spTree>
-    <p:extLst>
-      <p:ext uri="{BB962C8B-B14F-4D97-AF65-F5344CB8AC3E}">
-        <p14:creationId xmlns:p14="http://schemas.microsoft.com/office/powerpoint/2010/main" val="3828282342"/>
-      </p:ext>
-    </p:extLst>
   </p:cSld>
   <p:clrMapOvr>
     <a:masterClrMapping/>
@@ -1317,8 +1981,13 @@
 </file>
 
 <file path=ppt/slideLayouts/slideLayout3.xml><?xml version="1.0" encoding="utf-8"?>
-<p:sldLayout xmlns:a="http://schemas.openxmlformats.org/drawingml/2006/main" xmlns:r="http://schemas.openxmlformats.org/officeDocument/2006/relationships" xmlns:p="http://schemas.openxmlformats.org/presentationml/2006/main" type="secHead" preserve="1">
+<p:sldLayout xmlns:a="http://schemas.openxmlformats.org/drawingml/2006/main" xmlns:r="http://schemas.openxmlformats.org/officeDocument/2006/relationships" xmlns:p="http://schemas.openxmlformats.org/presentationml/2006/main" showMasterSp="0" type="secHead" preserve="1">
   <p:cSld name="Section Header">
+    <p:bg>
+      <p:bgRef idx="1003">
+        <a:schemeClr val="bg1"/>
+      </p:bgRef>
+    </p:bg>
     <p:spTree>
       <p:nvGrpSpPr>
         <p:cNvPr id="1" name=""/>
@@ -1335,66 +2004,32 @@
       </p:grpSpPr>
       <p:sp>
         <p:nvSpPr>
-          <p:cNvPr id="2" name="Title 1"/>
-          <p:cNvSpPr>
-            <a:spLocks noGrp="1"/>
-          </p:cNvSpPr>
-          <p:nvPr>
-            <p:ph type="title"/>
+          <p:cNvPr id="3" name="Text Placeholder 2"/>
+          <p:cNvSpPr>
+            <a:spLocks noGrp="1"/>
+          </p:cNvSpPr>
+          <p:nvPr>
+            <p:ph type="body" idx="1"/>
           </p:nvPr>
         </p:nvSpPr>
         <p:spPr>
           <a:xfrm>
-            <a:off x="722313" y="4406900"/>
-            <a:ext cx="7772400" cy="1362075"/>
+            <a:off x="1371600" y="2743200"/>
+            <a:ext cx="7123113" cy="1673225"/>
           </a:xfrm>
         </p:spPr>
         <p:txBody>
           <a:bodyPr anchor="t"/>
-          <a:lstStyle>
-            <a:lvl1pPr algn="l">
-              <a:defRPr sz="4000" b="1" cap="all"/>
-            </a:lvl1pPr>
-          </a:lstStyle>
-          <a:p>
-            <a:r>
-              <a:rPr lang="da-DK" smtClean="0"/>
-              <a:t>Click to edit Master title style</a:t>
-            </a:r>
-            <a:endParaRPr lang="en-US"/>
-          </a:p>
-        </p:txBody>
-      </p:sp>
-      <p:sp>
-        <p:nvSpPr>
-          <p:cNvPr id="3" name="Text Placeholder 2"/>
-          <p:cNvSpPr>
-            <a:spLocks noGrp="1"/>
-          </p:cNvSpPr>
-          <p:nvPr>
-            <p:ph type="body" idx="1"/>
-          </p:nvPr>
-        </p:nvSpPr>
-        <p:spPr>
-          <a:xfrm>
-            <a:off x="722313" y="2906713"/>
-            <a:ext cx="7772400" cy="1500187"/>
-          </a:xfrm>
-        </p:spPr>
-        <p:txBody>
-          <a:bodyPr anchor="b"/>
           <a:lstStyle>
             <a:lvl1pPr marL="0" indent="0">
               <a:buNone/>
-              <a:defRPr sz="2000">
+              <a:defRPr sz="2800">
                 <a:solidFill>
-                  <a:schemeClr val="tx1">
-                    <a:tint val="75000"/>
-                  </a:schemeClr>
+                  <a:schemeClr val="tx2"/>
                 </a:solidFill>
               </a:defRPr>
             </a:lvl1pPr>
-            <a:lvl2pPr marL="457200" indent="0">
+            <a:lvl2pPr>
               <a:buNone/>
               <a:defRPr sz="1800">
                 <a:solidFill>
@@ -1404,7 +2039,7 @@
                 </a:solidFill>
               </a:defRPr>
             </a:lvl2pPr>
-            <a:lvl3pPr marL="914400" indent="0">
+            <a:lvl3pPr>
               <a:buNone/>
               <a:defRPr sz="1600">
                 <a:solidFill>
@@ -1414,7 +2049,7 @@
                 </a:solidFill>
               </a:defRPr>
             </a:lvl3pPr>
-            <a:lvl4pPr marL="1371600" indent="0">
+            <a:lvl4pPr>
               <a:buNone/>
               <a:defRPr sz="1400">
                 <a:solidFill>
@@ -1424,7 +2059,7 @@
                 </a:solidFill>
               </a:defRPr>
             </a:lvl4pPr>
-            <a:lvl5pPr marL="1828800" indent="0">
+            <a:lvl5pPr>
               <a:buNone/>
               <a:defRPr sz="1400">
                 <a:solidFill>
@@ -1434,112 +2069,247 @@
                 </a:solidFill>
               </a:defRPr>
             </a:lvl5pPr>
-            <a:lvl6pPr marL="2286000" indent="0">
+          </a:lstStyle>
+          <a:p>
+            <a:pPr lvl="0" eaLnBrk="1" latinLnBrk="0" hangingPunct="1"/>
+            <a:r>
+              <a:rPr kumimoji="0" lang="da-DK" smtClean="0"/>
+              <a:t>Click to edit Master text styles</a:t>
+            </a:r>
+          </a:p>
+        </p:txBody>
+      </p:sp>
+      <p:sp>
+        <p:nvSpPr>
+          <p:cNvPr id="7" name="Rectangle 6"/>
+          <p:cNvSpPr/>
+          <p:nvPr/>
+        </p:nvSpPr>
+        <p:spPr bwMode="white">
+          <a:xfrm>
+            <a:off x="0" y="1524000"/>
+            <a:ext cx="9144000" cy="1143000"/>
+          </a:xfrm>
+          <a:prstGeom prst="rect">
+            <a:avLst/>
+          </a:prstGeom>
+          <a:solidFill>
+            <a:srgbClr val="FFFFFF"/>
+          </a:solidFill>
+          <a:ln w="50800" cap="rnd" cmpd="dbl" algn="ctr">
+            <a:noFill/>
+            <a:prstDash val="solid"/>
+          </a:ln>
+          <a:effectLst/>
+        </p:spPr>
+        <p:style>
+          <a:lnRef idx="3">
+            <a:schemeClr val="lt1"/>
+          </a:lnRef>
+          <a:fillRef idx="1">
+            <a:schemeClr val="accent1"/>
+          </a:fillRef>
+          <a:effectRef idx="1">
+            <a:schemeClr val="accent1"/>
+          </a:effectRef>
+          <a:fontRef idx="minor">
+            <a:schemeClr val="lt1"/>
+          </a:fontRef>
+        </p:style>
+        <p:txBody>
+          <a:bodyPr anchor="ctr"/>
+          <a:lstStyle/>
+          <a:p>
+            <a:pPr algn="ctr" eaLnBrk="1" latinLnBrk="0" hangingPunct="1"/>
+            <a:endParaRPr kumimoji="0" lang="en-US"/>
+          </a:p>
+        </p:txBody>
+      </p:sp>
+      <p:sp>
+        <p:nvSpPr>
+          <p:cNvPr id="8" name="Rectangle 7"/>
+          <p:cNvSpPr/>
+          <p:nvPr/>
+        </p:nvSpPr>
+        <p:spPr>
+          <a:xfrm>
+            <a:off x="0" y="1600200"/>
+            <a:ext cx="1295400" cy="990600"/>
+          </a:xfrm>
+          <a:prstGeom prst="rect">
+            <a:avLst/>
+          </a:prstGeom>
+          <a:solidFill>
+            <a:schemeClr val="accent2">
+              <a:alpha val="100000"/>
+            </a:schemeClr>
+          </a:solidFill>
+          <a:ln w="50800" cap="rnd" cmpd="dbl" algn="ctr">
+            <a:noFill/>
+            <a:prstDash val="solid"/>
+          </a:ln>
+          <a:effectLst/>
+        </p:spPr>
+        <p:style>
+          <a:lnRef idx="3">
+            <a:schemeClr val="lt1"/>
+          </a:lnRef>
+          <a:fillRef idx="1">
+            <a:schemeClr val="accent1"/>
+          </a:fillRef>
+          <a:effectRef idx="1">
+            <a:schemeClr val="accent1"/>
+          </a:effectRef>
+          <a:fontRef idx="minor">
+            <a:schemeClr val="lt1"/>
+          </a:fontRef>
+        </p:style>
+        <p:txBody>
+          <a:bodyPr anchor="ctr"/>
+          <a:lstStyle/>
+          <a:p>
+            <a:pPr algn="ctr" eaLnBrk="1" latinLnBrk="0" hangingPunct="1"/>
+            <a:endParaRPr kumimoji="0" lang="en-US"/>
+          </a:p>
+        </p:txBody>
+      </p:sp>
+      <p:sp>
+        <p:nvSpPr>
+          <p:cNvPr id="9" name="Rectangle 8"/>
+          <p:cNvSpPr/>
+          <p:nvPr/>
+        </p:nvSpPr>
+        <p:spPr>
+          <a:xfrm>
+            <a:off x="1371600" y="1600200"/>
+            <a:ext cx="7772400" cy="990600"/>
+          </a:xfrm>
+          <a:prstGeom prst="rect">
+            <a:avLst/>
+          </a:prstGeom>
+          <a:solidFill>
+            <a:schemeClr val="accent1">
+              <a:alpha val="100000"/>
+            </a:schemeClr>
+          </a:solidFill>
+          <a:ln w="50800" cap="rnd" cmpd="dbl" algn="ctr">
+            <a:noFill/>
+            <a:prstDash val="solid"/>
+          </a:ln>
+          <a:effectLst/>
+        </p:spPr>
+        <p:style>
+          <a:lnRef idx="3">
+            <a:schemeClr val="lt1"/>
+          </a:lnRef>
+          <a:fillRef idx="1">
+            <a:schemeClr val="accent1"/>
+          </a:fillRef>
+          <a:effectRef idx="1">
+            <a:schemeClr val="accent1"/>
+          </a:effectRef>
+          <a:fontRef idx="minor">
+            <a:schemeClr val="lt1"/>
+          </a:fontRef>
+        </p:style>
+        <p:txBody>
+          <a:bodyPr anchor="ctr"/>
+          <a:lstStyle/>
+          <a:p>
+            <a:pPr algn="ctr" eaLnBrk="1" latinLnBrk="0" hangingPunct="1"/>
+            <a:endParaRPr kumimoji="0" lang="en-US"/>
+          </a:p>
+        </p:txBody>
+      </p:sp>
+      <p:sp>
+        <p:nvSpPr>
+          <p:cNvPr id="2" name="Title 1"/>
+          <p:cNvSpPr>
+            <a:spLocks noGrp="1"/>
+          </p:cNvSpPr>
+          <p:nvPr>
+            <p:ph type="title"/>
+          </p:nvPr>
+        </p:nvSpPr>
+        <p:spPr>
+          <a:xfrm>
+            <a:off x="1371600" y="1600200"/>
+            <a:ext cx="7620000" cy="990600"/>
+          </a:xfrm>
+        </p:spPr>
+        <p:txBody>
+          <a:bodyPr/>
+          <a:lstStyle>
+            <a:lvl1pPr algn="l">
               <a:buNone/>
-              <a:defRPr sz="1400">
+              <a:defRPr sz="4400" b="0" cap="none">
                 <a:solidFill>
-                  <a:schemeClr val="tx1">
-                    <a:tint val="75000"/>
-                  </a:schemeClr>
+                  <a:srgbClr val="FFFFFF"/>
                 </a:solidFill>
               </a:defRPr>
-            </a:lvl6pPr>
-            <a:lvl7pPr marL="2743200" indent="0">
-              <a:buNone/>
-              <a:defRPr sz="1400">
+            </a:lvl1pPr>
+          </a:lstStyle>
+          <a:p>
+            <a:r>
+              <a:rPr kumimoji="0" lang="da-DK" smtClean="0"/>
+              <a:t>Click to edit Master title style</a:t>
+            </a:r>
+            <a:endParaRPr kumimoji="0" lang="en-US"/>
+          </a:p>
+        </p:txBody>
+      </p:sp>
+      <p:sp>
+        <p:nvSpPr>
+          <p:cNvPr id="12" name="Date Placeholder 11"/>
+          <p:cNvSpPr>
+            <a:spLocks noGrp="1"/>
+          </p:cNvSpPr>
+          <p:nvPr>
+            <p:ph type="dt" sz="half" idx="10"/>
+          </p:nvPr>
+        </p:nvSpPr>
+        <p:spPr/>
+        <p:txBody>
+          <a:bodyPr/>
+          <a:lstStyle/>
+          <a:p>
+            <a:fld id="{9A70AE2C-6256-7D4C-94A4-4F1AB6FA8CEF}" type="datetime1">
+              <a:rPr lang="da-DK" smtClean="0"/>
+              <a:t>27/04/11</a:t>
+            </a:fld>
+            <a:endParaRPr lang="en-US"/>
+          </a:p>
+        </p:txBody>
+      </p:sp>
+      <p:sp>
+        <p:nvSpPr>
+          <p:cNvPr id="13" name="Slide Number Placeholder 12"/>
+          <p:cNvSpPr>
+            <a:spLocks noGrp="1"/>
+          </p:cNvSpPr>
+          <p:nvPr>
+            <p:ph type="sldNum" sz="quarter" idx="11"/>
+          </p:nvPr>
+        </p:nvSpPr>
+        <p:spPr>
+          <a:xfrm>
+            <a:off x="0" y="1752600"/>
+            <a:ext cx="1295400" cy="701676"/>
+          </a:xfrm>
+        </p:spPr>
+        <p:txBody>
+          <a:bodyPr>
+            <a:noAutofit/>
+          </a:bodyPr>
+          <a:lstStyle>
+            <a:lvl1pPr>
+              <a:defRPr sz="2400">
                 <a:solidFill>
-                  <a:schemeClr val="tx1">
-                    <a:tint val="75000"/>
-                  </a:schemeClr>
+                  <a:srgbClr val="FFFFFF"/>
                 </a:solidFill>
               </a:defRPr>
-            </a:lvl7pPr>
-            <a:lvl8pPr marL="3200400" indent="0">
-              <a:buNone/>
-              <a:defRPr sz="1400">
-                <a:solidFill>
-                  <a:schemeClr val="tx1">
-                    <a:tint val="75000"/>
-                  </a:schemeClr>
-                </a:solidFill>
-              </a:defRPr>
-            </a:lvl8pPr>
-            <a:lvl9pPr marL="3657600" indent="0">
-              <a:buNone/>
-              <a:defRPr sz="1400">
-                <a:solidFill>
-                  <a:schemeClr val="tx1">
-                    <a:tint val="75000"/>
-                  </a:schemeClr>
-                </a:solidFill>
-              </a:defRPr>
-            </a:lvl9pPr>
+            </a:lvl1pPr>
           </a:lstStyle>
-          <a:p>
-            <a:pPr lvl="0"/>
-            <a:r>
-              <a:rPr lang="da-DK" smtClean="0"/>
-              <a:t>Click to edit Master text styles</a:t>
-            </a:r>
-          </a:p>
-        </p:txBody>
-      </p:sp>
-      <p:sp>
-        <p:nvSpPr>
-          <p:cNvPr id="4" name="Date Placeholder 3"/>
-          <p:cNvSpPr>
-            <a:spLocks noGrp="1"/>
-          </p:cNvSpPr>
-          <p:nvPr>
-            <p:ph type="dt" sz="half" idx="10"/>
-          </p:nvPr>
-        </p:nvSpPr>
-        <p:spPr/>
-        <p:txBody>
-          <a:bodyPr/>
-          <a:lstStyle/>
-          <a:p>
-            <a:fld id="{37E30DBC-0852-F942-BA21-5F9121A408F1}" type="datetimeFigureOut">
-              <a:rPr lang="en-US" smtClean="0"/>
-              <a:t>18/04/11</a:t>
-            </a:fld>
-            <a:endParaRPr lang="en-US"/>
-          </a:p>
-        </p:txBody>
-      </p:sp>
-      <p:sp>
-        <p:nvSpPr>
-          <p:cNvPr id="5" name="Footer Placeholder 4"/>
-          <p:cNvSpPr>
-            <a:spLocks noGrp="1"/>
-          </p:cNvSpPr>
-          <p:nvPr>
-            <p:ph type="ftr" sz="quarter" idx="11"/>
-          </p:nvPr>
-        </p:nvSpPr>
-        <p:spPr/>
-        <p:txBody>
-          <a:bodyPr/>
-          <a:lstStyle/>
-          <a:p>
-            <a:endParaRPr lang="en-US"/>
-          </a:p>
-        </p:txBody>
-      </p:sp>
-      <p:sp>
-        <p:nvSpPr>
-          <p:cNvPr id="6" name="Slide Number Placeholder 5"/>
-          <p:cNvSpPr>
-            <a:spLocks noGrp="1"/>
-          </p:cNvSpPr>
-          <p:nvPr>
-            <p:ph type="sldNum" sz="quarter" idx="12"/>
-          </p:nvPr>
-        </p:nvSpPr>
-        <p:spPr/>
-        <p:txBody>
-          <a:bodyPr/>
-          <a:lstStyle/>
           <a:p>
             <a:fld id="{352532C4-7927-6444-971D-9540017D0F99}" type="slidenum">
               <a:rPr lang="en-US" smtClean="0"/>
@@ -1549,15 +2319,33 @@
           </a:p>
         </p:txBody>
       </p:sp>
+      <p:sp>
+        <p:nvSpPr>
+          <p:cNvPr id="14" name="Footer Placeholder 13"/>
+          <p:cNvSpPr>
+            <a:spLocks noGrp="1"/>
+          </p:cNvSpPr>
+          <p:nvPr>
+            <p:ph type="ftr" sz="quarter" idx="12"/>
+          </p:nvPr>
+        </p:nvSpPr>
+        <p:spPr/>
+        <p:txBody>
+          <a:bodyPr/>
+          <a:lstStyle/>
+          <a:p>
+            <a:r>
+              <a:rPr lang="is-IS" smtClean="0"/>
+              <a:t>hyggekaffe.dk</a:t>
+            </a:r>
+            <a:endParaRPr lang="en-US"/>
+          </a:p>
+        </p:txBody>
+      </p:sp>
     </p:spTree>
-    <p:extLst>
-      <p:ext uri="{BB962C8B-B14F-4D97-AF65-F5344CB8AC3E}">
-        <p14:creationId xmlns:p14="http://schemas.microsoft.com/office/powerpoint/2010/main" val="540882250"/>
-      </p:ext>
-    </p:extLst>
   </p:cSld>
   <p:clrMapOvr>
-    <a:masterClrMapping/>
+    <a:overrideClrMapping bg1="lt1" tx1="dk1" bg2="lt2" tx2="dk2" accent1="accent1" accent2="accent2" accent3="accent3" accent4="accent4" accent5="accent5" accent6="accent6" hlink="hlink" folHlink="folHlink"/>
   </p:clrMapOvr>
 </p:sldLayout>
 </file>
@@ -1595,201 +2383,145 @@
           <a:lstStyle/>
           <a:p>
             <a:r>
-              <a:rPr lang="da-DK" smtClean="0"/>
+              <a:rPr kumimoji="0" lang="da-DK" smtClean="0"/>
               <a:t>Click to edit Master title style</a:t>
             </a:r>
-            <a:endParaRPr lang="en-US"/>
-          </a:p>
-        </p:txBody>
-      </p:sp>
-      <p:sp>
-        <p:nvSpPr>
-          <p:cNvPr id="3" name="Content Placeholder 2"/>
-          <p:cNvSpPr>
-            <a:spLocks noGrp="1"/>
-          </p:cNvSpPr>
-          <p:nvPr>
-            <p:ph sz="half" idx="1"/>
+            <a:endParaRPr kumimoji="0" lang="en-US"/>
+          </a:p>
+        </p:txBody>
+      </p:sp>
+      <p:sp>
+        <p:nvSpPr>
+          <p:cNvPr id="9" name="Content Placeholder 8"/>
+          <p:cNvSpPr>
+            <a:spLocks noGrp="1"/>
+          </p:cNvSpPr>
+          <p:nvPr>
+            <p:ph sz="quarter" idx="1"/>
           </p:nvPr>
         </p:nvSpPr>
         <p:spPr>
           <a:xfrm>
-            <a:off x="457200" y="1600200"/>
-            <a:ext cx="4038600" cy="4525963"/>
+            <a:off x="609600" y="1589567"/>
+            <a:ext cx="3886200" cy="4572000"/>
           </a:xfrm>
         </p:spPr>
         <p:txBody>
           <a:bodyPr/>
-          <a:lstStyle>
-            <a:lvl1pPr>
-              <a:defRPr sz="2800"/>
-            </a:lvl1pPr>
-            <a:lvl2pPr>
-              <a:defRPr sz="2400"/>
-            </a:lvl2pPr>
-            <a:lvl3pPr>
-              <a:defRPr sz="2000"/>
-            </a:lvl3pPr>
-            <a:lvl4pPr>
-              <a:defRPr sz="1800"/>
-            </a:lvl4pPr>
-            <a:lvl5pPr>
-              <a:defRPr sz="1800"/>
-            </a:lvl5pPr>
-            <a:lvl6pPr>
-              <a:defRPr sz="1800"/>
-            </a:lvl6pPr>
-            <a:lvl7pPr>
-              <a:defRPr sz="1800"/>
-            </a:lvl7pPr>
-            <a:lvl8pPr>
-              <a:defRPr sz="1800"/>
-            </a:lvl8pPr>
-            <a:lvl9pPr>
-              <a:defRPr sz="1800"/>
-            </a:lvl9pPr>
-          </a:lstStyle>
-          <a:p>
-            <a:pPr lvl="0"/>
+          <a:lstStyle/>
+          <a:p>
+            <a:pPr lvl="0" eaLnBrk="1" latinLnBrk="0" hangingPunct="1"/>
             <a:r>
               <a:rPr lang="da-DK" smtClean="0"/>
               <a:t>Click to edit Master text styles</a:t>
             </a:r>
           </a:p>
           <a:p>
-            <a:pPr lvl="1"/>
+            <a:pPr lvl="1" eaLnBrk="1" latinLnBrk="0" hangingPunct="1"/>
             <a:r>
               <a:rPr lang="da-DK" smtClean="0"/>
               <a:t>Second level</a:t>
             </a:r>
           </a:p>
           <a:p>
-            <a:pPr lvl="2"/>
+            <a:pPr lvl="2" eaLnBrk="1" latinLnBrk="0" hangingPunct="1"/>
             <a:r>
               <a:rPr lang="da-DK" smtClean="0"/>
               <a:t>Third level</a:t>
             </a:r>
           </a:p>
           <a:p>
-            <a:pPr lvl="3"/>
+            <a:pPr lvl="3" eaLnBrk="1" latinLnBrk="0" hangingPunct="1"/>
             <a:r>
               <a:rPr lang="da-DK" smtClean="0"/>
               <a:t>Fourth level</a:t>
             </a:r>
           </a:p>
           <a:p>
-            <a:pPr lvl="4"/>
+            <a:pPr lvl="4" eaLnBrk="1" latinLnBrk="0" hangingPunct="1"/>
             <a:r>
               <a:rPr lang="da-DK" smtClean="0"/>
               <a:t>Fifth level</a:t>
             </a:r>
-            <a:endParaRPr lang="en-US"/>
-          </a:p>
-        </p:txBody>
-      </p:sp>
-      <p:sp>
-        <p:nvSpPr>
-          <p:cNvPr id="4" name="Content Placeholder 3"/>
-          <p:cNvSpPr>
-            <a:spLocks noGrp="1"/>
-          </p:cNvSpPr>
-          <p:nvPr>
-            <p:ph sz="half" idx="2"/>
+            <a:endParaRPr kumimoji="0" lang="en-US"/>
+          </a:p>
+        </p:txBody>
+      </p:sp>
+      <p:sp>
+        <p:nvSpPr>
+          <p:cNvPr id="11" name="Content Placeholder 10"/>
+          <p:cNvSpPr>
+            <a:spLocks noGrp="1"/>
+          </p:cNvSpPr>
+          <p:nvPr>
+            <p:ph sz="quarter" idx="2"/>
           </p:nvPr>
         </p:nvSpPr>
         <p:spPr>
           <a:xfrm>
-            <a:off x="4648200" y="1600200"/>
-            <a:ext cx="4038600" cy="4525963"/>
+            <a:off x="4844901" y="1589567"/>
+            <a:ext cx="3886200" cy="4572000"/>
           </a:xfrm>
         </p:spPr>
         <p:txBody>
           <a:bodyPr/>
-          <a:lstStyle>
-            <a:lvl1pPr>
-              <a:defRPr sz="2800"/>
-            </a:lvl1pPr>
-            <a:lvl2pPr>
-              <a:defRPr sz="2400"/>
-            </a:lvl2pPr>
-            <a:lvl3pPr>
-              <a:defRPr sz="2000"/>
-            </a:lvl3pPr>
-            <a:lvl4pPr>
-              <a:defRPr sz="1800"/>
-            </a:lvl4pPr>
-            <a:lvl5pPr>
-              <a:defRPr sz="1800"/>
-            </a:lvl5pPr>
-            <a:lvl6pPr>
-              <a:defRPr sz="1800"/>
-            </a:lvl6pPr>
-            <a:lvl7pPr>
-              <a:defRPr sz="1800"/>
-            </a:lvl7pPr>
-            <a:lvl8pPr>
-              <a:defRPr sz="1800"/>
-            </a:lvl8pPr>
-            <a:lvl9pPr>
-              <a:defRPr sz="1800"/>
-            </a:lvl9pPr>
-          </a:lstStyle>
-          <a:p>
-            <a:pPr lvl="0"/>
+          <a:lstStyle/>
+          <a:p>
+            <a:pPr lvl="0" eaLnBrk="1" latinLnBrk="0" hangingPunct="1"/>
             <a:r>
               <a:rPr lang="da-DK" smtClean="0"/>
               <a:t>Click to edit Master text styles</a:t>
             </a:r>
           </a:p>
           <a:p>
-            <a:pPr lvl="1"/>
+            <a:pPr lvl="1" eaLnBrk="1" latinLnBrk="0" hangingPunct="1"/>
             <a:r>
               <a:rPr lang="da-DK" smtClean="0"/>
               <a:t>Second level</a:t>
             </a:r>
           </a:p>
           <a:p>
-            <a:pPr lvl="2"/>
+            <a:pPr lvl="2" eaLnBrk="1" latinLnBrk="0" hangingPunct="1"/>
             <a:r>
               <a:rPr lang="da-DK" smtClean="0"/>
               <a:t>Third level</a:t>
             </a:r>
           </a:p>
           <a:p>
-            <a:pPr lvl="3"/>
+            <a:pPr lvl="3" eaLnBrk="1" latinLnBrk="0" hangingPunct="1"/>
             <a:r>
               <a:rPr lang="da-DK" smtClean="0"/>
               <a:t>Fourth level</a:t>
             </a:r>
           </a:p>
           <a:p>
-            <a:pPr lvl="4"/>
+            <a:pPr lvl="4" eaLnBrk="1" latinLnBrk="0" hangingPunct="1"/>
             <a:r>
               <a:rPr lang="da-DK" smtClean="0"/>
               <a:t>Fifth level</a:t>
             </a:r>
-            <a:endParaRPr lang="en-US"/>
-          </a:p>
-        </p:txBody>
-      </p:sp>
-      <p:sp>
-        <p:nvSpPr>
-          <p:cNvPr id="5" name="Date Placeholder 4"/>
-          <p:cNvSpPr>
-            <a:spLocks noGrp="1"/>
-          </p:cNvSpPr>
-          <p:nvPr>
-            <p:ph type="dt" sz="half" idx="10"/>
+            <a:endParaRPr kumimoji="0" lang="en-US"/>
+          </a:p>
+        </p:txBody>
+      </p:sp>
+      <p:sp>
+        <p:nvSpPr>
+          <p:cNvPr id="8" name="Date Placeholder 7"/>
+          <p:cNvSpPr>
+            <a:spLocks noGrp="1"/>
+          </p:cNvSpPr>
+          <p:nvPr>
+            <p:ph type="dt" sz="half" idx="15"/>
           </p:nvPr>
         </p:nvSpPr>
         <p:spPr/>
         <p:txBody>
-          <a:bodyPr/>
-          <a:lstStyle/>
-          <a:p>
-            <a:fld id="{37E30DBC-0852-F942-BA21-5F9121A408F1}" type="datetimeFigureOut">
-              <a:rPr lang="en-US" smtClean="0"/>
-              <a:t>18/04/11</a:t>
+          <a:bodyPr rtlCol="0"/>
+          <a:lstStyle/>
+          <a:p>
+            <a:fld id="{D7C5B0C4-0165-FB43-B4DE-73DD4051CFB4}" type="datetime1">
+              <a:rPr lang="da-DK" smtClean="0"/>
+              <a:t>27/04/11</a:t>
             </a:fld>
             <a:endParaRPr lang="en-US"/>
           </a:p>
@@ -1797,36 +2529,17 @@
       </p:sp>
       <p:sp>
         <p:nvSpPr>
-          <p:cNvPr id="6" name="Footer Placeholder 5"/>
-          <p:cNvSpPr>
-            <a:spLocks noGrp="1"/>
-          </p:cNvSpPr>
-          <p:nvPr>
-            <p:ph type="ftr" sz="quarter" idx="11"/>
+          <p:cNvPr id="10" name="Slide Number Placeholder 9"/>
+          <p:cNvSpPr>
+            <a:spLocks noGrp="1"/>
+          </p:cNvSpPr>
+          <p:nvPr>
+            <p:ph type="sldNum" sz="quarter" idx="16"/>
           </p:nvPr>
         </p:nvSpPr>
         <p:spPr/>
         <p:txBody>
-          <a:bodyPr/>
-          <a:lstStyle/>
-          <a:p>
-            <a:endParaRPr lang="en-US"/>
-          </a:p>
-        </p:txBody>
-      </p:sp>
-      <p:sp>
-        <p:nvSpPr>
-          <p:cNvPr id="7" name="Slide Number Placeholder 6"/>
-          <p:cNvSpPr>
-            <a:spLocks noGrp="1"/>
-          </p:cNvSpPr>
-          <p:nvPr>
-            <p:ph type="sldNum" sz="quarter" idx="12"/>
-          </p:nvPr>
-        </p:nvSpPr>
-        <p:spPr/>
-        <p:txBody>
-          <a:bodyPr/>
+          <a:bodyPr rtlCol="0"/>
           <a:lstStyle/>
           <a:p>
             <a:fld id="{352532C4-7927-6444-971D-9540017D0F99}" type="slidenum">
@@ -1837,12 +2550,30 @@
           </a:p>
         </p:txBody>
       </p:sp>
+      <p:sp>
+        <p:nvSpPr>
+          <p:cNvPr id="12" name="Footer Placeholder 11"/>
+          <p:cNvSpPr>
+            <a:spLocks noGrp="1"/>
+          </p:cNvSpPr>
+          <p:nvPr>
+            <p:ph type="ftr" sz="quarter" idx="17"/>
+          </p:nvPr>
+        </p:nvSpPr>
+        <p:spPr/>
+        <p:txBody>
+          <a:bodyPr rtlCol="0"/>
+          <a:lstStyle/>
+          <a:p>
+            <a:r>
+              <a:rPr lang="is-IS" smtClean="0"/>
+              <a:t>hyggekaffe.dk</a:t>
+            </a:r>
+            <a:endParaRPr lang="en-US"/>
+          </a:p>
+        </p:txBody>
+      </p:sp>
     </p:spTree>
-    <p:extLst>
-      <p:ext uri="{BB962C8B-B14F-4D97-AF65-F5344CB8AC3E}">
-        <p14:creationId xmlns:p14="http://schemas.microsoft.com/office/powerpoint/2010/main" val="1619559920"/>
-      </p:ext>
-    </p:extLst>
   </p:cSld>
   <p:clrMapOvr>
     <a:masterClrMapping/>
@@ -1877,9 +2608,14 @@
             <p:ph type="title"/>
           </p:nvPr>
         </p:nvSpPr>
-        <p:spPr/>
-        <p:txBody>
-          <a:bodyPr/>
+        <p:spPr>
+          <a:xfrm>
+            <a:off x="533400" y="273050"/>
+            <a:ext cx="8153400" cy="869950"/>
+          </a:xfrm>
+        </p:spPr>
+        <p:txBody>
+          <a:bodyPr anchor="ctr"/>
           <a:lstStyle>
             <a:lvl1pPr>
               <a:defRPr/>
@@ -1887,331 +2623,145 @@
           </a:lstStyle>
           <a:p>
             <a:r>
-              <a:rPr lang="da-DK" smtClean="0"/>
+              <a:rPr kumimoji="0" lang="da-DK" smtClean="0"/>
               <a:t>Click to edit Master title style</a:t>
             </a:r>
-            <a:endParaRPr lang="en-US"/>
-          </a:p>
-        </p:txBody>
-      </p:sp>
-      <p:sp>
-        <p:nvSpPr>
-          <p:cNvPr id="3" name="Text Placeholder 2"/>
-          <p:cNvSpPr>
-            <a:spLocks noGrp="1"/>
-          </p:cNvSpPr>
-          <p:nvPr>
-            <p:ph type="body" idx="1"/>
+            <a:endParaRPr kumimoji="0" lang="en-US"/>
+          </a:p>
+        </p:txBody>
+      </p:sp>
+      <p:sp>
+        <p:nvSpPr>
+          <p:cNvPr id="11" name="Content Placeholder 10"/>
+          <p:cNvSpPr>
+            <a:spLocks noGrp="1"/>
+          </p:cNvSpPr>
+          <p:nvPr>
+            <p:ph sz="quarter" idx="2"/>
           </p:nvPr>
         </p:nvSpPr>
         <p:spPr>
           <a:xfrm>
-            <a:off x="457200" y="1535113"/>
-            <a:ext cx="4040188" cy="639762"/>
+            <a:off x="609600" y="2438400"/>
+            <a:ext cx="3886200" cy="3581400"/>
           </a:xfrm>
         </p:spPr>
         <p:txBody>
-          <a:bodyPr anchor="b"/>
-          <a:lstStyle>
-            <a:lvl1pPr marL="0" indent="0">
-              <a:buNone/>
-              <a:defRPr sz="2400" b="1"/>
-            </a:lvl1pPr>
-            <a:lvl2pPr marL="457200" indent="0">
-              <a:buNone/>
-              <a:defRPr sz="2000" b="1"/>
-            </a:lvl2pPr>
-            <a:lvl3pPr marL="914400" indent="0">
-              <a:buNone/>
-              <a:defRPr sz="1800" b="1"/>
-            </a:lvl3pPr>
-            <a:lvl4pPr marL="1371600" indent="0">
-              <a:buNone/>
-              <a:defRPr sz="1600" b="1"/>
-            </a:lvl4pPr>
-            <a:lvl5pPr marL="1828800" indent="0">
-              <a:buNone/>
-              <a:defRPr sz="1600" b="1"/>
-            </a:lvl5pPr>
-            <a:lvl6pPr marL="2286000" indent="0">
-              <a:buNone/>
-              <a:defRPr sz="1600" b="1"/>
-            </a:lvl6pPr>
-            <a:lvl7pPr marL="2743200" indent="0">
-              <a:buNone/>
-              <a:defRPr sz="1600" b="1"/>
-            </a:lvl7pPr>
-            <a:lvl8pPr marL="3200400" indent="0">
-              <a:buNone/>
-              <a:defRPr sz="1600" b="1"/>
-            </a:lvl8pPr>
-            <a:lvl9pPr marL="3657600" indent="0">
-              <a:buNone/>
-              <a:defRPr sz="1600" b="1"/>
-            </a:lvl9pPr>
-          </a:lstStyle>
-          <a:p>
-            <a:pPr lvl="0"/>
+          <a:bodyPr/>
+          <a:lstStyle/>
+          <a:p>
+            <a:pPr lvl="0" eaLnBrk="1" latinLnBrk="0" hangingPunct="1"/>
             <a:r>
               <a:rPr lang="da-DK" smtClean="0"/>
               <a:t>Click to edit Master text styles</a:t>
             </a:r>
           </a:p>
-        </p:txBody>
-      </p:sp>
-      <p:sp>
-        <p:nvSpPr>
-          <p:cNvPr id="4" name="Content Placeholder 3"/>
-          <p:cNvSpPr>
-            <a:spLocks noGrp="1"/>
-          </p:cNvSpPr>
-          <p:nvPr>
-            <p:ph sz="half" idx="2"/>
+          <a:p>
+            <a:pPr lvl="1" eaLnBrk="1" latinLnBrk="0" hangingPunct="1"/>
+            <a:r>
+              <a:rPr lang="da-DK" smtClean="0"/>
+              <a:t>Second level</a:t>
+            </a:r>
+          </a:p>
+          <a:p>
+            <a:pPr lvl="2" eaLnBrk="1" latinLnBrk="0" hangingPunct="1"/>
+            <a:r>
+              <a:rPr lang="da-DK" smtClean="0"/>
+              <a:t>Third level</a:t>
+            </a:r>
+          </a:p>
+          <a:p>
+            <a:pPr lvl="3" eaLnBrk="1" latinLnBrk="0" hangingPunct="1"/>
+            <a:r>
+              <a:rPr lang="da-DK" smtClean="0"/>
+              <a:t>Fourth level</a:t>
+            </a:r>
+          </a:p>
+          <a:p>
+            <a:pPr lvl="4" eaLnBrk="1" latinLnBrk="0" hangingPunct="1"/>
+            <a:r>
+              <a:rPr lang="da-DK" smtClean="0"/>
+              <a:t>Fifth level</a:t>
+            </a:r>
+            <a:endParaRPr kumimoji="0" lang="en-US"/>
+          </a:p>
+        </p:txBody>
+      </p:sp>
+      <p:sp>
+        <p:nvSpPr>
+          <p:cNvPr id="13" name="Content Placeholder 12"/>
+          <p:cNvSpPr>
+            <a:spLocks noGrp="1"/>
+          </p:cNvSpPr>
+          <p:nvPr>
+            <p:ph sz="quarter" idx="4"/>
           </p:nvPr>
         </p:nvSpPr>
         <p:spPr>
           <a:xfrm>
-            <a:off x="457200" y="2174875"/>
-            <a:ext cx="4040188" cy="3951288"/>
+            <a:off x="4800600" y="2438400"/>
+            <a:ext cx="3886200" cy="3581400"/>
           </a:xfrm>
         </p:spPr>
         <p:txBody>
           <a:bodyPr/>
-          <a:lstStyle>
-            <a:lvl1pPr>
-              <a:defRPr sz="2400"/>
-            </a:lvl1pPr>
-            <a:lvl2pPr>
-              <a:defRPr sz="2000"/>
-            </a:lvl2pPr>
-            <a:lvl3pPr>
-              <a:defRPr sz="1800"/>
-            </a:lvl3pPr>
-            <a:lvl4pPr>
-              <a:defRPr sz="1600"/>
-            </a:lvl4pPr>
-            <a:lvl5pPr>
-              <a:defRPr sz="1600"/>
-            </a:lvl5pPr>
-            <a:lvl6pPr>
-              <a:defRPr sz="1600"/>
-            </a:lvl6pPr>
-            <a:lvl7pPr>
-              <a:defRPr sz="1600"/>
-            </a:lvl7pPr>
-            <a:lvl8pPr>
-              <a:defRPr sz="1600"/>
-            </a:lvl8pPr>
-            <a:lvl9pPr>
-              <a:defRPr sz="1600"/>
-            </a:lvl9pPr>
-          </a:lstStyle>
-          <a:p>
-            <a:pPr lvl="0"/>
+          <a:lstStyle/>
+          <a:p>
+            <a:pPr lvl="0" eaLnBrk="1" latinLnBrk="0" hangingPunct="1"/>
             <a:r>
               <a:rPr lang="da-DK" smtClean="0"/>
               <a:t>Click to edit Master text styles</a:t>
             </a:r>
           </a:p>
           <a:p>
-            <a:pPr lvl="1"/>
+            <a:pPr lvl="1" eaLnBrk="1" latinLnBrk="0" hangingPunct="1"/>
             <a:r>
               <a:rPr lang="da-DK" smtClean="0"/>
               <a:t>Second level</a:t>
             </a:r>
           </a:p>
           <a:p>
-            <a:pPr lvl="2"/>
+            <a:pPr lvl="2" eaLnBrk="1" latinLnBrk="0" hangingPunct="1"/>
             <a:r>
               <a:rPr lang="da-DK" smtClean="0"/>
               <a:t>Third level</a:t>
             </a:r>
           </a:p>
           <a:p>
-            <a:pPr lvl="3"/>
+            <a:pPr lvl="3" eaLnBrk="1" latinLnBrk="0" hangingPunct="1"/>
             <a:r>
               <a:rPr lang="da-DK" smtClean="0"/>
               <a:t>Fourth level</a:t>
             </a:r>
           </a:p>
           <a:p>
-            <a:pPr lvl="4"/>
+            <a:pPr lvl="4" eaLnBrk="1" latinLnBrk="0" hangingPunct="1"/>
             <a:r>
               <a:rPr lang="da-DK" smtClean="0"/>
               <a:t>Fifth level</a:t>
             </a:r>
-            <a:endParaRPr lang="en-US"/>
-          </a:p>
-        </p:txBody>
-      </p:sp>
-      <p:sp>
-        <p:nvSpPr>
-          <p:cNvPr id="5" name="Text Placeholder 4"/>
-          <p:cNvSpPr>
-            <a:spLocks noGrp="1"/>
-          </p:cNvSpPr>
-          <p:nvPr>
-            <p:ph type="body" sz="quarter" idx="3"/>
-          </p:nvPr>
-        </p:nvSpPr>
-        <p:spPr>
-          <a:xfrm>
-            <a:off x="4645025" y="1535113"/>
-            <a:ext cx="4041775" cy="639762"/>
-          </a:xfrm>
-        </p:spPr>
-        <p:txBody>
-          <a:bodyPr anchor="b"/>
-          <a:lstStyle>
-            <a:lvl1pPr marL="0" indent="0">
-              <a:buNone/>
-              <a:defRPr sz="2400" b="1"/>
-            </a:lvl1pPr>
-            <a:lvl2pPr marL="457200" indent="0">
-              <a:buNone/>
-              <a:defRPr sz="2000" b="1"/>
-            </a:lvl2pPr>
-            <a:lvl3pPr marL="914400" indent="0">
-              <a:buNone/>
-              <a:defRPr sz="1800" b="1"/>
-            </a:lvl3pPr>
-            <a:lvl4pPr marL="1371600" indent="0">
-              <a:buNone/>
-              <a:defRPr sz="1600" b="1"/>
-            </a:lvl4pPr>
-            <a:lvl5pPr marL="1828800" indent="0">
-              <a:buNone/>
-              <a:defRPr sz="1600" b="1"/>
-            </a:lvl5pPr>
-            <a:lvl6pPr marL="2286000" indent="0">
-              <a:buNone/>
-              <a:defRPr sz="1600" b="1"/>
-            </a:lvl6pPr>
-            <a:lvl7pPr marL="2743200" indent="0">
-              <a:buNone/>
-              <a:defRPr sz="1600" b="1"/>
-            </a:lvl7pPr>
-            <a:lvl8pPr marL="3200400" indent="0">
-              <a:buNone/>
-              <a:defRPr sz="1600" b="1"/>
-            </a:lvl8pPr>
-            <a:lvl9pPr marL="3657600" indent="0">
-              <a:buNone/>
-              <a:defRPr sz="1600" b="1"/>
-            </a:lvl9pPr>
-          </a:lstStyle>
-          <a:p>
-            <a:pPr lvl="0"/>
-            <a:r>
+            <a:endParaRPr kumimoji="0" lang="en-US"/>
+          </a:p>
+        </p:txBody>
+      </p:sp>
+      <p:sp>
+        <p:nvSpPr>
+          <p:cNvPr id="10" name="Date Placeholder 9"/>
+          <p:cNvSpPr>
+            <a:spLocks noGrp="1"/>
+          </p:cNvSpPr>
+          <p:nvPr>
+            <p:ph type="dt" sz="half" idx="15"/>
+          </p:nvPr>
+        </p:nvSpPr>
+        <p:spPr/>
+        <p:txBody>
+          <a:bodyPr rtlCol="0"/>
+          <a:lstStyle/>
+          <a:p>
+            <a:fld id="{07FF3297-26C2-7D44-93BB-C18F99D100F6}" type="datetime1">
               <a:rPr lang="da-DK" smtClean="0"/>
-              <a:t>Click to edit Master text styles</a:t>
-            </a:r>
-          </a:p>
-        </p:txBody>
-      </p:sp>
-      <p:sp>
-        <p:nvSpPr>
-          <p:cNvPr id="6" name="Content Placeholder 5"/>
-          <p:cNvSpPr>
-            <a:spLocks noGrp="1"/>
-          </p:cNvSpPr>
-          <p:nvPr>
-            <p:ph sz="quarter" idx="4"/>
-          </p:nvPr>
-        </p:nvSpPr>
-        <p:spPr>
-          <a:xfrm>
-            <a:off x="4645025" y="2174875"/>
-            <a:ext cx="4041775" cy="3951288"/>
-          </a:xfrm>
-        </p:spPr>
-        <p:txBody>
-          <a:bodyPr/>
-          <a:lstStyle>
-            <a:lvl1pPr>
-              <a:defRPr sz="2400"/>
-            </a:lvl1pPr>
-            <a:lvl2pPr>
-              <a:defRPr sz="2000"/>
-            </a:lvl2pPr>
-            <a:lvl3pPr>
-              <a:defRPr sz="1800"/>
-            </a:lvl3pPr>
-            <a:lvl4pPr>
-              <a:defRPr sz="1600"/>
-            </a:lvl4pPr>
-            <a:lvl5pPr>
-              <a:defRPr sz="1600"/>
-            </a:lvl5pPr>
-            <a:lvl6pPr>
-              <a:defRPr sz="1600"/>
-            </a:lvl6pPr>
-            <a:lvl7pPr>
-              <a:defRPr sz="1600"/>
-            </a:lvl7pPr>
-            <a:lvl8pPr>
-              <a:defRPr sz="1600"/>
-            </a:lvl8pPr>
-            <a:lvl9pPr>
-              <a:defRPr sz="1600"/>
-            </a:lvl9pPr>
-          </a:lstStyle>
-          <a:p>
-            <a:pPr lvl="0"/>
-            <a:r>
-              <a:rPr lang="da-DK" smtClean="0"/>
-              <a:t>Click to edit Master text styles</a:t>
-            </a:r>
-          </a:p>
-          <a:p>
-            <a:pPr lvl="1"/>
-            <a:r>
-              <a:rPr lang="da-DK" smtClean="0"/>
-              <a:t>Second level</a:t>
-            </a:r>
-          </a:p>
-          <a:p>
-            <a:pPr lvl="2"/>
-            <a:r>
-              <a:rPr lang="da-DK" smtClean="0"/>
-              <a:t>Third level</a:t>
-            </a:r>
-          </a:p>
-          <a:p>
-            <a:pPr lvl="3"/>
-            <a:r>
-              <a:rPr lang="da-DK" smtClean="0"/>
-              <a:t>Fourth level</a:t>
-            </a:r>
-          </a:p>
-          <a:p>
-            <a:pPr lvl="4"/>
-            <a:r>
-              <a:rPr lang="da-DK" smtClean="0"/>
-              <a:t>Fifth level</a:t>
-            </a:r>
-            <a:endParaRPr lang="en-US"/>
-          </a:p>
-        </p:txBody>
-      </p:sp>
-      <p:sp>
-        <p:nvSpPr>
-          <p:cNvPr id="7" name="Date Placeholder 6"/>
-          <p:cNvSpPr>
-            <a:spLocks noGrp="1"/>
-          </p:cNvSpPr>
-          <p:nvPr>
-            <p:ph type="dt" sz="half" idx="10"/>
-          </p:nvPr>
-        </p:nvSpPr>
-        <p:spPr/>
-        <p:txBody>
-          <a:bodyPr/>
-          <a:lstStyle/>
-          <a:p>
-            <a:fld id="{37E30DBC-0852-F942-BA21-5F9121A408F1}" type="datetimeFigureOut">
-              <a:rPr lang="en-US" smtClean="0"/>
-              <a:t>18/04/11</a:t>
+              <a:t>27/04/11</a:t>
             </a:fld>
             <a:endParaRPr lang="en-US"/>
           </a:p>
@@ -2219,36 +2769,17 @@
       </p:sp>
       <p:sp>
         <p:nvSpPr>
-          <p:cNvPr id="8" name="Footer Placeholder 7"/>
-          <p:cNvSpPr>
-            <a:spLocks noGrp="1"/>
-          </p:cNvSpPr>
-          <p:nvPr>
-            <p:ph type="ftr" sz="quarter" idx="11"/>
+          <p:cNvPr id="12" name="Slide Number Placeholder 11"/>
+          <p:cNvSpPr>
+            <a:spLocks noGrp="1"/>
+          </p:cNvSpPr>
+          <p:nvPr>
+            <p:ph type="sldNum" sz="quarter" idx="16"/>
           </p:nvPr>
         </p:nvSpPr>
         <p:spPr/>
         <p:txBody>
-          <a:bodyPr/>
-          <a:lstStyle/>
-          <a:p>
-            <a:endParaRPr lang="en-US"/>
-          </a:p>
-        </p:txBody>
-      </p:sp>
-      <p:sp>
-        <p:nvSpPr>
-          <p:cNvPr id="9" name="Slide Number Placeholder 8"/>
-          <p:cNvSpPr>
-            <a:spLocks noGrp="1"/>
-          </p:cNvSpPr>
-          <p:nvPr>
-            <p:ph type="sldNum" sz="quarter" idx="12"/>
-          </p:nvPr>
-        </p:nvSpPr>
-        <p:spPr/>
-        <p:txBody>
-          <a:bodyPr/>
+          <a:bodyPr rtlCol="0"/>
           <a:lstStyle/>
           <a:p>
             <a:fld id="{352532C4-7927-6444-971D-9540017D0F99}" type="slidenum">
@@ -2259,12 +2790,112 @@
           </a:p>
         </p:txBody>
       </p:sp>
+      <p:sp>
+        <p:nvSpPr>
+          <p:cNvPr id="14" name="Footer Placeholder 13"/>
+          <p:cNvSpPr>
+            <a:spLocks noGrp="1"/>
+          </p:cNvSpPr>
+          <p:nvPr>
+            <p:ph type="ftr" sz="quarter" idx="17"/>
+          </p:nvPr>
+        </p:nvSpPr>
+        <p:spPr/>
+        <p:txBody>
+          <a:bodyPr rtlCol="0"/>
+          <a:lstStyle/>
+          <a:p>
+            <a:r>
+              <a:rPr lang="is-IS" smtClean="0"/>
+              <a:t>hyggekaffe.dk</a:t>
+            </a:r>
+            <a:endParaRPr lang="en-US"/>
+          </a:p>
+        </p:txBody>
+      </p:sp>
+      <p:sp>
+        <p:nvSpPr>
+          <p:cNvPr id="16" name="Text Placeholder 15"/>
+          <p:cNvSpPr>
+            <a:spLocks noGrp="1"/>
+          </p:cNvSpPr>
+          <p:nvPr>
+            <p:ph type="body" sz="quarter" idx="1"/>
+          </p:nvPr>
+        </p:nvSpPr>
+        <p:spPr>
+          <a:xfrm>
+            <a:off x="609600" y="1752600"/>
+            <a:ext cx="3886200" cy="640080"/>
+          </a:xfrm>
+          <a:solidFill>
+            <a:schemeClr val="accent2"/>
+          </a:solidFill>
+        </p:spPr>
+        <p:txBody>
+          <a:bodyPr rtlCol="0" anchor="ctr"/>
+          <a:lstStyle>
+            <a:lvl1pPr marL="0" indent="0">
+              <a:buFontTx/>
+              <a:buNone/>
+              <a:defRPr sz="2000" b="1">
+                <a:solidFill>
+                  <a:srgbClr val="FFFFFF"/>
+                </a:solidFill>
+              </a:defRPr>
+            </a:lvl1pPr>
+          </a:lstStyle>
+          <a:p>
+            <a:pPr lvl="0" eaLnBrk="1" latinLnBrk="0" hangingPunct="1"/>
+            <a:r>
+              <a:rPr kumimoji="0" lang="da-DK" smtClean="0"/>
+              <a:t>Click to edit Master text styles</a:t>
+            </a:r>
+          </a:p>
+        </p:txBody>
+      </p:sp>
+      <p:sp>
+        <p:nvSpPr>
+          <p:cNvPr id="15" name="Text Placeholder 14"/>
+          <p:cNvSpPr>
+            <a:spLocks noGrp="1"/>
+          </p:cNvSpPr>
+          <p:nvPr>
+            <p:ph type="body" sz="quarter" idx="3"/>
+          </p:nvPr>
+        </p:nvSpPr>
+        <p:spPr>
+          <a:xfrm>
+            <a:off x="4800600" y="1752600"/>
+            <a:ext cx="3886200" cy="640080"/>
+          </a:xfrm>
+          <a:solidFill>
+            <a:schemeClr val="accent4"/>
+          </a:solidFill>
+        </p:spPr>
+        <p:txBody>
+          <a:bodyPr rtlCol="0" anchor="ctr"/>
+          <a:lstStyle>
+            <a:lvl1pPr marL="0" indent="0">
+              <a:buFontTx/>
+              <a:buNone/>
+              <a:defRPr sz="2000" b="1">
+                <a:solidFill>
+                  <a:srgbClr val="FFFFFF"/>
+                </a:solidFill>
+              </a:defRPr>
+            </a:lvl1pPr>
+          </a:lstStyle>
+          <a:p>
+            <a:pPr lvl="0" eaLnBrk="1" latinLnBrk="0" hangingPunct="1"/>
+            <a:r>
+              <a:rPr kumimoji="0" lang="da-DK" smtClean="0"/>
+              <a:t>Click to edit Master text styles</a:t>
+            </a:r>
+          </a:p>
+        </p:txBody>
+      </p:sp>
     </p:spTree>
-    <p:extLst>
-      <p:ext uri="{BB962C8B-B14F-4D97-AF65-F5344CB8AC3E}">
-        <p14:creationId xmlns:p14="http://schemas.microsoft.com/office/powerpoint/2010/main" val="1778998473"/>
-      </p:ext>
-    </p:extLst>
   </p:cSld>
   <p:clrMapOvr>
     <a:masterClrMapping/>
@@ -2305,31 +2936,31 @@
           <a:lstStyle/>
           <a:p>
             <a:r>
+              <a:rPr kumimoji="0" lang="da-DK" smtClean="0"/>
+              <a:t>Click to edit Master title style</a:t>
+            </a:r>
+            <a:endParaRPr kumimoji="0" lang="en-US"/>
+          </a:p>
+        </p:txBody>
+      </p:sp>
+      <p:sp>
+        <p:nvSpPr>
+          <p:cNvPr id="3" name="Date Placeholder 2"/>
+          <p:cNvSpPr>
+            <a:spLocks noGrp="1"/>
+          </p:cNvSpPr>
+          <p:nvPr>
+            <p:ph type="dt" sz="half" idx="10"/>
+          </p:nvPr>
+        </p:nvSpPr>
+        <p:spPr/>
+        <p:txBody>
+          <a:bodyPr/>
+          <a:lstStyle/>
+          <a:p>
+            <a:fld id="{F632EA38-2393-1D44-9998-2EDEB499AD18}" type="datetime1">
               <a:rPr lang="da-DK" smtClean="0"/>
-              <a:t>Click to edit Master title style</a:t>
-            </a:r>
-            <a:endParaRPr lang="en-US"/>
-          </a:p>
-        </p:txBody>
-      </p:sp>
-      <p:sp>
-        <p:nvSpPr>
-          <p:cNvPr id="3" name="Date Placeholder 2"/>
-          <p:cNvSpPr>
-            <a:spLocks noGrp="1"/>
-          </p:cNvSpPr>
-          <p:nvPr>
-            <p:ph type="dt" sz="half" idx="10"/>
-          </p:nvPr>
-        </p:nvSpPr>
-        <p:spPr/>
-        <p:txBody>
-          <a:bodyPr/>
-          <a:lstStyle/>
-          <a:p>
-            <a:fld id="{37E30DBC-0852-F942-BA21-5F9121A408F1}" type="datetimeFigureOut">
-              <a:rPr lang="en-US" smtClean="0"/>
-              <a:t>18/04/11</a:t>
+              <a:t>27/04/11</a:t>
             </a:fld>
             <a:endParaRPr lang="en-US"/>
           </a:p>
@@ -2350,6 +2981,10 @@
           <a:bodyPr/>
           <a:lstStyle/>
           <a:p>
+            <a:r>
+              <a:rPr lang="is-IS" smtClean="0"/>
+              <a:t>hyggekaffe.dk</a:t>
+            </a:r>
             <a:endParaRPr lang="en-US"/>
           </a:p>
         </p:txBody>
@@ -2367,7 +3002,15 @@
         <p:spPr/>
         <p:txBody>
           <a:bodyPr/>
-          <a:lstStyle/>
+          <a:lstStyle>
+            <a:lvl1pPr>
+              <a:defRPr>
+                <a:solidFill>
+                  <a:srgbClr val="FFFFFF"/>
+                </a:solidFill>
+              </a:defRPr>
+            </a:lvl1pPr>
+          </a:lstStyle>
           <a:p>
             <a:fld id="{352532C4-7927-6444-971D-9540017D0F99}" type="slidenum">
               <a:rPr lang="en-US" smtClean="0"/>
@@ -2378,11 +3021,6 @@
         </p:txBody>
       </p:sp>
     </p:spTree>
-    <p:extLst>
-      <p:ext uri="{BB962C8B-B14F-4D97-AF65-F5344CB8AC3E}">
-        <p14:creationId xmlns:p14="http://schemas.microsoft.com/office/powerpoint/2010/main" val="1352410920"/>
-      </p:ext>
-    </p:extLst>
   </p:cSld>
   <p:clrMapOvr>
     <a:masterClrMapping/>
@@ -2391,7 +3029,7 @@
 </file>
 
 <file path=ppt/slideLayouts/slideLayout7.xml><?xml version="1.0" encoding="utf-8"?>
-<p:sldLayout xmlns:a="http://schemas.openxmlformats.org/drawingml/2006/main" xmlns:r="http://schemas.openxmlformats.org/officeDocument/2006/relationships" xmlns:p="http://schemas.openxmlformats.org/presentationml/2006/main" type="blank" preserve="1">
+<p:sldLayout xmlns:a="http://schemas.openxmlformats.org/drawingml/2006/main" xmlns:r="http://schemas.openxmlformats.org/officeDocument/2006/relationships" xmlns:p="http://schemas.openxmlformats.org/presentationml/2006/main" showMasterSp="0" type="blank" preserve="1">
   <p:cSld name="Blank">
     <p:spTree>
       <p:nvGrpSpPr>
@@ -2422,9 +3060,9 @@
           <a:bodyPr/>
           <a:lstStyle/>
           <a:p>
-            <a:fld id="{37E30DBC-0852-F942-BA21-5F9121A408F1}" type="datetimeFigureOut">
-              <a:rPr lang="en-US" smtClean="0"/>
-              <a:t>18/04/11</a:t>
+            <a:fld id="{9EE5063F-B578-914B-A386-3E02F7D7B6D2}" type="datetime1">
+              <a:rPr lang="da-DK" smtClean="0"/>
+              <a:t>27/04/11</a:t>
             </a:fld>
             <a:endParaRPr lang="en-US"/>
           </a:p>
@@ -2445,6 +3083,10 @@
           <a:bodyPr/>
           <a:lstStyle/>
           <a:p>
+            <a:r>
+              <a:rPr lang="is-IS" smtClean="0"/>
+              <a:t>hyggekaffe.dk</a:t>
+            </a:r>
             <a:endParaRPr lang="en-US"/>
           </a:p>
         </p:txBody>
@@ -2459,10 +3101,23 @@
             <p:ph type="sldNum" sz="quarter" idx="12"/>
           </p:nvPr>
         </p:nvSpPr>
-        <p:spPr/>
+        <p:spPr>
+          <a:xfrm>
+            <a:off x="0" y="6248400"/>
+            <a:ext cx="533400" cy="381000"/>
+          </a:xfrm>
+        </p:spPr>
         <p:txBody>
           <a:bodyPr/>
-          <a:lstStyle/>
+          <a:lstStyle>
+            <a:lvl1pPr>
+              <a:defRPr>
+                <a:solidFill>
+                  <a:schemeClr val="tx2"/>
+                </a:solidFill>
+              </a:defRPr>
+            </a:lvl1pPr>
+          </a:lstStyle>
           <a:p>
             <a:fld id="{352532C4-7927-6444-971D-9540017D0F99}" type="slidenum">
               <a:rPr lang="en-US" smtClean="0"/>
@@ -2473,11 +3128,6 @@
         </p:txBody>
       </p:sp>
     </p:spTree>
-    <p:extLst>
-      <p:ext uri="{BB962C8B-B14F-4D97-AF65-F5344CB8AC3E}">
-        <p14:creationId xmlns:p14="http://schemas.microsoft.com/office/powerpoint/2010/main" val="2117388351"/>
-      </p:ext>
-    </p:extLst>
   </p:cSld>
   <p:clrMapOvr>
     <a:masterClrMapping/>
@@ -2514,234 +3164,97 @@
         </p:nvSpPr>
         <p:spPr>
           <a:xfrm>
-            <a:off x="457200" y="273050"/>
-            <a:ext cx="3008313" cy="1162050"/>
+            <a:off x="609600" y="273050"/>
+            <a:ext cx="8077200" cy="869950"/>
           </a:xfrm>
         </p:spPr>
         <p:txBody>
-          <a:bodyPr anchor="b"/>
+          <a:bodyPr anchor="ctr"/>
           <a:lstStyle>
             <a:lvl1pPr algn="l">
-              <a:defRPr sz="2000" b="1"/>
+              <a:buNone/>
+              <a:defRPr sz="4400" b="0"/>
             </a:lvl1pPr>
           </a:lstStyle>
           <a:p>
             <a:r>
+              <a:rPr kumimoji="0" lang="da-DK" smtClean="0"/>
+              <a:t>Click to edit Master title style</a:t>
+            </a:r>
+            <a:endParaRPr kumimoji="0" lang="en-US"/>
+          </a:p>
+        </p:txBody>
+      </p:sp>
+      <p:sp>
+        <p:nvSpPr>
+          <p:cNvPr id="5" name="Date Placeholder 4"/>
+          <p:cNvSpPr>
+            <a:spLocks noGrp="1"/>
+          </p:cNvSpPr>
+          <p:nvPr>
+            <p:ph type="dt" sz="half" idx="10"/>
+          </p:nvPr>
+        </p:nvSpPr>
+        <p:spPr/>
+        <p:txBody>
+          <a:bodyPr/>
+          <a:lstStyle/>
+          <a:p>
+            <a:fld id="{613647D5-330A-314F-9E4F-F9EBC6DE125D}" type="datetime1">
               <a:rPr lang="da-DK" smtClean="0"/>
-              <a:t>Click to edit Master title style</a:t>
-            </a:r>
+              <a:t>27/04/11</a:t>
+            </a:fld>
             <a:endParaRPr lang="en-US"/>
           </a:p>
         </p:txBody>
       </p:sp>
       <p:sp>
         <p:nvSpPr>
-          <p:cNvPr id="3" name="Content Placeholder 2"/>
-          <p:cNvSpPr>
-            <a:spLocks noGrp="1"/>
-          </p:cNvSpPr>
-          <p:nvPr>
-            <p:ph idx="1"/>
-          </p:nvPr>
-        </p:nvSpPr>
-        <p:spPr>
-          <a:xfrm>
-            <a:off x="3575050" y="273050"/>
-            <a:ext cx="5111750" cy="5853113"/>
-          </a:xfrm>
-        </p:spPr>
+          <p:cNvPr id="6" name="Footer Placeholder 5"/>
+          <p:cNvSpPr>
+            <a:spLocks noGrp="1"/>
+          </p:cNvSpPr>
+          <p:nvPr>
+            <p:ph type="ftr" sz="quarter" idx="11"/>
+          </p:nvPr>
+        </p:nvSpPr>
+        <p:spPr/>
+        <p:txBody>
+          <a:bodyPr/>
+          <a:lstStyle/>
+          <a:p>
+            <a:r>
+              <a:rPr lang="is-IS" smtClean="0"/>
+              <a:t>hyggekaffe.dk</a:t>
+            </a:r>
+            <a:endParaRPr lang="en-US"/>
+          </a:p>
+        </p:txBody>
+      </p:sp>
+      <p:sp>
+        <p:nvSpPr>
+          <p:cNvPr id="7" name="Slide Number Placeholder 6"/>
+          <p:cNvSpPr>
+            <a:spLocks noGrp="1"/>
+          </p:cNvSpPr>
+          <p:nvPr>
+            <p:ph type="sldNum" sz="quarter" idx="12"/>
+          </p:nvPr>
+        </p:nvSpPr>
+        <p:spPr/>
         <p:txBody>
           <a:bodyPr/>
           <a:lstStyle>
             <a:lvl1pPr>
-              <a:defRPr sz="3200"/>
+              <a:defRPr>
+                <a:solidFill>
+                  <a:srgbClr val="FFFFFF"/>
+                </a:solidFill>
+              </a:defRPr>
             </a:lvl1pPr>
-            <a:lvl2pPr>
-              <a:defRPr sz="2800"/>
-            </a:lvl2pPr>
-            <a:lvl3pPr>
-              <a:defRPr sz="2400"/>
-            </a:lvl3pPr>
-            <a:lvl4pPr>
-              <a:defRPr sz="2000"/>
-            </a:lvl4pPr>
-            <a:lvl5pPr>
-              <a:defRPr sz="2000"/>
-            </a:lvl5pPr>
-            <a:lvl6pPr>
-              <a:defRPr sz="2000"/>
-            </a:lvl6pPr>
-            <a:lvl7pPr>
-              <a:defRPr sz="2000"/>
-            </a:lvl7pPr>
-            <a:lvl8pPr>
-              <a:defRPr sz="2000"/>
-            </a:lvl8pPr>
-            <a:lvl9pPr>
-              <a:defRPr sz="2000"/>
-            </a:lvl9pPr>
           </a:lstStyle>
           <a:p>
-            <a:pPr lvl="0"/>
-            <a:r>
-              <a:rPr lang="da-DK" smtClean="0"/>
-              <a:t>Click to edit Master text styles</a:t>
-            </a:r>
-          </a:p>
-          <a:p>
-            <a:pPr lvl="1"/>
-            <a:r>
-              <a:rPr lang="da-DK" smtClean="0"/>
-              <a:t>Second level</a:t>
-            </a:r>
-          </a:p>
-          <a:p>
-            <a:pPr lvl="2"/>
-            <a:r>
-              <a:rPr lang="da-DK" smtClean="0"/>
-              <a:t>Third level</a:t>
-            </a:r>
-          </a:p>
-          <a:p>
-            <a:pPr lvl="3"/>
-            <a:r>
-              <a:rPr lang="da-DK" smtClean="0"/>
-              <a:t>Fourth level</a:t>
-            </a:r>
-          </a:p>
-          <a:p>
-            <a:pPr lvl="4"/>
-            <a:r>
-              <a:rPr lang="da-DK" smtClean="0"/>
-              <a:t>Fifth level</a:t>
-            </a:r>
-            <a:endParaRPr lang="en-US"/>
-          </a:p>
-        </p:txBody>
-      </p:sp>
-      <p:sp>
-        <p:nvSpPr>
-          <p:cNvPr id="4" name="Text Placeholder 3"/>
-          <p:cNvSpPr>
-            <a:spLocks noGrp="1"/>
-          </p:cNvSpPr>
-          <p:nvPr>
-            <p:ph type="body" sz="half" idx="2"/>
-          </p:nvPr>
-        </p:nvSpPr>
-        <p:spPr>
-          <a:xfrm>
-            <a:off x="457200" y="1435100"/>
-            <a:ext cx="3008313" cy="4691063"/>
-          </a:xfrm>
-        </p:spPr>
-        <p:txBody>
-          <a:bodyPr/>
-          <a:lstStyle>
-            <a:lvl1pPr marL="0" indent="0">
-              <a:buNone/>
-              <a:defRPr sz="1400"/>
-            </a:lvl1pPr>
-            <a:lvl2pPr marL="457200" indent="0">
-              <a:buNone/>
-              <a:defRPr sz="1200"/>
-            </a:lvl2pPr>
-            <a:lvl3pPr marL="914400" indent="0">
-              <a:buNone/>
-              <a:defRPr sz="1000"/>
-            </a:lvl3pPr>
-            <a:lvl4pPr marL="1371600" indent="0">
-              <a:buNone/>
-              <a:defRPr sz="900"/>
-            </a:lvl4pPr>
-            <a:lvl5pPr marL="1828800" indent="0">
-              <a:buNone/>
-              <a:defRPr sz="900"/>
-            </a:lvl5pPr>
-            <a:lvl6pPr marL="2286000" indent="0">
-              <a:buNone/>
-              <a:defRPr sz="900"/>
-            </a:lvl6pPr>
-            <a:lvl7pPr marL="2743200" indent="0">
-              <a:buNone/>
-              <a:defRPr sz="900"/>
-            </a:lvl7pPr>
-            <a:lvl8pPr marL="3200400" indent="0">
-              <a:buNone/>
-              <a:defRPr sz="900"/>
-            </a:lvl8pPr>
-            <a:lvl9pPr marL="3657600" indent="0">
-              <a:buNone/>
-              <a:defRPr sz="900"/>
-            </a:lvl9pPr>
-          </a:lstStyle>
-          <a:p>
-            <a:pPr lvl="0"/>
-            <a:r>
-              <a:rPr lang="da-DK" smtClean="0"/>
-              <a:t>Click to edit Master text styles</a:t>
-            </a:r>
-          </a:p>
-        </p:txBody>
-      </p:sp>
-      <p:sp>
-        <p:nvSpPr>
-          <p:cNvPr id="5" name="Date Placeholder 4"/>
-          <p:cNvSpPr>
-            <a:spLocks noGrp="1"/>
-          </p:cNvSpPr>
-          <p:nvPr>
-            <p:ph type="dt" sz="half" idx="10"/>
-          </p:nvPr>
-        </p:nvSpPr>
-        <p:spPr/>
-        <p:txBody>
-          <a:bodyPr/>
-          <a:lstStyle/>
-          <a:p>
-            <a:fld id="{37E30DBC-0852-F942-BA21-5F9121A408F1}" type="datetimeFigureOut">
-              <a:rPr lang="en-US" smtClean="0"/>
-              <a:t>18/04/11</a:t>
-            </a:fld>
-            <a:endParaRPr lang="en-US"/>
-          </a:p>
-        </p:txBody>
-      </p:sp>
-      <p:sp>
-        <p:nvSpPr>
-          <p:cNvPr id="6" name="Footer Placeholder 5"/>
-          <p:cNvSpPr>
-            <a:spLocks noGrp="1"/>
-          </p:cNvSpPr>
-          <p:nvPr>
-            <p:ph type="ftr" sz="quarter" idx="11"/>
-          </p:nvPr>
-        </p:nvSpPr>
-        <p:spPr/>
-        <p:txBody>
-          <a:bodyPr/>
-          <a:lstStyle/>
-          <a:p>
-            <a:endParaRPr lang="en-US"/>
-          </a:p>
-        </p:txBody>
-      </p:sp>
-      <p:sp>
-        <p:nvSpPr>
-          <p:cNvPr id="7" name="Slide Number Placeholder 6"/>
-          <p:cNvSpPr>
-            <a:spLocks noGrp="1"/>
-          </p:cNvSpPr>
-          <p:nvPr>
-            <p:ph type="sldNum" sz="quarter" idx="12"/>
-          </p:nvPr>
-        </p:nvSpPr>
-        <p:spPr/>
-        <p:txBody>
-          <a:bodyPr/>
-          <a:lstStyle/>
-          <a:p>
-            <a:fld id="{352532C4-7927-6444-971D-9540017D0F99}" type="slidenum">
+            <a:fld id="{D12AA694-00EB-4F4B-AABB-6F50FB178914}" type="slidenum">
               <a:rPr lang="en-US" smtClean="0"/>
               <a:t>‹#›</a:t>
             </a:fld>
@@ -2749,12 +3262,138 @@
           </a:p>
         </p:txBody>
       </p:sp>
+      <p:sp>
+        <p:nvSpPr>
+          <p:cNvPr id="3" name="Text Placeholder 2"/>
+          <p:cNvSpPr>
+            <a:spLocks noGrp="1"/>
+          </p:cNvSpPr>
+          <p:nvPr>
+            <p:ph type="body" idx="2"/>
+          </p:nvPr>
+        </p:nvSpPr>
+        <p:spPr>
+          <a:xfrm>
+            <a:off x="609600" y="1752600"/>
+            <a:ext cx="1600200" cy="4343400"/>
+          </a:xfrm>
+          <a:ln w="50800" cap="sq" cmpd="dbl" algn="ctr">
+            <a:solidFill>
+              <a:schemeClr val="accent2"/>
+            </a:solidFill>
+            <a:prstDash val="solid"/>
+            <a:miter lim="800000"/>
+          </a:ln>
+          <a:effectLst/>
+        </p:spPr>
+        <p:style>
+          <a:lnRef idx="3">
+            <a:schemeClr val="lt1"/>
+          </a:lnRef>
+          <a:fillRef idx="1">
+            <a:schemeClr val="accent2"/>
+          </a:fillRef>
+          <a:effectRef idx="1">
+            <a:schemeClr val="accent2"/>
+          </a:effectRef>
+          <a:fontRef idx="minor">
+            <a:schemeClr val="lt1"/>
+          </a:fontRef>
+        </p:style>
+        <p:txBody>
+          <a:bodyPr lIns="137160" tIns="182880" rIns="137160" bIns="91440"/>
+          <a:lstStyle>
+            <a:lvl1pPr marL="0" indent="0">
+              <a:spcAft>
+                <a:spcPts val="1000"/>
+              </a:spcAft>
+              <a:buNone/>
+              <a:defRPr sz="1800"/>
+            </a:lvl1pPr>
+            <a:lvl2pPr>
+              <a:buNone/>
+              <a:defRPr sz="1200"/>
+            </a:lvl2pPr>
+            <a:lvl3pPr>
+              <a:buNone/>
+              <a:defRPr sz="1000"/>
+            </a:lvl3pPr>
+            <a:lvl4pPr>
+              <a:buNone/>
+              <a:defRPr sz="900"/>
+            </a:lvl4pPr>
+            <a:lvl5pPr>
+              <a:buNone/>
+              <a:defRPr sz="900"/>
+            </a:lvl5pPr>
+          </a:lstStyle>
+          <a:p>
+            <a:pPr lvl="0" eaLnBrk="1" latinLnBrk="0" hangingPunct="1"/>
+            <a:r>
+              <a:rPr kumimoji="0" lang="da-DK" smtClean="0"/>
+              <a:t>Click to edit Master text styles</a:t>
+            </a:r>
+          </a:p>
+        </p:txBody>
+      </p:sp>
+      <p:sp>
+        <p:nvSpPr>
+          <p:cNvPr id="9" name="Content Placeholder 8"/>
+          <p:cNvSpPr>
+            <a:spLocks noGrp="1"/>
+          </p:cNvSpPr>
+          <p:nvPr>
+            <p:ph sz="quarter" idx="1"/>
+          </p:nvPr>
+        </p:nvSpPr>
+        <p:spPr>
+          <a:xfrm>
+            <a:off x="2362200" y="1752600"/>
+            <a:ext cx="6400800" cy="4419600"/>
+          </a:xfrm>
+        </p:spPr>
+        <p:txBody>
+          <a:bodyPr/>
+          <a:lstStyle/>
+          <a:p>
+            <a:pPr lvl="0" eaLnBrk="1" latinLnBrk="0" hangingPunct="1"/>
+            <a:r>
+              <a:rPr lang="da-DK" smtClean="0"/>
+              <a:t>Click to edit Master text styles</a:t>
+            </a:r>
+          </a:p>
+          <a:p>
+            <a:pPr lvl="1" eaLnBrk="1" latinLnBrk="0" hangingPunct="1"/>
+            <a:r>
+              <a:rPr lang="da-DK" smtClean="0"/>
+              <a:t>Second level</a:t>
+            </a:r>
+          </a:p>
+          <a:p>
+            <a:pPr lvl="2" eaLnBrk="1" latinLnBrk="0" hangingPunct="1"/>
+            <a:r>
+              <a:rPr lang="da-DK" smtClean="0"/>
+              <a:t>Third level</a:t>
+            </a:r>
+          </a:p>
+          <a:p>
+            <a:pPr lvl="3" eaLnBrk="1" latinLnBrk="0" hangingPunct="1"/>
+            <a:r>
+              <a:rPr lang="da-DK" smtClean="0"/>
+              <a:t>Fourth level</a:t>
+            </a:r>
+          </a:p>
+          <a:p>
+            <a:pPr lvl="4" eaLnBrk="1" latinLnBrk="0" hangingPunct="1"/>
+            <a:r>
+              <a:rPr lang="da-DK" smtClean="0"/>
+              <a:t>Fifth level</a:t>
+            </a:r>
+            <a:endParaRPr kumimoji="0" lang="en-US"/>
+          </a:p>
+        </p:txBody>
+      </p:sp>
     </p:spTree>
-    <p:extLst>
-      <p:ext uri="{BB962C8B-B14F-4D97-AF65-F5344CB8AC3E}">
-        <p14:creationId xmlns:p14="http://schemas.microsoft.com/office/powerpoint/2010/main" val="1595347883"/>
-      </p:ext>
-    </p:extLst>
   </p:cSld>
   <p:clrMapOvr>
     <a:masterClrMapping/>
@@ -2763,8 +3402,13 @@
 </file>
 
 <file path=ppt/slideLayouts/slideLayout9.xml><?xml version="1.0" encoding="utf-8"?>
-<p:sldLayout xmlns:a="http://schemas.openxmlformats.org/drawingml/2006/main" xmlns:r="http://schemas.openxmlformats.org/officeDocument/2006/relationships" xmlns:p="http://schemas.openxmlformats.org/presentationml/2006/main" type="picTx" preserve="1">
+<p:sldLayout xmlns:a="http://schemas.openxmlformats.org/drawingml/2006/main" xmlns:r="http://schemas.openxmlformats.org/officeDocument/2006/relationships" xmlns:p="http://schemas.openxmlformats.org/presentationml/2006/main" showMasterSp="0" type="picTx" preserve="1">
   <p:cSld name="Picture with Caption">
+    <p:bg>
+      <p:bgRef idx="1003">
+        <a:schemeClr val="bg2"/>
+      </p:bgRef>
+    </p:bg>
     <p:spTree>
       <p:nvGrpSpPr>
         <p:cNvPr id="1" name=""/>
@@ -2781,51 +3425,394 @@
       </p:grpSpPr>
       <p:sp>
         <p:nvSpPr>
-          <p:cNvPr id="2" name="Title 1"/>
-          <p:cNvSpPr>
-            <a:spLocks noGrp="1"/>
-          </p:cNvSpPr>
-          <p:nvPr>
-            <p:ph type="title"/>
+          <p:cNvPr id="4" name="Text Placeholder 3"/>
+          <p:cNvSpPr>
+            <a:spLocks noGrp="1"/>
+          </p:cNvSpPr>
+          <p:nvPr>
+            <p:ph type="body" sz="half" idx="2"/>
           </p:nvPr>
         </p:nvSpPr>
         <p:spPr>
           <a:xfrm>
-            <a:off x="1792288" y="4800600"/>
-            <a:ext cx="5486400" cy="566738"/>
+            <a:off x="1600200" y="5486400"/>
+            <a:ext cx="7315200" cy="685800"/>
           </a:xfrm>
         </p:spPr>
         <p:txBody>
-          <a:bodyPr anchor="b"/>
+          <a:bodyPr/>
+          <a:lstStyle>
+            <a:lvl1pPr marL="0" indent="0">
+              <a:buFontTx/>
+              <a:buNone/>
+              <a:defRPr sz="1700"/>
+            </a:lvl1pPr>
+            <a:lvl2pPr>
+              <a:buFontTx/>
+              <a:buNone/>
+              <a:defRPr sz="1200"/>
+            </a:lvl2pPr>
+            <a:lvl3pPr>
+              <a:buFontTx/>
+              <a:buNone/>
+              <a:defRPr sz="1000"/>
+            </a:lvl3pPr>
+            <a:lvl4pPr>
+              <a:buFontTx/>
+              <a:buNone/>
+              <a:defRPr sz="900"/>
+            </a:lvl4pPr>
+            <a:lvl5pPr>
+              <a:buFontTx/>
+              <a:buNone/>
+              <a:defRPr sz="900"/>
+            </a:lvl5pPr>
+          </a:lstStyle>
+          <a:p>
+            <a:pPr lvl="0" eaLnBrk="1" latinLnBrk="0" hangingPunct="1"/>
+            <a:r>
+              <a:rPr kumimoji="0" lang="da-DK" smtClean="0"/>
+              <a:t>Click to edit Master text styles</a:t>
+            </a:r>
+          </a:p>
+        </p:txBody>
+      </p:sp>
+      <p:sp>
+        <p:nvSpPr>
+          <p:cNvPr id="8" name="Rectangle 7"/>
+          <p:cNvSpPr/>
+          <p:nvPr/>
+        </p:nvSpPr>
+        <p:spPr bwMode="white">
+          <a:xfrm>
+            <a:off x="-9144" y="4572000"/>
+            <a:ext cx="9144000" cy="886968"/>
+          </a:xfrm>
+          <a:prstGeom prst="rect">
+            <a:avLst/>
+          </a:prstGeom>
+          <a:solidFill>
+            <a:srgbClr val="FFFFFF"/>
+          </a:solidFill>
+          <a:ln w="50800" cap="rnd" cmpd="dbl" algn="ctr">
+            <a:noFill/>
+            <a:prstDash val="solid"/>
+          </a:ln>
+          <a:effectLst/>
+        </p:spPr>
+        <p:style>
+          <a:lnRef idx="3">
+            <a:schemeClr val="lt1"/>
+          </a:lnRef>
+          <a:fillRef idx="1">
+            <a:schemeClr val="accent1"/>
+          </a:fillRef>
+          <a:effectRef idx="1">
+            <a:schemeClr val="accent1"/>
+          </a:effectRef>
+          <a:fontRef idx="minor">
+            <a:schemeClr val="lt1"/>
+          </a:fontRef>
+        </p:style>
+        <p:txBody>
+          <a:bodyPr anchor="ctr"/>
+          <a:lstStyle/>
+          <a:p>
+            <a:pPr algn="ctr" eaLnBrk="1" latinLnBrk="0" hangingPunct="1"/>
+            <a:endParaRPr kumimoji="0" lang="en-US"/>
+          </a:p>
+        </p:txBody>
+      </p:sp>
+      <p:sp>
+        <p:nvSpPr>
+          <p:cNvPr id="9" name="Rectangle 8"/>
+          <p:cNvSpPr/>
+          <p:nvPr/>
+        </p:nvSpPr>
+        <p:spPr>
+          <a:xfrm>
+            <a:off x="-9144" y="4663440"/>
+            <a:ext cx="1463040" cy="713232"/>
+          </a:xfrm>
+          <a:prstGeom prst="rect">
+            <a:avLst/>
+          </a:prstGeom>
+          <a:solidFill>
+            <a:schemeClr val="accent2">
+              <a:alpha val="100000"/>
+            </a:schemeClr>
+          </a:solidFill>
+          <a:ln w="50800" cap="rnd" cmpd="dbl" algn="ctr">
+            <a:noFill/>
+            <a:prstDash val="solid"/>
+          </a:ln>
+          <a:effectLst/>
+        </p:spPr>
+        <p:style>
+          <a:lnRef idx="3">
+            <a:schemeClr val="lt1"/>
+          </a:lnRef>
+          <a:fillRef idx="1">
+            <a:schemeClr val="accent1"/>
+          </a:fillRef>
+          <a:effectRef idx="1">
+            <a:schemeClr val="accent1"/>
+          </a:effectRef>
+          <a:fontRef idx="minor">
+            <a:schemeClr val="lt1"/>
+          </a:fontRef>
+        </p:style>
+        <p:txBody>
+          <a:bodyPr anchor="ctr"/>
+          <a:lstStyle/>
+          <a:p>
+            <a:pPr algn="ctr" eaLnBrk="1" latinLnBrk="0" hangingPunct="1"/>
+            <a:endParaRPr kumimoji="0" lang="en-US"/>
+          </a:p>
+        </p:txBody>
+      </p:sp>
+      <p:sp>
+        <p:nvSpPr>
+          <p:cNvPr id="10" name="Rectangle 9"/>
+          <p:cNvSpPr/>
+          <p:nvPr/>
+        </p:nvSpPr>
+        <p:spPr>
+          <a:xfrm>
+            <a:off x="1545336" y="4654296"/>
+            <a:ext cx="7598664" cy="713232"/>
+          </a:xfrm>
+          <a:prstGeom prst="rect">
+            <a:avLst/>
+          </a:prstGeom>
+          <a:solidFill>
+            <a:schemeClr val="accent1">
+              <a:alpha val="100000"/>
+            </a:schemeClr>
+          </a:solidFill>
+          <a:ln w="50800" cap="rnd" cmpd="dbl" algn="ctr">
+            <a:noFill/>
+            <a:prstDash val="solid"/>
+          </a:ln>
+          <a:effectLst/>
+        </p:spPr>
+        <p:style>
+          <a:lnRef idx="3">
+            <a:schemeClr val="lt1"/>
+          </a:lnRef>
+          <a:fillRef idx="1">
+            <a:schemeClr val="accent1"/>
+          </a:fillRef>
+          <a:effectRef idx="1">
+            <a:schemeClr val="accent1"/>
+          </a:effectRef>
+          <a:fontRef idx="minor">
+            <a:schemeClr val="lt1"/>
+          </a:fontRef>
+        </p:style>
+        <p:txBody>
+          <a:bodyPr anchor="ctr"/>
+          <a:lstStyle/>
+          <a:p>
+            <a:pPr algn="ctr" eaLnBrk="1" latinLnBrk="0" hangingPunct="1"/>
+            <a:endParaRPr kumimoji="0" lang="en-US"/>
+          </a:p>
+        </p:txBody>
+      </p:sp>
+      <p:sp>
+        <p:nvSpPr>
+          <p:cNvPr id="2" name="Title 1"/>
+          <p:cNvSpPr>
+            <a:spLocks noGrp="1"/>
+          </p:cNvSpPr>
+          <p:nvPr>
+            <p:ph type="title"/>
+          </p:nvPr>
+        </p:nvSpPr>
+        <p:spPr>
+          <a:xfrm>
+            <a:off x="1600200" y="4648200"/>
+            <a:ext cx="7315200" cy="685800"/>
+          </a:xfrm>
+        </p:spPr>
+        <p:txBody>
+          <a:bodyPr anchor="ctr"/>
           <a:lstStyle>
             <a:lvl1pPr algn="l">
-              <a:defRPr sz="2000" b="1"/>
+              <a:buNone/>
+              <a:defRPr sz="2800" b="0">
+                <a:solidFill>
+                  <a:srgbClr val="FFFFFF"/>
+                </a:solidFill>
+              </a:defRPr>
             </a:lvl1pPr>
           </a:lstStyle>
           <a:p>
             <a:r>
-              <a:rPr lang="da-DK" smtClean="0"/>
+              <a:rPr kumimoji="0" lang="da-DK" smtClean="0"/>
               <a:t>Click to edit Master title style</a:t>
             </a:r>
-            <a:endParaRPr lang="en-US"/>
-          </a:p>
-        </p:txBody>
-      </p:sp>
-      <p:sp>
-        <p:nvSpPr>
-          <p:cNvPr id="3" name="Picture Placeholder 2"/>
-          <p:cNvSpPr>
-            <a:spLocks noGrp="1"/>
-          </p:cNvSpPr>
-          <p:nvPr>
-            <p:ph type="pic" idx="1"/>
+            <a:endParaRPr kumimoji="0" lang="en-US"/>
+          </a:p>
+        </p:txBody>
+      </p:sp>
+      <p:sp>
+        <p:nvSpPr>
+          <p:cNvPr id="11" name="Rectangle 10"/>
+          <p:cNvSpPr/>
+          <p:nvPr/>
+        </p:nvSpPr>
+        <p:spPr bwMode="white">
+          <a:xfrm>
+            <a:off x="1447800" y="0"/>
+            <a:ext cx="100584" cy="6867144"/>
+          </a:xfrm>
+          <a:prstGeom prst="rect">
+            <a:avLst/>
+          </a:prstGeom>
+          <a:solidFill>
+            <a:srgbClr val="FFFFFF"/>
+          </a:solidFill>
+          <a:ln w="50800" cap="rnd" cmpd="dbl" algn="ctr">
+            <a:noFill/>
+            <a:prstDash val="solid"/>
+          </a:ln>
+          <a:effectLst/>
+        </p:spPr>
+        <p:style>
+          <a:lnRef idx="3">
+            <a:schemeClr val="lt1"/>
+          </a:lnRef>
+          <a:fillRef idx="1">
+            <a:schemeClr val="accent1"/>
+          </a:fillRef>
+          <a:effectRef idx="1">
+            <a:schemeClr val="accent1"/>
+          </a:effectRef>
+          <a:fontRef idx="minor">
+            <a:schemeClr val="lt1"/>
+          </a:fontRef>
+        </p:style>
+        <p:txBody>
+          <a:bodyPr anchor="ctr"/>
+          <a:lstStyle/>
+          <a:p>
+            <a:pPr algn="ctr" eaLnBrk="1" latinLnBrk="0" hangingPunct="1"/>
+            <a:endParaRPr kumimoji="0" lang="en-US"/>
+          </a:p>
+        </p:txBody>
+      </p:sp>
+      <p:sp>
+        <p:nvSpPr>
+          <p:cNvPr id="12" name="Date Placeholder 11"/>
+          <p:cNvSpPr>
+            <a:spLocks noGrp="1"/>
+          </p:cNvSpPr>
+          <p:nvPr>
+            <p:ph type="dt" sz="half" idx="10"/>
           </p:nvPr>
         </p:nvSpPr>
         <p:spPr>
           <a:xfrm>
-            <a:off x="1792288" y="612775"/>
-            <a:ext cx="5486400" cy="4114800"/>
+            <a:off x="6248400" y="6248400"/>
+            <a:ext cx="2667000" cy="365125"/>
           </a:xfrm>
+        </p:spPr>
+        <p:txBody>
+          <a:bodyPr rtlCol="0"/>
+          <a:lstStyle/>
+          <a:p>
+            <a:fld id="{A228A12A-B668-F94E-B24A-708EB3113A1F}" type="datetime1">
+              <a:rPr lang="da-DK" smtClean="0"/>
+              <a:t>27/04/11</a:t>
+            </a:fld>
+            <a:endParaRPr lang="en-US"/>
+          </a:p>
+        </p:txBody>
+      </p:sp>
+      <p:sp>
+        <p:nvSpPr>
+          <p:cNvPr id="13" name="Slide Number Placeholder 12"/>
+          <p:cNvSpPr>
+            <a:spLocks noGrp="1"/>
+          </p:cNvSpPr>
+          <p:nvPr>
+            <p:ph type="sldNum" sz="quarter" idx="11"/>
+          </p:nvPr>
+        </p:nvSpPr>
+        <p:spPr>
+          <a:xfrm>
+            <a:off x="0" y="4667249"/>
+            <a:ext cx="1447800" cy="663578"/>
+          </a:xfrm>
+        </p:spPr>
+        <p:txBody>
+          <a:bodyPr rtlCol="0"/>
+          <a:lstStyle>
+            <a:lvl1pPr>
+              <a:defRPr sz="2800"/>
+            </a:lvl1pPr>
+          </a:lstStyle>
+          <a:p>
+            <a:fld id="{352532C4-7927-6444-971D-9540017D0F99}" type="slidenum">
+              <a:rPr lang="en-US" smtClean="0"/>
+              <a:t>‹#›</a:t>
+            </a:fld>
+            <a:endParaRPr lang="en-US"/>
+          </a:p>
+        </p:txBody>
+      </p:sp>
+      <p:sp>
+        <p:nvSpPr>
+          <p:cNvPr id="14" name="Footer Placeholder 13"/>
+          <p:cNvSpPr>
+            <a:spLocks noGrp="1"/>
+          </p:cNvSpPr>
+          <p:nvPr>
+            <p:ph type="ftr" sz="quarter" idx="12"/>
+          </p:nvPr>
+        </p:nvSpPr>
+        <p:spPr>
+          <a:xfrm>
+            <a:off x="1600200" y="6248206"/>
+            <a:ext cx="4572000" cy="365125"/>
+          </a:xfrm>
+        </p:spPr>
+        <p:txBody>
+          <a:bodyPr rtlCol="0"/>
+          <a:lstStyle/>
+          <a:p>
+            <a:r>
+              <a:rPr lang="is-IS" smtClean="0"/>
+              <a:t>hyggekaffe.dk</a:t>
+            </a:r>
+            <a:endParaRPr lang="en-US"/>
+          </a:p>
+        </p:txBody>
+      </p:sp>
+      <p:sp>
+        <p:nvSpPr>
+          <p:cNvPr id="3" name="Picture Placeholder 2"/>
+          <p:cNvSpPr>
+            <a:spLocks noGrp="1"/>
+          </p:cNvSpPr>
+          <p:nvPr>
+            <p:ph type="pic" idx="1"/>
+          </p:nvPr>
+        </p:nvSpPr>
+        <p:spPr>
+          <a:xfrm>
+            <a:off x="1560576" y="0"/>
+            <a:ext cx="7583424" cy="4568952"/>
+          </a:xfrm>
+          <a:solidFill>
+            <a:schemeClr val="accent1">
+              <a:tint val="40000"/>
+            </a:schemeClr>
+          </a:solidFill>
+          <a:ln>
+            <a:noFill/>
+          </a:ln>
         </p:spPr>
         <p:txBody>
           <a:bodyPr/>
@@ -2834,183 +3821,20 @@
               <a:buNone/>
               <a:defRPr sz="3200"/>
             </a:lvl1pPr>
-            <a:lvl2pPr marL="457200" indent="0">
-              <a:buNone/>
-              <a:defRPr sz="2800"/>
-            </a:lvl2pPr>
-            <a:lvl3pPr marL="914400" indent="0">
-              <a:buNone/>
-              <a:defRPr sz="2400"/>
-            </a:lvl3pPr>
-            <a:lvl4pPr marL="1371600" indent="0">
-              <a:buNone/>
-              <a:defRPr sz="2000"/>
-            </a:lvl4pPr>
-            <a:lvl5pPr marL="1828800" indent="0">
-              <a:buNone/>
-              <a:defRPr sz="2000"/>
-            </a:lvl5pPr>
-            <a:lvl6pPr marL="2286000" indent="0">
-              <a:buNone/>
-              <a:defRPr sz="2000"/>
-            </a:lvl6pPr>
-            <a:lvl7pPr marL="2743200" indent="0">
-              <a:buNone/>
-              <a:defRPr sz="2000"/>
-            </a:lvl7pPr>
-            <a:lvl8pPr marL="3200400" indent="0">
-              <a:buNone/>
-              <a:defRPr sz="2000"/>
-            </a:lvl8pPr>
-            <a:lvl9pPr marL="3657600" indent="0">
-              <a:buNone/>
-              <a:defRPr sz="2000"/>
-            </a:lvl9pPr>
           </a:lstStyle>
           <a:p>
-            <a:endParaRPr lang="en-US"/>
-          </a:p>
-        </p:txBody>
-      </p:sp>
-      <p:sp>
-        <p:nvSpPr>
-          <p:cNvPr id="4" name="Text Placeholder 3"/>
-          <p:cNvSpPr>
-            <a:spLocks noGrp="1"/>
-          </p:cNvSpPr>
-          <p:nvPr>
-            <p:ph type="body" sz="half" idx="2"/>
-          </p:nvPr>
-        </p:nvSpPr>
-        <p:spPr>
-          <a:xfrm>
-            <a:off x="1792288" y="5367338"/>
-            <a:ext cx="5486400" cy="804862"/>
-          </a:xfrm>
-        </p:spPr>
-        <p:txBody>
-          <a:bodyPr/>
-          <a:lstStyle>
-            <a:lvl1pPr marL="0" indent="0">
-              <a:buNone/>
-              <a:defRPr sz="1400"/>
-            </a:lvl1pPr>
-            <a:lvl2pPr marL="457200" indent="0">
-              <a:buNone/>
-              <a:defRPr sz="1200"/>
-            </a:lvl2pPr>
-            <a:lvl3pPr marL="914400" indent="0">
-              <a:buNone/>
-              <a:defRPr sz="1000"/>
-            </a:lvl3pPr>
-            <a:lvl4pPr marL="1371600" indent="0">
-              <a:buNone/>
-              <a:defRPr sz="900"/>
-            </a:lvl4pPr>
-            <a:lvl5pPr marL="1828800" indent="0">
-              <a:buNone/>
-              <a:defRPr sz="900"/>
-            </a:lvl5pPr>
-            <a:lvl6pPr marL="2286000" indent="0">
-              <a:buNone/>
-              <a:defRPr sz="900"/>
-            </a:lvl6pPr>
-            <a:lvl7pPr marL="2743200" indent="0">
-              <a:buNone/>
-              <a:defRPr sz="900"/>
-            </a:lvl7pPr>
-            <a:lvl8pPr marL="3200400" indent="0">
-              <a:buNone/>
-              <a:defRPr sz="900"/>
-            </a:lvl8pPr>
-            <a:lvl9pPr marL="3657600" indent="0">
-              <a:buNone/>
-              <a:defRPr sz="900"/>
-            </a:lvl9pPr>
-          </a:lstStyle>
-          <a:p>
-            <a:pPr lvl="0"/>
-            <a:r>
-              <a:rPr lang="da-DK" smtClean="0"/>
-              <a:t>Click to edit Master text styles</a:t>
-            </a:r>
-          </a:p>
-        </p:txBody>
-      </p:sp>
-      <p:sp>
-        <p:nvSpPr>
-          <p:cNvPr id="5" name="Date Placeholder 4"/>
-          <p:cNvSpPr>
-            <a:spLocks noGrp="1"/>
-          </p:cNvSpPr>
-          <p:nvPr>
-            <p:ph type="dt" sz="half" idx="10"/>
-          </p:nvPr>
-        </p:nvSpPr>
-        <p:spPr/>
-        <p:txBody>
-          <a:bodyPr/>
-          <a:lstStyle/>
-          <a:p>
-            <a:fld id="{37E30DBC-0852-F942-BA21-5F9121A408F1}" type="datetimeFigureOut">
-              <a:rPr lang="en-US" smtClean="0"/>
-              <a:t>18/04/11</a:t>
-            </a:fld>
-            <a:endParaRPr lang="en-US"/>
-          </a:p>
-        </p:txBody>
-      </p:sp>
-      <p:sp>
-        <p:nvSpPr>
-          <p:cNvPr id="6" name="Footer Placeholder 5"/>
-          <p:cNvSpPr>
-            <a:spLocks noGrp="1"/>
-          </p:cNvSpPr>
-          <p:nvPr>
-            <p:ph type="ftr" sz="quarter" idx="11"/>
-          </p:nvPr>
-        </p:nvSpPr>
-        <p:spPr/>
-        <p:txBody>
-          <a:bodyPr/>
-          <a:lstStyle/>
-          <a:p>
-            <a:endParaRPr lang="en-US"/>
-          </a:p>
-        </p:txBody>
-      </p:sp>
-      <p:sp>
-        <p:nvSpPr>
-          <p:cNvPr id="7" name="Slide Number Placeholder 6"/>
-          <p:cNvSpPr>
-            <a:spLocks noGrp="1"/>
-          </p:cNvSpPr>
-          <p:nvPr>
-            <p:ph type="sldNum" sz="quarter" idx="12"/>
-          </p:nvPr>
-        </p:nvSpPr>
-        <p:spPr/>
-        <p:txBody>
-          <a:bodyPr/>
-          <a:lstStyle/>
-          <a:p>
-            <a:fld id="{352532C4-7927-6444-971D-9540017D0F99}" type="slidenum">
-              <a:rPr lang="en-US" smtClean="0"/>
-              <a:t>‹#›</a:t>
-            </a:fld>
-            <a:endParaRPr lang="en-US"/>
+            <a:r>
+              <a:rPr kumimoji="0" lang="da-DK" smtClean="0"/>
+              <a:t>Drag picture to placeholder or click icon to add</a:t>
+            </a:r>
+            <a:endParaRPr kumimoji="0" lang="en-US" dirty="0"/>
           </a:p>
         </p:txBody>
       </p:sp>
     </p:spTree>
-    <p:extLst>
-      <p:ext uri="{BB962C8B-B14F-4D97-AF65-F5344CB8AC3E}">
-        <p14:creationId xmlns:p14="http://schemas.microsoft.com/office/powerpoint/2010/main" val="1739539724"/>
-      </p:ext>
-    </p:extLst>
   </p:cSld>
   <p:clrMapOvr>
-    <a:masterClrMapping/>
+    <a:overrideClrMapping bg1="lt1" tx1="dk1" bg2="lt2" tx2="dk2" accent1="accent1" accent2="accent2" accent3="accent3" accent4="accent4" accent5="accent5" accent6="accent6" hlink="hlink" folHlink="folHlink"/>
   </p:clrMapOvr>
 </p:sldLayout>
 </file>
@@ -3039,7 +3863,7 @@
       </p:grpSpPr>
       <p:sp>
         <p:nvSpPr>
-          <p:cNvPr id="2" name="Title Placeholder 1"/>
+          <p:cNvPr id="22" name="Title Placeholder 21"/>
           <p:cNvSpPr>
             <a:spLocks noGrp="1"/>
           </p:cNvSpPr>
@@ -3049,30 +3873,30 @@
         </p:nvSpPr>
         <p:spPr>
           <a:xfrm>
-            <a:off x="457200" y="274638"/>
-            <a:ext cx="8229600" cy="1143000"/>
+            <a:off x="609600" y="228600"/>
+            <a:ext cx="8153400" cy="990600"/>
           </a:xfrm>
           <a:prstGeom prst="rect">
             <a:avLst/>
           </a:prstGeom>
         </p:spPr>
         <p:txBody>
-          <a:bodyPr vert="horz" lIns="91440" tIns="45720" rIns="91440" bIns="45720" rtlCol="0" anchor="ctr">
+          <a:bodyPr vert="horz" anchor="ctr">
             <a:normAutofit/>
           </a:bodyPr>
           <a:lstStyle/>
           <a:p>
             <a:r>
-              <a:rPr lang="da-DK" smtClean="0"/>
+              <a:rPr kumimoji="0" lang="da-DK" smtClean="0"/>
               <a:t>Click to edit Master title style</a:t>
             </a:r>
-            <a:endParaRPr lang="en-US"/>
-          </a:p>
-        </p:txBody>
-      </p:sp>
-      <p:sp>
-        <p:nvSpPr>
-          <p:cNvPr id="3" name="Text Placeholder 2"/>
+            <a:endParaRPr kumimoji="0" lang="en-US"/>
+          </a:p>
+        </p:txBody>
+      </p:sp>
+      <p:sp>
+        <p:nvSpPr>
+          <p:cNvPr id="13" name="Text Placeholder 12"/>
           <p:cNvSpPr>
             <a:spLocks noGrp="1"/>
           </p:cNvSpPr>
@@ -3082,59 +3906,59 @@
         </p:nvSpPr>
         <p:spPr>
           <a:xfrm>
-            <a:off x="457200" y="1600200"/>
-            <a:ext cx="8229600" cy="4525963"/>
+            <a:off x="612648" y="1600200"/>
+            <a:ext cx="8153400" cy="4526280"/>
           </a:xfrm>
           <a:prstGeom prst="rect">
             <a:avLst/>
           </a:prstGeom>
         </p:spPr>
         <p:txBody>
-          <a:bodyPr vert="horz" lIns="91440" tIns="45720" rIns="91440" bIns="45720" rtlCol="0">
+          <a:bodyPr vert="horz">
             <a:normAutofit/>
           </a:bodyPr>
           <a:lstStyle/>
           <a:p>
-            <a:pPr lvl="0"/>
-            <a:r>
-              <a:rPr lang="da-DK" smtClean="0"/>
+            <a:pPr lvl="0" eaLnBrk="1" latinLnBrk="0" hangingPunct="1"/>
+            <a:r>
+              <a:rPr kumimoji="0" lang="da-DK" smtClean="0"/>
               <a:t>Click to edit Master text styles</a:t>
             </a:r>
           </a:p>
           <a:p>
-            <a:pPr lvl="1"/>
-            <a:r>
-              <a:rPr lang="da-DK" smtClean="0"/>
+            <a:pPr lvl="1" eaLnBrk="1" latinLnBrk="0" hangingPunct="1"/>
+            <a:r>
+              <a:rPr kumimoji="0" lang="da-DK" smtClean="0"/>
               <a:t>Second level</a:t>
             </a:r>
           </a:p>
           <a:p>
-            <a:pPr lvl="2"/>
-            <a:r>
-              <a:rPr lang="da-DK" smtClean="0"/>
+            <a:pPr lvl="2" eaLnBrk="1" latinLnBrk="0" hangingPunct="1"/>
+            <a:r>
+              <a:rPr kumimoji="0" lang="da-DK" smtClean="0"/>
               <a:t>Third level</a:t>
             </a:r>
           </a:p>
           <a:p>
-            <a:pPr lvl="3"/>
-            <a:r>
-              <a:rPr lang="da-DK" smtClean="0"/>
+            <a:pPr lvl="3" eaLnBrk="1" latinLnBrk="0" hangingPunct="1"/>
+            <a:r>
+              <a:rPr kumimoji="0" lang="da-DK" smtClean="0"/>
               <a:t>Fourth level</a:t>
             </a:r>
           </a:p>
           <a:p>
-            <a:pPr lvl="4"/>
-            <a:r>
-              <a:rPr lang="da-DK" smtClean="0"/>
+            <a:pPr lvl="4" eaLnBrk="1" latinLnBrk="0" hangingPunct="1"/>
+            <a:r>
+              <a:rPr kumimoji="0" lang="da-DK" smtClean="0"/>
               <a:t>Fifth level</a:t>
             </a:r>
-            <a:endParaRPr lang="en-US"/>
-          </a:p>
-        </p:txBody>
-      </p:sp>
-      <p:sp>
-        <p:nvSpPr>
-          <p:cNvPr id="4" name="Date Placeholder 3"/>
+            <a:endParaRPr kumimoji="0" lang="en-US"/>
+          </a:p>
+        </p:txBody>
+      </p:sp>
+      <p:sp>
+        <p:nvSpPr>
+          <p:cNvPr id="14" name="Date Placeholder 13"/>
           <p:cNvSpPr>
             <a:spLocks noGrp="1"/>
           </p:cNvSpPr>
@@ -3144,30 +3968,28 @@
         </p:nvSpPr>
         <p:spPr>
           <a:xfrm>
-            <a:off x="457200" y="6356350"/>
-            <a:ext cx="2133600" cy="365125"/>
+            <a:off x="6096000" y="6248400"/>
+            <a:ext cx="2667000" cy="365125"/>
           </a:xfrm>
           <a:prstGeom prst="rect">
             <a:avLst/>
           </a:prstGeom>
         </p:spPr>
         <p:txBody>
-          <a:bodyPr vert="horz" lIns="91440" tIns="45720" rIns="91440" bIns="45720" rtlCol="0" anchor="ctr"/>
+          <a:bodyPr vert="horz" anchor="ctr" anchorCtr="0"/>
           <a:lstStyle>
-            <a:lvl1pPr algn="l">
-              <a:defRPr sz="1200">
+            <a:lvl1pPr algn="l" eaLnBrk="1" latinLnBrk="0" hangingPunct="1">
+              <a:defRPr kumimoji="0" sz="1400">
                 <a:solidFill>
-                  <a:schemeClr val="tx1">
-                    <a:tint val="75000"/>
-                  </a:schemeClr>
+                  <a:schemeClr val="tx2"/>
                 </a:solidFill>
               </a:defRPr>
             </a:lvl1pPr>
           </a:lstStyle>
           <a:p>
-            <a:fld id="{37E30DBC-0852-F942-BA21-5F9121A408F1}" type="datetimeFigureOut">
-              <a:rPr lang="en-US" smtClean="0"/>
-              <a:t>18/04/11</a:t>
+            <a:fld id="{E5F3AD6A-EB89-2A41-B44F-36DF160BD8B7}" type="datetime1">
+              <a:rPr lang="da-DK" smtClean="0"/>
+              <a:t>27/04/11</a:t>
             </a:fld>
             <a:endParaRPr lang="en-US"/>
           </a:p>
@@ -3175,7 +3997,7 @@
       </p:sp>
       <p:sp>
         <p:nvSpPr>
-          <p:cNvPr id="5" name="Footer Placeholder 4"/>
+          <p:cNvPr id="3" name="Footer Placeholder 2"/>
           <p:cNvSpPr>
             <a:spLocks noGrp="1"/>
           </p:cNvSpPr>
@@ -3185,59 +4007,203 @@
         </p:nvSpPr>
         <p:spPr>
           <a:xfrm>
-            <a:off x="3124200" y="6356350"/>
-            <a:ext cx="2895600" cy="365125"/>
+            <a:off x="609600" y="6248206"/>
+            <a:ext cx="5421083" cy="365125"/>
           </a:xfrm>
           <a:prstGeom prst="rect">
             <a:avLst/>
           </a:prstGeom>
         </p:spPr>
         <p:txBody>
-          <a:bodyPr vert="horz" lIns="91440" tIns="45720" rIns="91440" bIns="45720" rtlCol="0" anchor="ctr"/>
+          <a:bodyPr vert="horz" anchor="ctr"/>
           <a:lstStyle>
-            <a:lvl1pPr algn="ctr">
-              <a:defRPr sz="1200">
+            <a:lvl1pPr algn="r" eaLnBrk="1" latinLnBrk="0" hangingPunct="1">
+              <a:defRPr kumimoji="0" sz="1400">
                 <a:solidFill>
-                  <a:schemeClr val="tx1">
-                    <a:tint val="75000"/>
-                  </a:schemeClr>
+                  <a:schemeClr val="tx2"/>
                 </a:solidFill>
               </a:defRPr>
             </a:lvl1pPr>
           </a:lstStyle>
           <a:p>
+            <a:r>
+              <a:rPr lang="is-IS" smtClean="0"/>
+              <a:t>hyggekaffe.dk</a:t>
+            </a:r>
             <a:endParaRPr lang="en-US"/>
           </a:p>
         </p:txBody>
       </p:sp>
       <p:sp>
         <p:nvSpPr>
-          <p:cNvPr id="6" name="Slide Number Placeholder 5"/>
-          <p:cNvSpPr>
-            <a:spLocks noGrp="1"/>
-          </p:cNvSpPr>
-          <p:nvPr>
-            <p:ph type="sldNum" sz="quarter" idx="4"/>
-          </p:nvPr>
+          <p:cNvPr id="7" name="Rectangle 6"/>
+          <p:cNvSpPr/>
+          <p:nvPr/>
+        </p:nvSpPr>
+        <p:spPr bwMode="white">
+          <a:xfrm>
+            <a:off x="0" y="1234440"/>
+            <a:ext cx="9144000" cy="320040"/>
+          </a:xfrm>
+          <a:prstGeom prst="rect">
+            <a:avLst/>
+          </a:prstGeom>
+          <a:solidFill>
+            <a:srgbClr val="FFFFFF"/>
+          </a:solidFill>
+          <a:ln w="50800" cap="rnd" cmpd="dbl" algn="ctr">
+            <a:noFill/>
+            <a:prstDash val="solid"/>
+          </a:ln>
+          <a:effectLst/>
+        </p:spPr>
+        <p:style>
+          <a:lnRef idx="3">
+            <a:schemeClr val="lt1"/>
+          </a:lnRef>
+          <a:fillRef idx="1">
+            <a:schemeClr val="accent1"/>
+          </a:fillRef>
+          <a:effectRef idx="1">
+            <a:schemeClr val="accent1"/>
+          </a:effectRef>
+          <a:fontRef idx="minor">
+            <a:schemeClr val="lt1"/>
+          </a:fontRef>
+        </p:style>
+        <p:txBody>
+          <a:bodyPr anchor="ctr"/>
+          <a:lstStyle/>
+          <a:p>
+            <a:pPr algn="ctr" eaLnBrk="1" latinLnBrk="0" hangingPunct="1"/>
+            <a:endParaRPr kumimoji="0" lang="en-US"/>
+          </a:p>
+        </p:txBody>
+      </p:sp>
+      <p:sp>
+        <p:nvSpPr>
+          <p:cNvPr id="8" name="Rectangle 7"/>
+          <p:cNvSpPr/>
+          <p:nvPr/>
         </p:nvSpPr>
         <p:spPr>
           <a:xfrm>
-            <a:off x="6553200" y="6356350"/>
-            <a:ext cx="2133600" cy="365125"/>
+            <a:off x="0" y="1280160"/>
+            <a:ext cx="533400" cy="228600"/>
+          </a:xfrm>
+          <a:prstGeom prst="rect">
+            <a:avLst/>
+          </a:prstGeom>
+          <a:solidFill>
+            <a:schemeClr val="accent2">
+              <a:alpha val="100000"/>
+            </a:schemeClr>
+          </a:solidFill>
+          <a:ln w="50800" cap="rnd" cmpd="dbl" algn="ctr">
+            <a:noFill/>
+            <a:prstDash val="solid"/>
+          </a:ln>
+          <a:effectLst/>
+        </p:spPr>
+        <p:style>
+          <a:lnRef idx="3">
+            <a:schemeClr val="lt1"/>
+          </a:lnRef>
+          <a:fillRef idx="1">
+            <a:schemeClr val="accent1"/>
+          </a:fillRef>
+          <a:effectRef idx="1">
+            <a:schemeClr val="accent1"/>
+          </a:effectRef>
+          <a:fontRef idx="minor">
+            <a:schemeClr val="lt1"/>
+          </a:fontRef>
+        </p:style>
+        <p:txBody>
+          <a:bodyPr anchor="ctr"/>
+          <a:lstStyle/>
+          <a:p>
+            <a:pPr algn="ctr" eaLnBrk="1" latinLnBrk="0" hangingPunct="1"/>
+            <a:endParaRPr kumimoji="0" lang="en-US"/>
+          </a:p>
+        </p:txBody>
+      </p:sp>
+      <p:sp>
+        <p:nvSpPr>
+          <p:cNvPr id="9" name="Rectangle 8"/>
+          <p:cNvSpPr/>
+          <p:nvPr/>
+        </p:nvSpPr>
+        <p:spPr>
+          <a:xfrm>
+            <a:off x="590550" y="1280160"/>
+            <a:ext cx="8553450" cy="228600"/>
+          </a:xfrm>
+          <a:prstGeom prst="rect">
+            <a:avLst/>
+          </a:prstGeom>
+          <a:solidFill>
+            <a:schemeClr val="accent1">
+              <a:alpha val="100000"/>
+            </a:schemeClr>
+          </a:solidFill>
+          <a:ln w="50800" cap="rnd" cmpd="dbl" algn="ctr">
+            <a:noFill/>
+            <a:prstDash val="solid"/>
+          </a:ln>
+          <a:effectLst/>
+        </p:spPr>
+        <p:style>
+          <a:lnRef idx="3">
+            <a:schemeClr val="lt1"/>
+          </a:lnRef>
+          <a:fillRef idx="1">
+            <a:schemeClr val="accent1"/>
+          </a:fillRef>
+          <a:effectRef idx="1">
+            <a:schemeClr val="accent1"/>
+          </a:effectRef>
+          <a:fontRef idx="minor">
+            <a:schemeClr val="lt1"/>
+          </a:fontRef>
+        </p:style>
+        <p:txBody>
+          <a:bodyPr anchor="ctr"/>
+          <a:lstStyle/>
+          <a:p>
+            <a:pPr algn="ctr" eaLnBrk="1" latinLnBrk="0" hangingPunct="1"/>
+            <a:endParaRPr kumimoji="0" lang="en-US"/>
+          </a:p>
+        </p:txBody>
+      </p:sp>
+      <p:sp>
+        <p:nvSpPr>
+          <p:cNvPr id="23" name="Slide Number Placeholder 22"/>
+          <p:cNvSpPr>
+            <a:spLocks noGrp="1"/>
+          </p:cNvSpPr>
+          <p:nvPr>
+            <p:ph type="sldNum" sz="quarter" idx="4"/>
+          </p:nvPr>
+        </p:nvSpPr>
+        <p:spPr>
+          <a:xfrm>
+            <a:off x="0" y="1272222"/>
+            <a:ext cx="533400" cy="244476"/>
           </a:xfrm>
           <a:prstGeom prst="rect">
             <a:avLst/>
           </a:prstGeom>
         </p:spPr>
         <p:txBody>
-          <a:bodyPr vert="horz" lIns="91440" tIns="45720" rIns="91440" bIns="45720" rtlCol="0" anchor="ctr"/>
+          <a:bodyPr vert="horz" anchor="ctr" anchorCtr="0">
+            <a:normAutofit/>
+          </a:bodyPr>
           <a:lstStyle>
-            <a:lvl1pPr algn="r">
-              <a:defRPr sz="1200">
+            <a:lvl1pPr algn="ctr" eaLnBrk="1" latinLnBrk="0" hangingPunct="1">
+              <a:defRPr kumimoji="0" sz="1400" b="1">
                 <a:solidFill>
-                  <a:schemeClr val="tx1">
-                    <a:tint val="75000"/>
-                  </a:schemeClr>
+                  <a:srgbClr val="FFFFFF"/>
                 </a:solidFill>
               </a:defRPr>
             </a:lvl1pPr>
@@ -3252,36 +4218,32 @@
         </p:txBody>
       </p:sp>
     </p:spTree>
-    <p:extLst>
-      <p:ext uri="{BB962C8B-B14F-4D97-AF65-F5344CB8AC3E}">
-        <p14:creationId xmlns:p14="http://schemas.microsoft.com/office/powerpoint/2010/main" val="2777430786"/>
-      </p:ext>
-    </p:extLst>
   </p:cSld>
   <p:clrMap bg1="lt1" tx1="dk1" bg2="lt2" tx2="dk2" accent1="accent1" accent2="accent2" accent3="accent3" accent4="accent4" accent5="accent5" accent6="accent6" hlink="hlink" folHlink="folHlink"/>
   <p:sldLayoutIdLst>
-    <p:sldLayoutId id="2147483649" r:id="rId1"/>
-    <p:sldLayoutId id="2147483650" r:id="rId2"/>
-    <p:sldLayoutId id="2147483651" r:id="rId3"/>
-    <p:sldLayoutId id="2147483652" r:id="rId4"/>
-    <p:sldLayoutId id="2147483653" r:id="rId5"/>
-    <p:sldLayoutId id="2147483654" r:id="rId6"/>
-    <p:sldLayoutId id="2147483655" r:id="rId7"/>
-    <p:sldLayoutId id="2147483656" r:id="rId8"/>
-    <p:sldLayoutId id="2147483657" r:id="rId9"/>
-    <p:sldLayoutId id="2147483658" r:id="rId10"/>
-    <p:sldLayoutId id="2147483659" r:id="rId11"/>
+    <p:sldLayoutId id="2147483881" r:id="rId1"/>
+    <p:sldLayoutId id="2147483882" r:id="rId2"/>
+    <p:sldLayoutId id="2147483883" r:id="rId3"/>
+    <p:sldLayoutId id="2147483884" r:id="rId4"/>
+    <p:sldLayoutId id="2147483885" r:id="rId5"/>
+    <p:sldLayoutId id="2147483886" r:id="rId6"/>
+    <p:sldLayoutId id="2147483887" r:id="rId7"/>
+    <p:sldLayoutId id="2147483888" r:id="rId8"/>
+    <p:sldLayoutId id="2147483889" r:id="rId9"/>
+    <p:sldLayoutId id="2147483890" r:id="rId10"/>
+    <p:sldLayoutId id="2147483891" r:id="rId11"/>
   </p:sldLayoutIdLst>
+  <p:hf hdr="0" dt="0"/>
   <p:txStyles>
     <p:titleStyle>
-      <a:lvl1pPr algn="ctr" defTabSz="457200" rtl="0" eaLnBrk="1" latinLnBrk="0" hangingPunct="1">
+      <a:lvl1pPr algn="l" rtl="0" eaLnBrk="1" latinLnBrk="0" hangingPunct="1">
         <a:spcBef>
           <a:spcPct val="0"/>
         </a:spcBef>
         <a:buNone/>
-        <a:defRPr sz="4400" kern="1200">
+        <a:defRPr kumimoji="0" sz="4400" kern="1200">
           <a:solidFill>
-            <a:schemeClr val="tx1"/>
+            <a:schemeClr val="tx2"/>
           </a:solidFill>
           <a:latin typeface="+mj-lt"/>
           <a:ea typeface="+mj-ea"/>
@@ -3290,13 +4252,17 @@
       </a:lvl1pPr>
     </p:titleStyle>
     <p:bodyStyle>
-      <a:lvl1pPr marL="342900" indent="-342900" algn="l" defTabSz="457200" rtl="0" eaLnBrk="1" latinLnBrk="0" hangingPunct="1">
+      <a:lvl1pPr marL="320040" indent="-320040" algn="l" rtl="0" eaLnBrk="1" latinLnBrk="0" hangingPunct="1">
         <a:spcBef>
-          <a:spcPct val="20000"/>
+          <a:spcPts val="700"/>
         </a:spcBef>
-        <a:buFont typeface="Arial"/>
-        <a:buChar char="•"/>
-        <a:defRPr sz="3200" kern="1200">
+        <a:buClr>
+          <a:schemeClr val="accent2"/>
+        </a:buClr>
+        <a:buSzPct val="60000"/>
+        <a:buFont typeface="Wingdings"/>
+        <a:buChar char=""/>
+        <a:defRPr kumimoji="0" sz="2900" kern="1200">
           <a:solidFill>
             <a:schemeClr val="tx1"/>
           </a:solidFill>
@@ -3305,13 +4271,17 @@
           <a:cs typeface="+mn-cs"/>
         </a:defRPr>
       </a:lvl1pPr>
-      <a:lvl2pPr marL="742950" indent="-285750" algn="l" defTabSz="457200" rtl="0" eaLnBrk="1" latinLnBrk="0" hangingPunct="1">
+      <a:lvl2pPr marL="640080" indent="-274320" algn="l" rtl="0" eaLnBrk="1" latinLnBrk="0" hangingPunct="1">
         <a:spcBef>
-          <a:spcPct val="20000"/>
+          <a:spcPts val="550"/>
         </a:spcBef>
-        <a:buFont typeface="Arial"/>
-        <a:buChar char="–"/>
-        <a:defRPr sz="2800" kern="1200">
+        <a:buClr>
+          <a:schemeClr val="accent1"/>
+        </a:buClr>
+        <a:buSzPct val="70000"/>
+        <a:buFont typeface="Wingdings 2"/>
+        <a:buChar char=""/>
+        <a:defRPr kumimoji="0" sz="2600" kern="1200">
           <a:solidFill>
             <a:schemeClr val="tx1"/>
           </a:solidFill>
@@ -3320,13 +4290,17 @@
           <a:cs typeface="+mn-cs"/>
         </a:defRPr>
       </a:lvl2pPr>
-      <a:lvl3pPr marL="1143000" indent="-228600" algn="l" defTabSz="457200" rtl="0" eaLnBrk="1" latinLnBrk="0" hangingPunct="1">
+      <a:lvl3pPr marL="914400" indent="-228600" algn="l" rtl="0" eaLnBrk="1" latinLnBrk="0" hangingPunct="1">
         <a:spcBef>
-          <a:spcPct val="20000"/>
+          <a:spcPts val="500"/>
         </a:spcBef>
-        <a:buFont typeface="Arial"/>
-        <a:buChar char="•"/>
-        <a:defRPr sz="2400" kern="1200">
+        <a:buClr>
+          <a:schemeClr val="accent2"/>
+        </a:buClr>
+        <a:buSzPct val="75000"/>
+        <a:buFont typeface="Wingdings"/>
+        <a:buChar char=""/>
+        <a:defRPr kumimoji="0" sz="2300" kern="1200">
           <a:solidFill>
             <a:schemeClr val="tx1"/>
           </a:solidFill>
@@ -3335,13 +4309,17 @@
           <a:cs typeface="+mn-cs"/>
         </a:defRPr>
       </a:lvl3pPr>
-      <a:lvl4pPr marL="1600200" indent="-228600" algn="l" defTabSz="457200" rtl="0" eaLnBrk="1" latinLnBrk="0" hangingPunct="1">
+      <a:lvl4pPr marL="1371600" indent="-228600" algn="l" rtl="0" eaLnBrk="1" latinLnBrk="0" hangingPunct="1">
         <a:spcBef>
-          <a:spcPct val="20000"/>
+          <a:spcPts val="400"/>
         </a:spcBef>
-        <a:buFont typeface="Arial"/>
-        <a:buChar char="–"/>
-        <a:defRPr sz="2000" kern="1200">
+        <a:buClr>
+          <a:schemeClr val="accent3"/>
+        </a:buClr>
+        <a:buSzPct val="75000"/>
+        <a:buFont typeface="Wingdings"/>
+        <a:buChar char=""/>
+        <a:defRPr kumimoji="0" sz="2000" kern="1200">
           <a:solidFill>
             <a:schemeClr val="tx1"/>
           </a:solidFill>
@@ -3350,13 +4328,17 @@
           <a:cs typeface="+mn-cs"/>
         </a:defRPr>
       </a:lvl4pPr>
-      <a:lvl5pPr marL="2057400" indent="-228600" algn="l" defTabSz="457200" rtl="0" eaLnBrk="1" latinLnBrk="0" hangingPunct="1">
+      <a:lvl5pPr marL="1828800" indent="-228600" algn="l" rtl="0" eaLnBrk="1" latinLnBrk="0" hangingPunct="1">
         <a:spcBef>
-          <a:spcPct val="20000"/>
+          <a:spcPts val="400"/>
         </a:spcBef>
-        <a:buFont typeface="Arial"/>
-        <a:buChar char="»"/>
-        <a:defRPr sz="2000" kern="1200">
+        <a:buClr>
+          <a:schemeClr val="accent4"/>
+        </a:buClr>
+        <a:buSzPct val="65000"/>
+        <a:buFont typeface="Wingdings"/>
+        <a:buChar char=""/>
+        <a:defRPr kumimoji="0" sz="2000" kern="1200">
           <a:solidFill>
             <a:schemeClr val="tx1"/>
           </a:solidFill>
@@ -3365,13 +4347,16 @@
           <a:cs typeface="+mn-cs"/>
         </a:defRPr>
       </a:lvl5pPr>
-      <a:lvl6pPr marL="2514600" indent="-228600" algn="l" defTabSz="457200" rtl="0" eaLnBrk="1" latinLnBrk="0" hangingPunct="1">
+      <a:lvl6pPr marL="2103120" indent="-228600" algn="l" rtl="0" eaLnBrk="1" latinLnBrk="0" hangingPunct="1">
         <a:spcBef>
           <a:spcPct val="20000"/>
         </a:spcBef>
-        <a:buFont typeface="Arial"/>
-        <a:buChar char="•"/>
-        <a:defRPr sz="2000" kern="1200">
+        <a:buClr>
+          <a:schemeClr val="accent1"/>
+        </a:buClr>
+        <a:buFont typeface="Wingdings"/>
+        <a:buChar char="§"/>
+        <a:defRPr kumimoji="0" sz="1800" kern="1200" baseline="0">
           <a:solidFill>
             <a:schemeClr val="tx1"/>
           </a:solidFill>
@@ -3380,13 +4365,16 @@
           <a:cs typeface="+mn-cs"/>
         </a:defRPr>
       </a:lvl6pPr>
-      <a:lvl7pPr marL="2971800" indent="-228600" algn="l" defTabSz="457200" rtl="0" eaLnBrk="1" latinLnBrk="0" hangingPunct="1">
+      <a:lvl7pPr marL="2377440" indent="-228600" algn="l" rtl="0" eaLnBrk="1" latinLnBrk="0" hangingPunct="1">
         <a:spcBef>
           <a:spcPct val="20000"/>
         </a:spcBef>
-        <a:buFont typeface="Arial"/>
-        <a:buChar char="•"/>
-        <a:defRPr sz="2000" kern="1200">
+        <a:buClr>
+          <a:schemeClr val="accent2"/>
+        </a:buClr>
+        <a:buFont typeface="Wingdings"/>
+        <a:buChar char="§"/>
+        <a:defRPr kumimoji="0" sz="1800" kern="1200" baseline="0">
           <a:solidFill>
             <a:schemeClr val="tx1"/>
           </a:solidFill>
@@ -3395,13 +4383,16 @@
           <a:cs typeface="+mn-cs"/>
         </a:defRPr>
       </a:lvl7pPr>
-      <a:lvl8pPr marL="3429000" indent="-228600" algn="l" defTabSz="457200" rtl="0" eaLnBrk="1" latinLnBrk="0" hangingPunct="1">
+      <a:lvl8pPr marL="2651760" indent="-228600" algn="l" rtl="0" eaLnBrk="1" latinLnBrk="0" hangingPunct="1">
         <a:spcBef>
           <a:spcPct val="20000"/>
         </a:spcBef>
-        <a:buFont typeface="Arial"/>
-        <a:buChar char="•"/>
-        <a:defRPr sz="2000" kern="1200">
+        <a:buClr>
+          <a:schemeClr val="accent3"/>
+        </a:buClr>
+        <a:buFont typeface="Wingdings"/>
+        <a:buChar char="§"/>
+        <a:defRPr kumimoji="0" sz="1800" kern="1200" baseline="0">
           <a:solidFill>
             <a:schemeClr val="tx1"/>
           </a:solidFill>
@@ -3410,13 +4401,16 @@
           <a:cs typeface="+mn-cs"/>
         </a:defRPr>
       </a:lvl8pPr>
-      <a:lvl9pPr marL="3886200" indent="-228600" algn="l" defTabSz="457200" rtl="0" eaLnBrk="1" latinLnBrk="0" hangingPunct="1">
+      <a:lvl9pPr marL="2926080" indent="-228600" algn="l" rtl="0" eaLnBrk="1" latinLnBrk="0" hangingPunct="1">
         <a:spcBef>
           <a:spcPct val="20000"/>
         </a:spcBef>
-        <a:buFont typeface="Arial"/>
-        <a:buChar char="•"/>
-        <a:defRPr sz="2000" kern="1200">
+        <a:buClr>
+          <a:schemeClr val="accent4"/>
+        </a:buClr>
+        <a:buFont typeface="Wingdings"/>
+        <a:buChar char="§"/>
+        <a:defRPr kumimoji="0" sz="1800" kern="1200" baseline="0">
           <a:solidFill>
             <a:schemeClr val="tx1"/>
           </a:solidFill>
@@ -3427,11 +4421,8 @@
       </a:lvl9pPr>
     </p:bodyStyle>
     <p:otherStyle>
-      <a:defPPr>
-        <a:defRPr lang="en-US"/>
-      </a:defPPr>
-      <a:lvl1pPr marL="0" algn="l" defTabSz="457200" rtl="0" eaLnBrk="1" latinLnBrk="0" hangingPunct="1">
-        <a:defRPr sz="1800" kern="1200">
+      <a:lvl1pPr marL="0" algn="l" rtl="0" eaLnBrk="1" latinLnBrk="0" hangingPunct="1">
+        <a:defRPr kumimoji="0" kern="1200">
           <a:solidFill>
             <a:schemeClr val="tx1"/>
           </a:solidFill>
@@ -3440,8 +4431,8 @@
           <a:cs typeface="+mn-cs"/>
         </a:defRPr>
       </a:lvl1pPr>
-      <a:lvl2pPr marL="457200" algn="l" defTabSz="457200" rtl="0" eaLnBrk="1" latinLnBrk="0" hangingPunct="1">
-        <a:defRPr sz="1800" kern="1200">
+      <a:lvl2pPr marL="457200" algn="l" rtl="0" eaLnBrk="1" latinLnBrk="0" hangingPunct="1">
+        <a:defRPr kumimoji="0" kern="1200">
           <a:solidFill>
             <a:schemeClr val="tx1"/>
           </a:solidFill>
@@ -3450,8 +4441,8 @@
           <a:cs typeface="+mn-cs"/>
         </a:defRPr>
       </a:lvl2pPr>
-      <a:lvl3pPr marL="914400" algn="l" defTabSz="457200" rtl="0" eaLnBrk="1" latinLnBrk="0" hangingPunct="1">
-        <a:defRPr sz="1800" kern="1200">
+      <a:lvl3pPr marL="914400" algn="l" rtl="0" eaLnBrk="1" latinLnBrk="0" hangingPunct="1">
+        <a:defRPr kumimoji="0" kern="1200">
           <a:solidFill>
             <a:schemeClr val="tx1"/>
           </a:solidFill>
@@ -3460,8 +4451,8 @@
           <a:cs typeface="+mn-cs"/>
         </a:defRPr>
       </a:lvl3pPr>
-      <a:lvl4pPr marL="1371600" algn="l" defTabSz="457200" rtl="0" eaLnBrk="1" latinLnBrk="0" hangingPunct="1">
-        <a:defRPr sz="1800" kern="1200">
+      <a:lvl4pPr marL="1371600" algn="l" rtl="0" eaLnBrk="1" latinLnBrk="0" hangingPunct="1">
+        <a:defRPr kumimoji="0" kern="1200">
           <a:solidFill>
             <a:schemeClr val="tx1"/>
           </a:solidFill>
@@ -3470,8 +4461,8 @@
           <a:cs typeface="+mn-cs"/>
         </a:defRPr>
       </a:lvl4pPr>
-      <a:lvl5pPr marL="1828800" algn="l" defTabSz="457200" rtl="0" eaLnBrk="1" latinLnBrk="0" hangingPunct="1">
-        <a:defRPr sz="1800" kern="1200">
+      <a:lvl5pPr marL="1828800" algn="l" rtl="0" eaLnBrk="1" latinLnBrk="0" hangingPunct="1">
+        <a:defRPr kumimoji="0" kern="1200">
           <a:solidFill>
             <a:schemeClr val="tx1"/>
           </a:solidFill>
@@ -3480,8 +4471,8 @@
           <a:cs typeface="+mn-cs"/>
         </a:defRPr>
       </a:lvl5pPr>
-      <a:lvl6pPr marL="2286000" algn="l" defTabSz="457200" rtl="0" eaLnBrk="1" latinLnBrk="0" hangingPunct="1">
-        <a:defRPr sz="1800" kern="1200">
+      <a:lvl6pPr marL="2286000" algn="l" rtl="0" eaLnBrk="1" latinLnBrk="0" hangingPunct="1">
+        <a:defRPr kumimoji="0" kern="1200">
           <a:solidFill>
             <a:schemeClr val="tx1"/>
           </a:solidFill>
@@ -3490,8 +4481,8 @@
           <a:cs typeface="+mn-cs"/>
         </a:defRPr>
       </a:lvl6pPr>
-      <a:lvl7pPr marL="2743200" algn="l" defTabSz="457200" rtl="0" eaLnBrk="1" latinLnBrk="0" hangingPunct="1">
-        <a:defRPr sz="1800" kern="1200">
+      <a:lvl7pPr marL="2743200" algn="l" rtl="0" eaLnBrk="1" latinLnBrk="0" hangingPunct="1">
+        <a:defRPr kumimoji="0" kern="1200">
           <a:solidFill>
             <a:schemeClr val="tx1"/>
           </a:solidFill>
@@ -3500,8 +4491,8 @@
           <a:cs typeface="+mn-cs"/>
         </a:defRPr>
       </a:lvl7pPr>
-      <a:lvl8pPr marL="3200400" algn="l" defTabSz="457200" rtl="0" eaLnBrk="1" latinLnBrk="0" hangingPunct="1">
-        <a:defRPr sz="1800" kern="1200">
+      <a:lvl8pPr marL="3200400" algn="l" rtl="0" eaLnBrk="1" latinLnBrk="0" hangingPunct="1">
+        <a:defRPr kumimoji="0" kern="1200">
           <a:solidFill>
             <a:schemeClr val="tx1"/>
           </a:solidFill>
@@ -3510,8 +4501,8 @@
           <a:cs typeface="+mn-cs"/>
         </a:defRPr>
       </a:lvl8pPr>
-      <a:lvl9pPr marL="3657600" algn="l" defTabSz="457200" rtl="0" eaLnBrk="1" latinLnBrk="0" hangingPunct="1">
-        <a:defRPr sz="1800" kern="1200">
+      <a:lvl9pPr marL="3657600" algn="l" rtl="0" eaLnBrk="1" latinLnBrk="0" hangingPunct="1">
+        <a:defRPr kumimoji="0" kern="1200">
           <a:solidFill>
             <a:schemeClr val="tx1"/>
           </a:solidFill>
@@ -3544,7 +4535,7 @@
       </p:grpSpPr>
       <p:sp>
         <p:nvSpPr>
-          <p:cNvPr id="2" name="Title 1"/>
+          <p:cNvPr id="5" name="Title 4"/>
           <p:cNvSpPr>
             <a:spLocks noGrp="1"/>
           </p:cNvSpPr>
@@ -3558,8 +4549,12 @@
           <a:lstStyle/>
           <a:p>
             <a:r>
+              <a:rPr lang="en-US" dirty="0" err="1" smtClean="0"/>
+              <a:t>Travelliing</a:t>
+            </a:r>
+            <a:r>
               <a:rPr lang="en-US" dirty="0" smtClean="0"/>
-              <a:t>Traveling Salesman Problem</a:t>
+              <a:t> salesman</a:t>
             </a:r>
             <a:endParaRPr lang="en-US" dirty="0"/>
           </a:p>
@@ -3567,7 +4562,7 @@
       </p:sp>
       <p:sp>
         <p:nvSpPr>
-          <p:cNvPr id="3" name="Subtitle 2"/>
+          <p:cNvPr id="6" name="Subtitle 5"/>
           <p:cNvSpPr>
             <a:spLocks noGrp="1"/>
           </p:cNvSpPr>
@@ -3582,22 +4577,64 @@
           <a:p>
             <a:r>
               <a:rPr lang="en-US" dirty="0" smtClean="0"/>
-              <a:t>Simon Have &amp; Jesper Bækdahl</a:t>
-            </a:r>
-          </a:p>
-          <a:p>
-            <a:r>
-              <a:rPr lang="en-US" dirty="0" err="1" smtClean="0"/>
+              <a:t>Simon Have, Jesper Bækdahl, VGIS 822</a:t>
+            </a:r>
+            <a:endParaRPr lang="en-US" dirty="0"/>
+          </a:p>
+        </p:txBody>
+      </p:sp>
+      <p:sp>
+        <p:nvSpPr>
+          <p:cNvPr id="3" name="Footer Placeholder 2"/>
+          <p:cNvSpPr>
+            <a:spLocks noGrp="1"/>
+          </p:cNvSpPr>
+          <p:nvPr>
+            <p:ph type="ftr" sz="quarter" idx="11"/>
+          </p:nvPr>
+        </p:nvSpPr>
+        <p:spPr/>
+        <p:txBody>
+          <a:bodyPr/>
+          <a:lstStyle/>
+          <a:p>
+            <a:r>
+              <a:rPr lang="is-IS" smtClean="0"/>
               <a:t>hyggekaffe.dk</a:t>
             </a:r>
-            <a:endParaRPr lang="en-US" dirty="0"/>
+            <a:endParaRPr lang="en-US"/>
+          </a:p>
+        </p:txBody>
+      </p:sp>
+      <p:sp>
+        <p:nvSpPr>
+          <p:cNvPr id="4" name="Slide Number Placeholder 3"/>
+          <p:cNvSpPr>
+            <a:spLocks noGrp="1"/>
+          </p:cNvSpPr>
+          <p:nvPr>
+            <p:ph type="sldNum" sz="quarter" idx="12"/>
+          </p:nvPr>
+        </p:nvSpPr>
+        <p:spPr/>
+        <p:txBody>
+          <a:bodyPr>
+            <a:normAutofit/>
+          </a:bodyPr>
+          <a:lstStyle/>
+          <a:p>
+            <a:fld id="{352532C4-7927-6444-971D-9540017D0F99}" type="slidenum">
+              <a:rPr lang="en-US" smtClean="0"/>
+              <a:t>1</a:t>
+            </a:fld>
+            <a:endParaRPr lang="en-US"/>
           </a:p>
         </p:txBody>
       </p:sp>
     </p:spTree>
     <p:extLst>
       <p:ext uri="{BB962C8B-B14F-4D97-AF65-F5344CB8AC3E}">
-        <p14:creationId xmlns:p14="http://schemas.microsoft.com/office/powerpoint/2010/main" val="1525033963"/>
+        <p14:creationId xmlns:p14="http://schemas.microsoft.com/office/powerpoint/2010/main" val="2975301991"/>
       </p:ext>
     </p:extLst>
   </p:cSld>
@@ -3626,7 +4663,7 @@
       </p:grpSpPr>
       <p:sp>
         <p:nvSpPr>
-          <p:cNvPr id="4" name="Title 3"/>
+          <p:cNvPr id="2" name="Title 1"/>
           <p:cNvSpPr>
             <a:spLocks noGrp="1"/>
           </p:cNvSpPr>
@@ -3641,7 +4678,7 @@
           <a:p>
             <a:r>
               <a:rPr lang="en-US" dirty="0" smtClean="0"/>
-              <a:t>Problem</a:t>
+              <a:t>Traveling Salesman Problem</a:t>
             </a:r>
             <a:endParaRPr lang="en-US" dirty="0"/>
           </a:p>
@@ -3649,12 +4686,12 @@
       </p:sp>
       <p:sp>
         <p:nvSpPr>
-          <p:cNvPr id="5" name="Content Placeholder 4"/>
-          <p:cNvSpPr>
-            <a:spLocks noGrp="1"/>
-          </p:cNvSpPr>
-          <p:nvPr>
-            <p:ph sz="half" idx="1"/>
+          <p:cNvPr id="4" name="Footer Placeholder 3"/>
+          <p:cNvSpPr>
+            <a:spLocks noGrp="1"/>
+          </p:cNvSpPr>
+          <p:nvPr>
+            <p:ph type="ftr" sz="quarter" idx="11"/>
           </p:nvPr>
         </p:nvSpPr>
         <p:spPr/>
@@ -3663,42 +4700,57 @@
           <a:lstStyle/>
           <a:p>
             <a:r>
-              <a:rPr lang="en-US" dirty="0" smtClean="0"/>
-              <a:t>Find shortest path between cities given their pairwise distance</a:t>
-            </a:r>
-          </a:p>
-          <a:p>
-            <a:r>
-              <a:rPr lang="en-US" dirty="0" smtClean="0"/>
-              <a:t>Most intensive problems studied in optimization</a:t>
-            </a:r>
+              <a:rPr lang="is-IS" smtClean="0"/>
+              <a:t>hyggekaffe.dk</a:t>
+            </a:r>
+            <a:endParaRPr lang="en-US"/>
+          </a:p>
+        </p:txBody>
+      </p:sp>
+      <p:sp>
+        <p:nvSpPr>
+          <p:cNvPr id="3" name="Slide Number Placeholder 2"/>
+          <p:cNvSpPr>
+            <a:spLocks noGrp="1"/>
+          </p:cNvSpPr>
+          <p:nvPr>
+            <p:ph type="sldNum" sz="quarter" idx="12"/>
+          </p:nvPr>
+        </p:nvSpPr>
+        <p:spPr/>
+        <p:txBody>
+          <a:bodyPr>
+            <a:normAutofit fontScale="85000" lnSpcReduction="20000"/>
+          </a:bodyPr>
+          <a:lstStyle/>
+          <a:p>
+            <a:fld id="{352532C4-7927-6444-971D-9540017D0F99}" type="slidenum">
+              <a:rPr lang="en-US" smtClean="0"/>
+              <a:t>2</a:t>
+            </a:fld>
+            <a:endParaRPr lang="en-US"/>
           </a:p>
         </p:txBody>
       </p:sp>
       <p:pic>
         <p:nvPicPr>
-          <p:cNvPr id="7" name="Content Placeholder 6" descr="Screen shot 2011-04-18 at 20.31.49.png"/>
+          <p:cNvPr id="6" name="Picture 5"/>
           <p:cNvPicPr>
-            <a:picLocks noGrp="1" noChangeAspect="1"/>
+            <a:picLocks noChangeAspect="1"/>
           </p:cNvPicPr>
-          <p:nvPr>
-            <p:ph sz="half" idx="2"/>
-          </p:nvPr>
+          <p:nvPr/>
         </p:nvPicPr>
         <p:blipFill>
-          <a:blip r:embed="rId2">
-            <a:extLst>
-              <a:ext uri="{28A0092B-C50C-407E-A947-70E740481C1C}">
-                <a14:useLocalDpi xmlns:a14="http://schemas.microsoft.com/office/drawing/2010/main" val="0"/>
-              </a:ext>
-            </a:extLst>
-          </a:blip>
-          <a:srcRect t="-27482" b="-27482"/>
+          <a:blip r:embed="rId3"/>
           <a:stretch>
             <a:fillRect/>
           </a:stretch>
         </p:blipFill>
         <p:spPr>
+          <a:xfrm>
+            <a:off x="289878" y="1752600"/>
+            <a:ext cx="8128000" cy="3594100"/>
+          </a:xfrm>
           <a:prstGeom prst="rect">
             <a:avLst/>
           </a:prstGeom>
@@ -3707,13 +4759,20 @@
     </p:spTree>
     <p:extLst>
       <p:ext uri="{BB962C8B-B14F-4D97-AF65-F5344CB8AC3E}">
-        <p14:creationId xmlns:p14="http://schemas.microsoft.com/office/powerpoint/2010/main" val="3560388178"/>
+        <p14:creationId xmlns:p14="http://schemas.microsoft.com/office/powerpoint/2010/main" val="1525033963"/>
       </p:ext>
     </p:extLst>
   </p:cSld>
   <p:clrMapOvr>
     <a:masterClrMapping/>
   </p:clrMapOvr>
+  <p:timing>
+    <p:tnLst>
+      <p:par>
+        <p:cTn xmlns:p14="http://schemas.microsoft.com/office/powerpoint/2010/main" id="1" dur="indefinite" restart="never" nodeType="tmRoot"/>
+      </p:par>
+    </p:tnLst>
+  </p:timing>
 </p:sld>
 </file>
 
@@ -3736,6 +4795,171 @@
       </p:grpSpPr>
       <p:sp>
         <p:nvSpPr>
+          <p:cNvPr id="4" name="Title 3"/>
+          <p:cNvSpPr>
+            <a:spLocks noGrp="1"/>
+          </p:cNvSpPr>
+          <p:nvPr>
+            <p:ph type="title"/>
+          </p:nvPr>
+        </p:nvSpPr>
+        <p:spPr/>
+        <p:txBody>
+          <a:bodyPr/>
+          <a:lstStyle/>
+          <a:p>
+            <a:r>
+              <a:rPr lang="en-US" dirty="0" smtClean="0"/>
+              <a:t>Problem</a:t>
+            </a:r>
+            <a:endParaRPr lang="en-US" dirty="0"/>
+          </a:p>
+        </p:txBody>
+      </p:sp>
+      <p:sp>
+        <p:nvSpPr>
+          <p:cNvPr id="5" name="Content Placeholder 4"/>
+          <p:cNvSpPr>
+            <a:spLocks noGrp="1"/>
+          </p:cNvSpPr>
+          <p:nvPr>
+            <p:ph sz="quarter" idx="1"/>
+          </p:nvPr>
+        </p:nvSpPr>
+        <p:spPr/>
+        <p:txBody>
+          <a:bodyPr/>
+          <a:lstStyle/>
+          <a:p>
+            <a:r>
+              <a:rPr lang="en-US" dirty="0" smtClean="0"/>
+              <a:t>Find shortest path between cities given their pairwise distance</a:t>
+            </a:r>
+          </a:p>
+          <a:p>
+            <a:r>
+              <a:rPr lang="en-US" dirty="0" smtClean="0"/>
+              <a:t>Most intensive problems studied in optimization</a:t>
+            </a:r>
+          </a:p>
+        </p:txBody>
+      </p:sp>
+      <p:pic>
+        <p:nvPicPr>
+          <p:cNvPr id="7" name="Content Placeholder 6" descr="Screen shot 2011-04-18 at 20.31.49.png"/>
+          <p:cNvPicPr>
+            <a:picLocks noGrp="1" noChangeAspect="1"/>
+          </p:cNvPicPr>
+          <p:nvPr>
+            <p:ph sz="quarter" idx="2"/>
+          </p:nvPr>
+        </p:nvPicPr>
+        <p:blipFill>
+          <a:blip r:embed="rId2">
+            <a:extLst>
+              <a:ext uri="{28A0092B-C50C-407E-A947-70E740481C1C}">
+                <a14:useLocalDpi xmlns:a14="http://schemas.microsoft.com/office/drawing/2010/main" val="0"/>
+              </a:ext>
+            </a:extLst>
+          </a:blip>
+          <a:srcRect l="19264" r="19264"/>
+          <a:stretch>
+            <a:fillRect/>
+          </a:stretch>
+        </p:blipFill>
+        <p:spPr>
+          <a:prstGeom prst="rect">
+            <a:avLst/>
+          </a:prstGeom>
+        </p:spPr>
+      </p:pic>
+      <p:sp>
+        <p:nvSpPr>
+          <p:cNvPr id="2" name="Slide Number Placeholder 1"/>
+          <p:cNvSpPr>
+            <a:spLocks noGrp="1"/>
+          </p:cNvSpPr>
+          <p:nvPr>
+            <p:ph type="sldNum" sz="quarter" idx="16"/>
+          </p:nvPr>
+        </p:nvSpPr>
+        <p:spPr/>
+        <p:txBody>
+          <a:bodyPr>
+            <a:normAutofit fontScale="85000" lnSpcReduction="20000"/>
+          </a:bodyPr>
+          <a:lstStyle/>
+          <a:p>
+            <a:fld id="{352532C4-7927-6444-971D-9540017D0F99}" type="slidenum">
+              <a:rPr lang="en-US" smtClean="0"/>
+              <a:t>3</a:t>
+            </a:fld>
+            <a:endParaRPr lang="en-US"/>
+          </a:p>
+        </p:txBody>
+      </p:sp>
+      <p:sp>
+        <p:nvSpPr>
+          <p:cNvPr id="3" name="Footer Placeholder 2"/>
+          <p:cNvSpPr>
+            <a:spLocks noGrp="1"/>
+          </p:cNvSpPr>
+          <p:nvPr>
+            <p:ph type="ftr" sz="quarter" idx="17"/>
+          </p:nvPr>
+        </p:nvSpPr>
+        <p:spPr/>
+        <p:txBody>
+          <a:bodyPr/>
+          <a:lstStyle/>
+          <a:p>
+            <a:r>
+              <a:rPr lang="is-IS" smtClean="0"/>
+              <a:t>hyggekaffe.dk</a:t>
+            </a:r>
+            <a:endParaRPr lang="en-US"/>
+          </a:p>
+        </p:txBody>
+      </p:sp>
+    </p:spTree>
+    <p:extLst>
+      <p:ext uri="{BB962C8B-B14F-4D97-AF65-F5344CB8AC3E}">
+        <p14:creationId xmlns:p14="http://schemas.microsoft.com/office/powerpoint/2010/main" val="3560388178"/>
+      </p:ext>
+    </p:extLst>
+  </p:cSld>
+  <p:clrMapOvr>
+    <a:masterClrMapping/>
+  </p:clrMapOvr>
+  <p:timing>
+    <p:tnLst>
+      <p:par>
+        <p:cTn xmlns:p14="http://schemas.microsoft.com/office/powerpoint/2010/main" id="1" dur="indefinite" restart="never" nodeType="tmRoot"/>
+      </p:par>
+    </p:tnLst>
+  </p:timing>
+</p:sld>
+</file>
+
+<file path=ppt/slides/slide4.xml><?xml version="1.0" encoding="utf-8"?>
+<p:sld xmlns:a="http://schemas.openxmlformats.org/drawingml/2006/main" xmlns:r="http://schemas.openxmlformats.org/officeDocument/2006/relationships" xmlns:p="http://schemas.openxmlformats.org/presentationml/2006/main">
+  <p:cSld>
+    <p:spTree>
+      <p:nvGrpSpPr>
+        <p:cNvPr id="1" name=""/>
+        <p:cNvGrpSpPr/>
+        <p:nvPr/>
+      </p:nvGrpSpPr>
+      <p:grpSpPr>
+        <a:xfrm>
+          <a:off x="0" y="0"/>
+          <a:ext cx="0" cy="0"/>
+          <a:chOff x="0" y="0"/>
+          <a:chExt cx="0" cy="0"/>
+        </a:xfrm>
+      </p:grpSpPr>
+      <p:sp>
+        <p:nvSpPr>
           <p:cNvPr id="5" name="Title 4"/>
           <p:cNvSpPr>
             <a:spLocks noGrp="1"/>
@@ -3764,7 +4988,7 @@
             <a:spLocks noGrp="1"/>
           </p:cNvSpPr>
           <p:nvPr>
-            <p:ph sz="half" idx="1"/>
+            <p:ph sz="quarter" idx="1"/>
           </p:nvPr>
         </p:nvSpPr>
         <p:spPr/>
@@ -3774,25 +4998,20 @@
           <a:p>
             <a:r>
               <a:rPr lang="en-US" dirty="0" smtClean="0"/>
-              <a:t>Vertices: cities</a:t>
-            </a:r>
-          </a:p>
-          <a:p>
-            <a:r>
-              <a:rPr lang="en-US" dirty="0" err="1" smtClean="0"/>
-              <a:t>Equivilent</a:t>
-            </a:r>
+              <a:t>Cities = vertices</a:t>
+            </a:r>
+          </a:p>
+          <a:p>
             <a:r>
               <a:rPr lang="en-US" dirty="0" smtClean="0"/>
-              <a:t>: Find a Hamiltonian cycle with least total distance</a:t>
-            </a:r>
-          </a:p>
-          <a:p>
-            <a:r>
-              <a:rPr lang="en-US" smtClean="0"/>
-              <a:t>Complexity O(n!)</a:t>
-            </a:r>
-            <a:endParaRPr lang="en-US" dirty="0"/>
+              <a:t>Edges = distances between cities</a:t>
+            </a:r>
+          </a:p>
+          <a:p>
+            <a:r>
+              <a:rPr lang="en-US" dirty="0" smtClean="0"/>
+              <a:t>Equivalent: Find a Hamiltonian cycle with least total distance</a:t>
+            </a:r>
           </a:p>
         </p:txBody>
       </p:sp>
@@ -3803,18 +5022,66 @@
             <a:picLocks noGrp="1" noChangeAspect="1"/>
           </p:cNvPicPr>
           <p:nvPr>
-            <p:ph sz="half" idx="2"/>
+            <p:ph sz="quarter" idx="2"/>
           </p:nvPr>
         </p:nvPicPr>
         <p:blipFill>
           <a:blip r:embed="rId3"/>
-          <a:srcRect t="-17241" b="-17241"/>
+          <a:srcRect l="14583" r="14583"/>
           <a:stretch>
             <a:fillRect/>
           </a:stretch>
         </p:blipFill>
         <p:spPr/>
       </p:pic>
+      <p:sp>
+        <p:nvSpPr>
+          <p:cNvPr id="2" name="Slide Number Placeholder 1"/>
+          <p:cNvSpPr>
+            <a:spLocks noGrp="1"/>
+          </p:cNvSpPr>
+          <p:nvPr>
+            <p:ph type="sldNum" sz="quarter" idx="16"/>
+          </p:nvPr>
+        </p:nvSpPr>
+        <p:spPr/>
+        <p:txBody>
+          <a:bodyPr>
+            <a:normAutofit fontScale="85000" lnSpcReduction="20000"/>
+          </a:bodyPr>
+          <a:lstStyle/>
+          <a:p>
+            <a:fld id="{352532C4-7927-6444-971D-9540017D0F99}" type="slidenum">
+              <a:rPr lang="en-US" smtClean="0"/>
+              <a:t>4</a:t>
+            </a:fld>
+            <a:endParaRPr lang="en-US"/>
+          </a:p>
+        </p:txBody>
+      </p:sp>
+      <p:sp>
+        <p:nvSpPr>
+          <p:cNvPr id="4" name="Footer Placeholder 3"/>
+          <p:cNvSpPr>
+            <a:spLocks noGrp="1"/>
+          </p:cNvSpPr>
+          <p:nvPr>
+            <p:ph type="ftr" sz="quarter" idx="17"/>
+          </p:nvPr>
+        </p:nvSpPr>
+        <p:spPr/>
+        <p:txBody>
+          <a:bodyPr/>
+          <a:lstStyle/>
+          <a:p>
+            <a:r>
+              <a:rPr lang="is-IS" smtClean="0"/>
+              <a:t>hyggekaffe.dk</a:t>
+            </a:r>
+            <a:endParaRPr lang="en-US"/>
+          </a:p>
+        </p:txBody>
+      </p:sp>
     </p:spTree>
     <p:extLst>
       <p:ext uri="{BB962C8B-B14F-4D97-AF65-F5344CB8AC3E}">
@@ -3825,13 +5092,728 @@
   <p:clrMapOvr>
     <a:masterClrMapping/>
   </p:clrMapOvr>
+  <p:timing>
+    <p:tnLst>
+      <p:par>
+        <p:cTn xmlns:p14="http://schemas.microsoft.com/office/powerpoint/2010/main" id="1" dur="indefinite" restart="never" nodeType="tmRoot"/>
+      </p:par>
+    </p:tnLst>
+  </p:timing>
+</p:sld>
+</file>
+
+<file path=ppt/slides/slide5.xml><?xml version="1.0" encoding="utf-8"?>
+<p:sld xmlns:a="http://schemas.openxmlformats.org/drawingml/2006/main" xmlns:r="http://schemas.openxmlformats.org/officeDocument/2006/relationships" xmlns:p="http://schemas.openxmlformats.org/presentationml/2006/main">
+  <p:cSld>
+    <p:spTree>
+      <p:nvGrpSpPr>
+        <p:cNvPr id="1" name=""/>
+        <p:cNvGrpSpPr/>
+        <p:nvPr/>
+      </p:nvGrpSpPr>
+      <p:grpSpPr>
+        <a:xfrm>
+          <a:off x="0" y="0"/>
+          <a:ext cx="0" cy="0"/>
+          <a:chOff x="0" y="0"/>
+          <a:chExt cx="0" cy="0"/>
+        </a:xfrm>
+      </p:grpSpPr>
+      <p:sp>
+        <p:nvSpPr>
+          <p:cNvPr id="5" name="Title 4"/>
+          <p:cNvSpPr>
+            <a:spLocks noGrp="1"/>
+          </p:cNvSpPr>
+          <p:nvPr>
+            <p:ph type="title"/>
+          </p:nvPr>
+        </p:nvSpPr>
+        <p:spPr/>
+        <p:txBody>
+          <a:bodyPr/>
+          <a:lstStyle/>
+          <a:p>
+            <a:r>
+              <a:rPr lang="en-US" dirty="0" smtClean="0"/>
+              <a:t>Solutions</a:t>
+            </a:r>
+            <a:endParaRPr lang="en-US" dirty="0"/>
+          </a:p>
+        </p:txBody>
+      </p:sp>
+      <p:sp>
+        <p:nvSpPr>
+          <p:cNvPr id="3" name="Content Placeholder 2"/>
+          <p:cNvSpPr>
+            <a:spLocks noGrp="1"/>
+          </p:cNvSpPr>
+          <p:nvPr>
+            <p:ph sz="quarter" idx="2"/>
+          </p:nvPr>
+        </p:nvSpPr>
+        <p:spPr/>
+        <p:txBody>
+          <a:bodyPr/>
+          <a:lstStyle/>
+          <a:p>
+            <a:r>
+              <a:rPr lang="en-US" dirty="0" smtClean="0"/>
+              <a:t>Branch-and-bound</a:t>
+            </a:r>
+          </a:p>
+          <a:p>
+            <a:r>
+              <a:rPr lang="en-US" dirty="0" smtClean="0"/>
+              <a:t>Linear programming</a:t>
+            </a:r>
+          </a:p>
+          <a:p>
+            <a:r>
+              <a:rPr lang="en-US" dirty="0" smtClean="0"/>
+              <a:t>15,112 German towns: 22.6 years on 500 </a:t>
+            </a:r>
+            <a:r>
+              <a:rPr lang="en-US" dirty="0" err="1" smtClean="0"/>
+              <a:t>MHz.</a:t>
+            </a:r>
+            <a:endParaRPr lang="en-US" dirty="0" smtClean="0"/>
+          </a:p>
+          <a:p>
+            <a:r>
+              <a:rPr lang="en-US" dirty="0" smtClean="0"/>
+              <a:t>Record: 85,900 cities - 2006</a:t>
+            </a:r>
+            <a:endParaRPr lang="en-US" dirty="0"/>
+          </a:p>
+        </p:txBody>
+      </p:sp>
+      <p:sp>
+        <p:nvSpPr>
+          <p:cNvPr id="8" name="Content Placeholder 7"/>
+          <p:cNvSpPr>
+            <a:spLocks noGrp="1"/>
+          </p:cNvSpPr>
+          <p:nvPr>
+            <p:ph sz="quarter" idx="4"/>
+          </p:nvPr>
+        </p:nvSpPr>
+        <p:spPr/>
+        <p:txBody>
+          <a:bodyPr>
+            <a:normAutofit/>
+          </a:bodyPr>
+          <a:lstStyle/>
+          <a:p>
+            <a:r>
+              <a:rPr lang="en-US" dirty="0" smtClean="0"/>
+              <a:t>Nearest </a:t>
+            </a:r>
+            <a:r>
+              <a:rPr lang="en-US" dirty="0" err="1" smtClean="0"/>
+              <a:t>Neighbour</a:t>
+            </a:r>
+            <a:r>
+              <a:rPr lang="en-US" dirty="0" smtClean="0"/>
+              <a:t>(Greedy)</a:t>
+            </a:r>
+          </a:p>
+          <a:p>
+            <a:r>
+              <a:rPr lang="en-US" dirty="0" smtClean="0"/>
+              <a:t>Lin-Kernighan(LKH)</a:t>
+            </a:r>
+          </a:p>
+          <a:p>
+            <a:r>
+              <a:rPr lang="en-US" b="1" dirty="0" smtClean="0">
+                <a:solidFill>
+                  <a:prstClr val="black"/>
+                </a:solidFill>
+                <a:latin typeface="TimesNewRomanPSMT"/>
+              </a:rPr>
+              <a:t>All cities of the world: 1,904,711</a:t>
+            </a:r>
+          </a:p>
+          <a:p>
+            <a:r>
+              <a:rPr lang="en-US" b="1" dirty="0" smtClean="0">
+                <a:solidFill>
+                  <a:prstClr val="black"/>
+                </a:solidFill>
+                <a:latin typeface="TimesNewRomanPSMT"/>
+              </a:rPr>
+              <a:t>Record held by </a:t>
+            </a:r>
+            <a:r>
+              <a:rPr lang="en-US" b="1" dirty="0" err="1" smtClean="0">
+                <a:solidFill>
+                  <a:prstClr val="black"/>
+                </a:solidFill>
+                <a:latin typeface="TimesNewRomanPSMT"/>
+              </a:rPr>
+              <a:t>Keld</a:t>
+            </a:r>
+            <a:r>
+              <a:rPr lang="en-US" b="1" dirty="0" smtClean="0">
+                <a:solidFill>
+                  <a:prstClr val="black"/>
+                </a:solidFill>
+                <a:latin typeface="TimesNewRomanPSMT"/>
+              </a:rPr>
+              <a:t> </a:t>
+            </a:r>
+            <a:r>
+              <a:rPr lang="en-US" b="1" dirty="0" err="1" smtClean="0">
+                <a:solidFill>
+                  <a:prstClr val="black"/>
+                </a:solidFill>
+                <a:latin typeface="TimesNewRomanPSMT"/>
+              </a:rPr>
+              <a:t>Helsgaun</a:t>
+            </a:r>
+            <a:r>
+              <a:rPr lang="en-US" b="1" dirty="0" smtClean="0">
+                <a:solidFill>
+                  <a:prstClr val="black"/>
+                </a:solidFill>
+                <a:latin typeface="TimesNewRomanPSMT"/>
+              </a:rPr>
+              <a:t>, RUC - DK</a:t>
+            </a:r>
+            <a:endParaRPr lang="en-US" dirty="0"/>
+          </a:p>
+        </p:txBody>
+      </p:sp>
+      <p:sp>
+        <p:nvSpPr>
+          <p:cNvPr id="6" name="Text Placeholder 5"/>
+          <p:cNvSpPr>
+            <a:spLocks noGrp="1"/>
+          </p:cNvSpPr>
+          <p:nvPr>
+            <p:ph type="body" sz="quarter" idx="1"/>
+          </p:nvPr>
+        </p:nvSpPr>
+        <p:spPr/>
+        <p:txBody>
+          <a:bodyPr/>
+          <a:lstStyle/>
+          <a:p>
+            <a:r>
+              <a:rPr lang="en-US" dirty="0" smtClean="0"/>
+              <a:t>Exact algorithms</a:t>
+            </a:r>
+            <a:endParaRPr lang="en-US" dirty="0"/>
+          </a:p>
+        </p:txBody>
+      </p:sp>
+      <p:sp>
+        <p:nvSpPr>
+          <p:cNvPr id="7" name="Text Placeholder 6"/>
+          <p:cNvSpPr>
+            <a:spLocks noGrp="1"/>
+          </p:cNvSpPr>
+          <p:nvPr>
+            <p:ph type="body" sz="quarter" idx="3"/>
+          </p:nvPr>
+        </p:nvSpPr>
+        <p:spPr/>
+        <p:txBody>
+          <a:bodyPr/>
+          <a:lstStyle/>
+          <a:p>
+            <a:r>
+              <a:rPr lang="en-US" dirty="0" smtClean="0"/>
+              <a:t>Heuristic approximation</a:t>
+            </a:r>
+            <a:endParaRPr lang="en-US" dirty="0"/>
+          </a:p>
+        </p:txBody>
+      </p:sp>
+      <p:sp>
+        <p:nvSpPr>
+          <p:cNvPr id="2" name="Slide Number Placeholder 1"/>
+          <p:cNvSpPr>
+            <a:spLocks noGrp="1"/>
+          </p:cNvSpPr>
+          <p:nvPr>
+            <p:ph type="sldNum" sz="quarter" idx="16"/>
+          </p:nvPr>
+        </p:nvSpPr>
+        <p:spPr/>
+        <p:txBody>
+          <a:bodyPr>
+            <a:normAutofit fontScale="85000" lnSpcReduction="20000"/>
+          </a:bodyPr>
+          <a:lstStyle/>
+          <a:p>
+            <a:fld id="{352532C4-7927-6444-971D-9540017D0F99}" type="slidenum">
+              <a:rPr lang="en-US" smtClean="0"/>
+              <a:t>5</a:t>
+            </a:fld>
+            <a:endParaRPr lang="en-US"/>
+          </a:p>
+        </p:txBody>
+      </p:sp>
+      <p:sp>
+        <p:nvSpPr>
+          <p:cNvPr id="4" name="Footer Placeholder 3"/>
+          <p:cNvSpPr>
+            <a:spLocks noGrp="1"/>
+          </p:cNvSpPr>
+          <p:nvPr>
+            <p:ph type="ftr" sz="quarter" idx="17"/>
+          </p:nvPr>
+        </p:nvSpPr>
+        <p:spPr/>
+        <p:txBody>
+          <a:bodyPr/>
+          <a:lstStyle/>
+          <a:p>
+            <a:r>
+              <a:rPr lang="is-IS" smtClean="0"/>
+              <a:t>hyggekaffe.dk</a:t>
+            </a:r>
+            <a:endParaRPr lang="en-US"/>
+          </a:p>
+        </p:txBody>
+      </p:sp>
+    </p:spTree>
+    <p:extLst>
+      <p:ext uri="{BB962C8B-B14F-4D97-AF65-F5344CB8AC3E}">
+        <p14:creationId xmlns:p14="http://schemas.microsoft.com/office/powerpoint/2010/main" val="1738794112"/>
+      </p:ext>
+    </p:extLst>
+  </p:cSld>
+  <p:clrMapOvr>
+    <a:masterClrMapping/>
+  </p:clrMapOvr>
+  <p:timing>
+    <p:tnLst>
+      <p:par>
+        <p:cTn xmlns:p14="http://schemas.microsoft.com/office/powerpoint/2010/main" id="1" dur="indefinite" restart="never" nodeType="tmRoot"/>
+      </p:par>
+    </p:tnLst>
+  </p:timing>
+</p:sld>
+</file>
+
+<file path=ppt/slides/slide6.xml><?xml version="1.0" encoding="utf-8"?>
+<p:sld xmlns:a="http://schemas.openxmlformats.org/drawingml/2006/main" xmlns:r="http://schemas.openxmlformats.org/officeDocument/2006/relationships" xmlns:p="http://schemas.openxmlformats.org/presentationml/2006/main">
+  <p:cSld>
+    <p:spTree>
+      <p:nvGrpSpPr>
+        <p:cNvPr id="1" name=""/>
+        <p:cNvGrpSpPr/>
+        <p:nvPr/>
+      </p:nvGrpSpPr>
+      <p:grpSpPr>
+        <a:xfrm>
+          <a:off x="0" y="0"/>
+          <a:ext cx="0" cy="0"/>
+          <a:chOff x="0" y="0"/>
+          <a:chExt cx="0" cy="0"/>
+        </a:xfrm>
+      </p:grpSpPr>
+      <p:pic>
+        <p:nvPicPr>
+          <p:cNvPr id="2" name="world.anim10.slow100.gif">
+            <a:hlinkClick r:id="" action="ppaction://media"/>
+          </p:cNvPr>
+          <p:cNvPicPr>
+            <a:picLocks noChangeAspect="1"/>
+          </p:cNvPicPr>
+          <p:nvPr>
+            <a:videoFile r:link="rId2"/>
+            <p:extLst>
+              <p:ext uri="{DAA4B4D4-6D71-4841-9C94-3DE7FCFB9230}">
+                <p14:media xmlns:p14="http://schemas.microsoft.com/office/powerpoint/2010/main" r:embed="rId1"/>
+              </p:ext>
+            </p:extLst>
+          </p:nvPr>
+        </p:nvPicPr>
+        <p:blipFill>
+          <a:blip r:embed="rId4">
+            <a:lum bright="-40000" contrast="40000"/>
+          </a:blip>
+          <a:stretch>
+            <a:fillRect/>
+          </a:stretch>
+        </p:blipFill>
+        <p:spPr>
+          <a:xfrm>
+            <a:off x="1143000" y="0"/>
+            <a:ext cx="6858000" cy="6858000"/>
+          </a:xfrm>
+          <a:prstGeom prst="rect">
+            <a:avLst/>
+          </a:prstGeom>
+        </p:spPr>
+      </p:pic>
+      <p:sp>
+        <p:nvSpPr>
+          <p:cNvPr id="3" name="Slide Number Placeholder 2"/>
+          <p:cNvSpPr>
+            <a:spLocks noGrp="1"/>
+          </p:cNvSpPr>
+          <p:nvPr>
+            <p:ph type="sldNum" sz="quarter" idx="12"/>
+          </p:nvPr>
+        </p:nvSpPr>
+        <p:spPr/>
+        <p:txBody>
+          <a:bodyPr/>
+          <a:lstStyle/>
+          <a:p>
+            <a:fld id="{352532C4-7927-6444-971D-9540017D0F99}" type="slidenum">
+              <a:rPr lang="en-US" smtClean="0"/>
+              <a:t>6</a:t>
+            </a:fld>
+            <a:endParaRPr lang="en-US"/>
+          </a:p>
+        </p:txBody>
+      </p:sp>
+      <p:sp>
+        <p:nvSpPr>
+          <p:cNvPr id="4" name="Footer Placeholder 3"/>
+          <p:cNvSpPr>
+            <a:spLocks noGrp="1"/>
+          </p:cNvSpPr>
+          <p:nvPr>
+            <p:ph type="ftr" sz="quarter" idx="11"/>
+          </p:nvPr>
+        </p:nvSpPr>
+        <p:spPr/>
+        <p:txBody>
+          <a:bodyPr/>
+          <a:lstStyle/>
+          <a:p>
+            <a:r>
+              <a:rPr lang="is-IS" smtClean="0"/>
+              <a:t>hyggekaffe.dk</a:t>
+            </a:r>
+            <a:endParaRPr lang="en-US"/>
+          </a:p>
+        </p:txBody>
+      </p:sp>
+    </p:spTree>
+    <p:extLst>
+      <p:ext uri="{BB962C8B-B14F-4D97-AF65-F5344CB8AC3E}">
+        <p14:creationId xmlns:p14="http://schemas.microsoft.com/office/powerpoint/2010/main" val="4090952404"/>
+      </p:ext>
+    </p:extLst>
+  </p:cSld>
+  <p:clrMapOvr>
+    <a:masterClrMapping/>
+  </p:clrMapOvr>
+  <p:timing>
+    <p:tnLst>
+      <p:par>
+        <p:cTn xmlns:p14="http://schemas.microsoft.com/office/powerpoint/2010/main" id="1" dur="indefinite" restart="never" nodeType="tmRoot">
+          <p:childTnLst>
+            <p:seq concurrent="1" nextAc="seek">
+              <p:cTn id="2" dur="indefinite" nodeType="mainSeq">
+                <p:childTnLst>
+                  <p:par>
+                    <p:cTn id="3" fill="hold">
+                      <p:stCondLst>
+                        <p:cond delay="indefinite"/>
+                        <p:cond evt="onBegin" delay="0">
+                          <p:tn val="2"/>
+                        </p:cond>
+                      </p:stCondLst>
+                      <p:childTnLst>
+                        <p:par>
+                          <p:cTn id="4" fill="hold">
+                            <p:stCondLst>
+                              <p:cond delay="0"/>
+                            </p:stCondLst>
+                            <p:childTnLst>
+                              <p:par>
+                                <p:cTn id="5" presetID="1" presetClass="mediacall" presetSubtype="0" fill="hold" nodeType="afterEffect">
+                                  <p:stCondLst>
+                                    <p:cond delay="0"/>
+                                  </p:stCondLst>
+                                  <p:childTnLst>
+                                    <p:cmd type="call" cmd="playFrom(0.0)">
+                                      <p:cBhvr>
+                                        <p:cTn id="6" dur="36000" fill="hold"/>
+                                        <p:tgtEl>
+                                          <p:spTgt spid="2"/>
+                                        </p:tgtEl>
+                                      </p:cBhvr>
+                                    </p:cmd>
+                                  </p:childTnLst>
+                                </p:cTn>
+                              </p:par>
+                            </p:childTnLst>
+                          </p:cTn>
+                        </p:par>
+                      </p:childTnLst>
+                    </p:cTn>
+                  </p:par>
+                </p:childTnLst>
+              </p:cTn>
+              <p:prevCondLst>
+                <p:cond evt="onPrev" delay="0">
+                  <p:tgtEl>
+                    <p:sldTgt/>
+                  </p:tgtEl>
+                </p:cond>
+              </p:prevCondLst>
+              <p:nextCondLst>
+                <p:cond evt="onNext" delay="0">
+                  <p:tgtEl>
+                    <p:sldTgt/>
+                  </p:tgtEl>
+                </p:cond>
+              </p:nextCondLst>
+            </p:seq>
+            <p:video fullScrn="1">
+              <p:cMediaNode vol="80000">
+                <p:cTn id="7" fill="hold" display="0">
+                  <p:stCondLst>
+                    <p:cond delay="indefinite"/>
+                  </p:stCondLst>
+                </p:cTn>
+                <p:tgtEl>
+                  <p:spTgt spid="2"/>
+                </p:tgtEl>
+              </p:cMediaNode>
+            </p:video>
+            <p:seq concurrent="1" nextAc="seek">
+              <p:cTn id="8" restart="whenNotActive" fill="hold" evtFilter="cancelBubble" nodeType="interactiveSeq">
+                <p:stCondLst>
+                  <p:cond evt="onClick" delay="0">
+                    <p:tgtEl>
+                      <p:spTgt spid="2"/>
+                    </p:tgtEl>
+                  </p:cond>
+                </p:stCondLst>
+                <p:endSync evt="end" delay="0">
+                  <p:rtn val="all"/>
+                </p:endSync>
+                <p:childTnLst>
+                  <p:par>
+                    <p:cTn id="9" fill="hold">
+                      <p:stCondLst>
+                        <p:cond delay="0"/>
+                      </p:stCondLst>
+                      <p:childTnLst>
+                        <p:par>
+                          <p:cTn id="10" fill="hold">
+                            <p:stCondLst>
+                              <p:cond delay="0"/>
+                            </p:stCondLst>
+                            <p:childTnLst>
+                              <p:par>
+                                <p:cTn id="11" presetID="2" presetClass="mediacall" presetSubtype="0" fill="hold" nodeType="clickEffect">
+                                  <p:stCondLst>
+                                    <p:cond delay="0"/>
+                                  </p:stCondLst>
+                                  <p:childTnLst>
+                                    <p:cmd type="call" cmd="togglePause">
+                                      <p:cBhvr>
+                                        <p:cTn id="12" dur="1" fill="hold"/>
+                                        <p:tgtEl>
+                                          <p:spTgt spid="2"/>
+                                        </p:tgtEl>
+                                      </p:cBhvr>
+                                    </p:cmd>
+                                  </p:childTnLst>
+                                </p:cTn>
+                              </p:par>
+                            </p:childTnLst>
+                          </p:cTn>
+                        </p:par>
+                      </p:childTnLst>
+                    </p:cTn>
+                  </p:par>
+                </p:childTnLst>
+              </p:cTn>
+              <p:nextCondLst>
+                <p:cond evt="onClick" delay="0">
+                  <p:tgtEl>
+                    <p:spTgt spid="2"/>
+                  </p:tgtEl>
+                </p:cond>
+              </p:nextCondLst>
+            </p:seq>
+          </p:childTnLst>
+        </p:cTn>
+      </p:par>
+    </p:tnLst>
+  </p:timing>
+</p:sld>
+</file>
+
+<file path=ppt/slides/slide7.xml><?xml version="1.0" encoding="utf-8"?>
+<p:sld xmlns:a="http://schemas.openxmlformats.org/drawingml/2006/main" xmlns:r="http://schemas.openxmlformats.org/officeDocument/2006/relationships" xmlns:p="http://schemas.openxmlformats.org/presentationml/2006/main">
+  <p:cSld>
+    <p:spTree>
+      <p:nvGrpSpPr>
+        <p:cNvPr id="1" name=""/>
+        <p:cNvGrpSpPr/>
+        <p:nvPr/>
+      </p:nvGrpSpPr>
+      <p:grpSpPr>
+        <a:xfrm>
+          <a:off x="0" y="0"/>
+          <a:ext cx="0" cy="0"/>
+          <a:chOff x="0" y="0"/>
+          <a:chExt cx="0" cy="0"/>
+        </a:xfrm>
+      </p:grpSpPr>
+      <p:sp>
+        <p:nvSpPr>
+          <p:cNvPr id="2" name="Title 1"/>
+          <p:cNvSpPr>
+            <a:spLocks noGrp="1"/>
+          </p:cNvSpPr>
+          <p:nvPr>
+            <p:ph type="title"/>
+          </p:nvPr>
+        </p:nvSpPr>
+        <p:spPr/>
+        <p:txBody>
+          <a:bodyPr/>
+          <a:lstStyle/>
+          <a:p>
+            <a:r>
+              <a:rPr lang="en-US" dirty="0" smtClean="0"/>
+              <a:t>Implementation</a:t>
+            </a:r>
+            <a:endParaRPr lang="en-US" dirty="0"/>
+          </a:p>
+        </p:txBody>
+      </p:sp>
+      <p:sp>
+        <p:nvSpPr>
+          <p:cNvPr id="3" name="Content Placeholder 2"/>
+          <p:cNvSpPr>
+            <a:spLocks noGrp="1"/>
+          </p:cNvSpPr>
+          <p:nvPr>
+            <p:ph sz="quarter" idx="1"/>
+          </p:nvPr>
+        </p:nvSpPr>
+        <p:spPr/>
+        <p:txBody>
+          <a:bodyPr/>
+          <a:lstStyle/>
+          <a:p>
+            <a:r>
+              <a:rPr lang="en-US" dirty="0" smtClean="0"/>
+              <a:t>Brute-force</a:t>
+            </a:r>
+            <a:endParaRPr lang="en-US" dirty="0"/>
+          </a:p>
+          <a:p>
+            <a:r>
+              <a:rPr lang="en-US" dirty="0" smtClean="0"/>
+              <a:t>Written in </a:t>
+            </a:r>
+            <a:r>
+              <a:rPr lang="en-US" dirty="0" err="1" smtClean="0"/>
+              <a:t>javascript</a:t>
+            </a:r>
+            <a:endParaRPr lang="en-US" dirty="0"/>
+          </a:p>
+          <a:p>
+            <a:r>
+              <a:rPr lang="en-US" dirty="0" smtClean="0"/>
+              <a:t>Integrated with </a:t>
+            </a:r>
+            <a:r>
+              <a:rPr lang="en-US" dirty="0"/>
+              <a:t>G</a:t>
+            </a:r>
+            <a:r>
+              <a:rPr lang="en-US" dirty="0" smtClean="0"/>
+              <a:t>oogle maps</a:t>
+            </a:r>
+          </a:p>
+          <a:p>
+            <a:r>
+              <a:rPr lang="en-US" dirty="0" smtClean="0"/>
+              <a:t>Great until n &gt; 10</a:t>
+            </a:r>
+          </a:p>
+        </p:txBody>
+      </p:sp>
+      <p:sp>
+        <p:nvSpPr>
+          <p:cNvPr id="6" name="Slide Number Placeholder 5"/>
+          <p:cNvSpPr>
+            <a:spLocks noGrp="1"/>
+          </p:cNvSpPr>
+          <p:nvPr>
+            <p:ph type="sldNum" sz="quarter" idx="12"/>
+          </p:nvPr>
+        </p:nvSpPr>
+        <p:spPr/>
+        <p:txBody>
+          <a:bodyPr>
+            <a:normAutofit fontScale="85000" lnSpcReduction="20000"/>
+          </a:bodyPr>
+          <a:lstStyle/>
+          <a:p>
+            <a:fld id="{352532C4-7927-6444-971D-9540017D0F99}" type="slidenum">
+              <a:rPr lang="en-US" smtClean="0"/>
+              <a:t>7</a:t>
+            </a:fld>
+            <a:endParaRPr lang="en-US"/>
+          </a:p>
+        </p:txBody>
+      </p:sp>
+      <p:sp>
+        <p:nvSpPr>
+          <p:cNvPr id="7" name="Footer Placeholder 6"/>
+          <p:cNvSpPr>
+            <a:spLocks noGrp="1"/>
+          </p:cNvSpPr>
+          <p:nvPr>
+            <p:ph type="ftr" sz="quarter" idx="11"/>
+          </p:nvPr>
+        </p:nvSpPr>
+        <p:spPr/>
+        <p:txBody>
+          <a:bodyPr/>
+          <a:lstStyle/>
+          <a:p>
+            <a:r>
+              <a:rPr lang="is-IS" smtClean="0"/>
+              <a:t>hyggekaffe.dk</a:t>
+            </a:r>
+            <a:endParaRPr lang="en-US"/>
+          </a:p>
+        </p:txBody>
+      </p:sp>
+    </p:spTree>
+    <p:extLst>
+      <p:ext uri="{BB962C8B-B14F-4D97-AF65-F5344CB8AC3E}">
+        <p14:creationId xmlns:p14="http://schemas.microsoft.com/office/powerpoint/2010/main" val="4242696007"/>
+      </p:ext>
+    </p:extLst>
+  </p:cSld>
+  <p:clrMapOvr>
+    <a:masterClrMapping/>
+  </p:clrMapOvr>
+  <p:timing>
+    <p:tnLst>
+      <p:par>
+        <p:cTn xmlns:p14="http://schemas.microsoft.com/office/powerpoint/2010/main" id="1" dur="indefinite" restart="never" nodeType="tmRoot"/>
+      </p:par>
+    </p:tnLst>
+  </p:timing>
 </p:sld>
 </file>
 
 <file path=ppt/theme/theme1.xml><?xml version="1.0" encoding="utf-8"?>
-<a:theme xmlns:a="http://schemas.openxmlformats.org/drawingml/2006/main" name="Office Theme">
+<a:theme xmlns:a="http://schemas.openxmlformats.org/drawingml/2006/main" name="Median">
   <a:themeElements>
-    <a:clrScheme name="Office">
+    <a:clrScheme name="Median">
       <a:dk1>
         <a:sysClr val="windowText" lastClr="000000"/>
       </a:dk1>
@@ -3839,83 +5821,50 @@
         <a:sysClr val="window" lastClr="FFFFFF"/>
       </a:lt1>
       <a:dk2>
-        <a:srgbClr val="1F497D"/>
+        <a:srgbClr val="775F55"/>
       </a:dk2>
       <a:lt2>
-        <a:srgbClr val="EEECE1"/>
+        <a:srgbClr val="EBDDC3"/>
       </a:lt2>
       <a:accent1>
-        <a:srgbClr val="4F81BD"/>
+        <a:srgbClr val="94B6D2"/>
       </a:accent1>
       <a:accent2>
-        <a:srgbClr val="C0504D"/>
+        <a:srgbClr val="DD8047"/>
       </a:accent2>
       <a:accent3>
-        <a:srgbClr val="9BBB59"/>
+        <a:srgbClr val="A5AB81"/>
       </a:accent3>
       <a:accent4>
-        <a:srgbClr val="8064A2"/>
+        <a:srgbClr val="D8B25C"/>
       </a:accent4>
       <a:accent5>
-        <a:srgbClr val="4BACC6"/>
+        <a:srgbClr val="7BA79D"/>
       </a:accent5>
       <a:accent6>
-        <a:srgbClr val="F79646"/>
+        <a:srgbClr val="968C8C"/>
       </a:accent6>
       <a:hlink>
-        <a:srgbClr val="0000FF"/>
+        <a:srgbClr val="F7B615"/>
       </a:hlink>
       <a:folHlink>
-        <a:srgbClr val="800080"/>
+        <a:srgbClr val="704404"/>
       </a:folHlink>
     </a:clrScheme>
-    <a:fontScheme name="Office">
+    <a:fontScheme name="Median">
       <a:majorFont>
-        <a:latin typeface="Calibri"/>
+        <a:latin typeface="Tw Cen MT"/>
         <a:ea typeface=""/>
         <a:cs typeface=""/>
+        <a:font script="Grek" typeface="Calibri"/>
+        <a:font script="Cyrl" typeface="Calibri"/>
         <a:font script="Jpan" typeface="ＭＳ Ｐゴシック"/>
-        <a:font script="Hang" typeface="맑은 고딕"/>
-        <a:font script="Hans" typeface="宋体"/>
-        <a:font script="Hant" typeface="新細明體"/>
-        <a:font script="Arab" typeface="Times New Roman"/>
-        <a:font script="Hebr" typeface="Times New Roman"/>
-        <a:font script="Thai" typeface="Angsana New"/>
-        <a:font script="Ethi" typeface="Nyala"/>
-        <a:font script="Beng" typeface="Vrinda"/>
-        <a:font script="Gujr" typeface="Shruti"/>
-        <a:font script="Khmr" typeface="MoolBoran"/>
-        <a:font script="Knda" typeface="Tunga"/>
-        <a:font script="Guru" typeface="Raavi"/>
-        <a:font script="Cans" typeface="Euphemia"/>
-        <a:font script="Cher" typeface="Plantagenet Cherokee"/>
-        <a:font script="Yiii" typeface="Microsoft Yi Baiti"/>
-        <a:font script="Tibt" typeface="Microsoft Himalaya"/>
-        <a:font script="Thaa" typeface="MV Boli"/>
-        <a:font script="Deva" typeface="Mangal"/>
-        <a:font script="Telu" typeface="Gautami"/>
-        <a:font script="Taml" typeface="Latha"/>
-        <a:font script="Syrc" typeface="Estrangelo Edessa"/>
-        <a:font script="Orya" typeface="Kalinga"/>
-        <a:font script="Mlym" typeface="Kartika"/>
-        <a:font script="Laoo" typeface="DokChampa"/>
-        <a:font script="Sinh" typeface="Iskoola Pota"/>
-        <a:font script="Mong" typeface="Mongolian Baiti"/>
-        <a:font script="Viet" typeface="Times New Roman"/>
-        <a:font script="Uigh" typeface="Microsoft Uighur"/>
-        <a:font script="Geor" typeface="Sylfaen"/>
-      </a:majorFont>
-      <a:minorFont>
-        <a:latin typeface="Calibri"/>
-        <a:ea typeface=""/>
-        <a:cs typeface=""/>
-        <a:font script="Jpan" typeface="ＭＳ Ｐゴシック"/>
-        <a:font script="Hang" typeface="맑은 고딕"/>
-        <a:font script="Hans" typeface="宋体"/>
-        <a:font script="Hant" typeface="新細明體"/>
+        <a:font script="Hang" typeface="HY얕은샘물M"/>
+        <a:font script="Hans" typeface="华文仿宋"/>
+        <a:font script="Hant" typeface="微軟正黑體"/>
         <a:font script="Arab" typeface="Arial"/>
-        <a:font script="Hebr" typeface="Arial"/>
-        <a:font script="Thai" typeface="Cordia New"/>
+        <a:font script="Hebr" typeface="Levenim MT"/>
+        <a:font script="Thai" typeface="FreesiaUPC"/>
         <a:font script="Ethi" typeface="Nyala"/>
         <a:font script="Beng" typeface="Vrinda"/>
         <a:font script="Gujr" typeface="Shruti"/>
@@ -3936,76 +5885,74 @@
         <a:font script="Laoo" typeface="DokChampa"/>
         <a:font script="Sinh" typeface="Iskoola Pota"/>
         <a:font script="Mong" typeface="Mongolian Baiti"/>
-        <a:font script="Viet" typeface="Arial"/>
+        <a:font script="Viet" typeface="Tahoma"/>
         <a:font script="Uigh" typeface="Microsoft Uighur"/>
-        <a:font script="Geor" typeface="Sylfaen"/>
+      </a:majorFont>
+      <a:minorFont>
+        <a:latin typeface="Tw Cen MT"/>
+        <a:ea typeface=""/>
+        <a:cs typeface=""/>
+        <a:font script="Grek" typeface="Calibri"/>
+        <a:font script="Cyrl" typeface="Calibri"/>
+        <a:font script="Jpan" typeface="ＭＳ Ｐゴシック"/>
+        <a:font script="Hang" typeface="HY얕은샘물M"/>
+        <a:font script="Hans" typeface="华文仿宋"/>
+        <a:font script="Hant" typeface="微軟正黑體"/>
+        <a:font script="Arab" typeface="Arial"/>
+        <a:font script="Hebr" typeface="Levenim MT"/>
+        <a:font script="Thai" typeface="FreesiaUPC"/>
+        <a:font script="Ethi" typeface="Nyala"/>
+        <a:font script="Beng" typeface="Vrinda"/>
+        <a:font script="Gujr" typeface="Shruti"/>
+        <a:font script="Khmr" typeface="DaunPenh"/>
+        <a:font script="Knda" typeface="Tunga"/>
+        <a:font script="Guru" typeface="Raavi"/>
+        <a:font script="Cans" typeface="Euphemia"/>
+        <a:font script="Cher" typeface="Plantagenet Cherokee"/>
+        <a:font script="Yiii" typeface="Microsoft Yi Baiti"/>
+        <a:font script="Tibt" typeface="Microsoft Himalaya"/>
+        <a:font script="Thaa" typeface="MV Boli"/>
+        <a:font script="Deva" typeface="Mangal"/>
+        <a:font script="Telu" typeface="Gautami"/>
+        <a:font script="Taml" typeface="Latha"/>
+        <a:font script="Syrc" typeface="Estrangelo Edessa"/>
+        <a:font script="Orya" typeface="Kalinga"/>
+        <a:font script="Mlym" typeface="Kartika"/>
+        <a:font script="Laoo" typeface="DokChampa"/>
+        <a:font script="Sinh" typeface="Iskoola Pota"/>
+        <a:font script="Mong" typeface="Mongolian Baiti"/>
+        <a:font script="Viet" typeface="Tahoma"/>
+        <a:font script="Uigh" typeface="Microsoft Uighur"/>
       </a:minorFont>
     </a:fontScheme>
-    <a:fmtScheme name="Office">
+    <a:fmtScheme name="Median">
       <a:fillStyleLst>
         <a:solidFill>
           <a:schemeClr val="phClr"/>
         </a:solidFill>
-        <a:gradFill rotWithShape="1">
-          <a:gsLst>
-            <a:gs pos="0">
-              <a:schemeClr val="phClr">
-                <a:tint val="50000"/>
-                <a:satMod val="300000"/>
-              </a:schemeClr>
-            </a:gs>
-            <a:gs pos="35000">
-              <a:schemeClr val="phClr">
-                <a:tint val="37000"/>
-                <a:satMod val="300000"/>
-              </a:schemeClr>
-            </a:gs>
-            <a:gs pos="100000">
-              <a:schemeClr val="phClr">
-                <a:tint val="15000"/>
-                <a:satMod val="350000"/>
-              </a:schemeClr>
-            </a:gs>
-          </a:gsLst>
-          <a:lin ang="16200000" scaled="1"/>
-        </a:gradFill>
-        <a:gradFill rotWithShape="1">
-          <a:gsLst>
-            <a:gs pos="0">
-              <a:schemeClr val="phClr">
-                <a:tint val="100000"/>
-                <a:shade val="100000"/>
-                <a:satMod val="130000"/>
-              </a:schemeClr>
-            </a:gs>
-            <a:gs pos="100000">
-              <a:schemeClr val="phClr">
-                <a:tint val="50000"/>
-                <a:shade val="100000"/>
-                <a:satMod val="350000"/>
-              </a:schemeClr>
-            </a:gs>
-          </a:gsLst>
-          <a:lin ang="16200000" scaled="0"/>
-        </a:gradFill>
+        <a:solidFill>
+          <a:schemeClr val="phClr">
+            <a:tint val="50000"/>
+          </a:schemeClr>
+        </a:solidFill>
+        <a:solidFill>
+          <a:schemeClr val="phClr"/>
+        </a:solidFill>
       </a:fillStyleLst>
       <a:lnStyleLst>
-        <a:ln w="9525" cap="flat" cmpd="sng" algn="ctr">
-          <a:solidFill>
-            <a:schemeClr val="phClr">
-              <a:shade val="95000"/>
-              <a:satMod val="105000"/>
-            </a:schemeClr>
-          </a:solidFill>
-          <a:prstDash val="solid"/>
-        </a:ln>
-        <a:ln w="25400" cap="flat" cmpd="sng" algn="ctr">
+        <a:ln w="10000" cap="flat" cmpd="sng" algn="ctr">
           <a:solidFill>
             <a:schemeClr val="phClr"/>
           </a:solidFill>
           <a:prstDash val="solid"/>
         </a:ln>
-        <a:ln w="38100" cap="flat" cmpd="sng" algn="ctr">
+        <a:ln w="19050" cap="flat" cmpd="sng" algn="ctr">
+          <a:solidFill>
+            <a:schemeClr val="phClr"/>
+          </a:solidFill>
+          <a:prstDash val="solid"/>
+        </a:ln>
+        <a:ln w="47625" cap="flat" cmpd="dbl" algn="ctr">
           <a:solidFill>
             <a:schemeClr val="phClr"/>
           </a:solidFill>
@@ -4015,40 +5962,43 @@
       <a:effectStyleLst>
         <a:effectStyle>
           <a:effectLst>
-            <a:outerShdw blurRad="40000" dist="20000" dir="5400000" rotWithShape="0">
+            <a:outerShdw blurRad="38100" dist="30000" dir="5400000" rotWithShape="0">
               <a:srgbClr val="000000">
-                <a:alpha val="38000"/>
+                <a:alpha val="45000"/>
               </a:srgbClr>
             </a:outerShdw>
           </a:effectLst>
         </a:effectStyle>
         <a:effectStyle>
           <a:effectLst>
-            <a:outerShdw blurRad="40000" dist="23000" dir="5400000" rotWithShape="0">
+            <a:outerShdw blurRad="38100" dist="30000" dir="5400000" rotWithShape="0">
               <a:srgbClr val="000000">
-                <a:alpha val="35000"/>
+                <a:alpha val="45000"/>
               </a:srgbClr>
             </a:outerShdw>
           </a:effectLst>
         </a:effectStyle>
         <a:effectStyle>
           <a:effectLst>
-            <a:outerShdw blurRad="40000" dist="23000" dir="5400000" rotWithShape="0">
+            <a:outerShdw blurRad="38100" dist="25400" dir="5400000" rotWithShape="0">
               <a:srgbClr val="000000">
                 <a:alpha val="35000"/>
               </a:srgbClr>
             </a:outerShdw>
           </a:effectLst>
           <a:scene3d>
-            <a:camera prst="orthographicFront">
+            <a:camera prst="isometricTopDown" fov="0">
               <a:rot lat="0" lon="0" rev="0"/>
             </a:camera>
-            <a:lightRig rig="threePt" dir="t">
-              <a:rot lat="0" lon="0" rev="1200000"/>
+            <a:lightRig rig="balanced" dir="t">
+              <a:rot lat="0" lon="0" rev="13800000"/>
             </a:lightRig>
           </a:scene3d>
-          <a:sp3d>
-            <a:bevelT w="63500" h="25400"/>
+          <a:sp3d extrusionH="12700" prstMaterial="plastic">
+            <a:bevelT w="38100" h="25400" prst="softRound"/>
+            <a:contourClr>
+              <a:schemeClr val="phClr"/>
+            </a:contourClr>
           </a:sp3d>
         </a:effectStyle>
       </a:effectStyleLst>
@@ -4056,59 +6006,46 @@
         <a:solidFill>
           <a:schemeClr val="phClr"/>
         </a:solidFill>
-        <a:gradFill rotWithShape="1">
-          <a:gsLst>
-            <a:gs pos="0">
+        <a:blipFill>
+          <a:blip xmlns:r="http://schemas.openxmlformats.org/officeDocument/2006/relationships" r:embed="rId1">
+            <a:duotone>
               <a:schemeClr val="phClr">
-                <a:tint val="40000"/>
-                <a:satMod val="350000"/>
+                <a:shade val="90000"/>
+                <a:satMod val="140000"/>
               </a:schemeClr>
-            </a:gs>
-            <a:gs pos="40000">
               <a:schemeClr val="phClr">
-                <a:tint val="45000"/>
-                <a:shade val="99000"/>
-                <a:satMod val="350000"/>
+                <a:satMod val="120000"/>
               </a:schemeClr>
-            </a:gs>
-            <a:gs pos="100000">
+            </a:duotone>
+          </a:blip>
+          <a:tile tx="0" ty="0" sx="100000" sy="100000" flip="none" algn="tl"/>
+        </a:blipFill>
+        <a:blipFill>
+          <a:blip xmlns:r="http://schemas.openxmlformats.org/officeDocument/2006/relationships" r:embed="rId2">
+            <a:duotone>
               <a:schemeClr val="phClr">
-                <a:shade val="20000"/>
-                <a:satMod val="255000"/>
+                <a:shade val="90000"/>
+                <a:satMod val="140000"/>
               </a:schemeClr>
-            </a:gs>
-          </a:gsLst>
-          <a:path path="circle">
-            <a:fillToRect l="50000" t="-80000" r="50000" b="180000"/>
-          </a:path>
-        </a:gradFill>
-        <a:gradFill rotWithShape="1">
-          <a:gsLst>
-            <a:gs pos="0">
               <a:schemeClr val="phClr">
-                <a:tint val="80000"/>
-                <a:satMod val="300000"/>
+                <a:satMod val="120000"/>
               </a:schemeClr>
-            </a:gs>
-            <a:gs pos="100000">
-              <a:schemeClr val="phClr">
-                <a:shade val="30000"/>
-                <a:satMod val="200000"/>
-              </a:schemeClr>
-            </a:gs>
-          </a:gsLst>
-          <a:path path="circle">
-            <a:fillToRect l="50000" t="50000" r="50000" b="50000"/>
-          </a:path>
-        </a:gradFill>
+            </a:duotone>
+          </a:blip>
+          <a:tile tx="0" ty="0" sx="100000" sy="100000" flip="none" algn="tl"/>
+        </a:blipFill>
       </a:bgFillStyleLst>
     </a:fmtScheme>
   </a:themeElements>
   <a:objectDefaults>
     <a:spDef>
       <a:spPr/>
-      <a:bodyPr/>
-      <a:lstStyle/>
+      <a:bodyPr rtlCol="0" anchor="ctr"/>
+      <a:lstStyle>
+        <a:defPPr algn="ctr">
+          <a:defRPr/>
+        </a:defPPr>
+      </a:lstStyle>
       <a:style>
         <a:lnRef idx="1">
           <a:schemeClr val="accent1"/>
@@ -4466,4 +6403,324 @@
   </a:objectDefaults>
   <a:extraClrSchemeLst/>
 </a:theme>
+</file>
+
+<file path=ppt/theme/theme3.xml><?xml version="1.0" encoding="utf-8"?>
+<a:theme xmlns:a="http://schemas.openxmlformats.org/drawingml/2006/main" name="Office Theme">
+  <a:themeElements>
+    <a:clrScheme name="Office">
+      <a:dk1>
+        <a:sysClr val="windowText" lastClr="000000"/>
+      </a:dk1>
+      <a:lt1>
+        <a:sysClr val="window" lastClr="FFFFFF"/>
+      </a:lt1>
+      <a:dk2>
+        <a:srgbClr val="1F497D"/>
+      </a:dk2>
+      <a:lt2>
+        <a:srgbClr val="EEECE1"/>
+      </a:lt2>
+      <a:accent1>
+        <a:srgbClr val="4F81BD"/>
+      </a:accent1>
+      <a:accent2>
+        <a:srgbClr val="C0504D"/>
+      </a:accent2>
+      <a:accent3>
+        <a:srgbClr val="9BBB59"/>
+      </a:accent3>
+      <a:accent4>
+        <a:srgbClr val="8064A2"/>
+      </a:accent4>
+      <a:accent5>
+        <a:srgbClr val="4BACC6"/>
+      </a:accent5>
+      <a:accent6>
+        <a:srgbClr val="F79646"/>
+      </a:accent6>
+      <a:hlink>
+        <a:srgbClr val="0000FF"/>
+      </a:hlink>
+      <a:folHlink>
+        <a:srgbClr val="800080"/>
+      </a:folHlink>
+    </a:clrScheme>
+    <a:fontScheme name="Office">
+      <a:majorFont>
+        <a:latin typeface="Calibri"/>
+        <a:ea typeface=""/>
+        <a:cs typeface=""/>
+        <a:font script="Jpan" typeface="ＭＳ Ｐゴシック"/>
+        <a:font script="Hang" typeface="맑은 고딕"/>
+        <a:font script="Hans" typeface="宋体"/>
+        <a:font script="Hant" typeface="新細明體"/>
+        <a:font script="Arab" typeface="Times New Roman"/>
+        <a:font script="Hebr" typeface="Times New Roman"/>
+        <a:font script="Thai" typeface="Angsana New"/>
+        <a:font script="Ethi" typeface="Nyala"/>
+        <a:font script="Beng" typeface="Vrinda"/>
+        <a:font script="Gujr" typeface="Shruti"/>
+        <a:font script="Khmr" typeface="MoolBoran"/>
+        <a:font script="Knda" typeface="Tunga"/>
+        <a:font script="Guru" typeface="Raavi"/>
+        <a:font script="Cans" typeface="Euphemia"/>
+        <a:font script="Cher" typeface="Plantagenet Cherokee"/>
+        <a:font script="Yiii" typeface="Microsoft Yi Baiti"/>
+        <a:font script="Tibt" typeface="Microsoft Himalaya"/>
+        <a:font script="Thaa" typeface="MV Boli"/>
+        <a:font script="Deva" typeface="Mangal"/>
+        <a:font script="Telu" typeface="Gautami"/>
+        <a:font script="Taml" typeface="Latha"/>
+        <a:font script="Syrc" typeface="Estrangelo Edessa"/>
+        <a:font script="Orya" typeface="Kalinga"/>
+        <a:font script="Mlym" typeface="Kartika"/>
+        <a:font script="Laoo" typeface="DokChampa"/>
+        <a:font script="Sinh" typeface="Iskoola Pota"/>
+        <a:font script="Mong" typeface="Mongolian Baiti"/>
+        <a:font script="Viet" typeface="Times New Roman"/>
+        <a:font script="Uigh" typeface="Microsoft Uighur"/>
+        <a:font script="Geor" typeface="Sylfaen"/>
+      </a:majorFont>
+      <a:minorFont>
+        <a:latin typeface="Calibri"/>
+        <a:ea typeface=""/>
+        <a:cs typeface=""/>
+        <a:font script="Jpan" typeface="ＭＳ Ｐゴシック"/>
+        <a:font script="Hang" typeface="맑은 고딕"/>
+        <a:font script="Hans" typeface="宋体"/>
+        <a:font script="Hant" typeface="新細明體"/>
+        <a:font script="Arab" typeface="Arial"/>
+        <a:font script="Hebr" typeface="Arial"/>
+        <a:font script="Thai" typeface="Cordia New"/>
+        <a:font script="Ethi" typeface="Nyala"/>
+        <a:font script="Beng" typeface="Vrinda"/>
+        <a:font script="Gujr" typeface="Shruti"/>
+        <a:font script="Khmr" typeface="DaunPenh"/>
+        <a:font script="Knda" typeface="Tunga"/>
+        <a:font script="Guru" typeface="Raavi"/>
+        <a:font script="Cans" typeface="Euphemia"/>
+        <a:font script="Cher" typeface="Plantagenet Cherokee"/>
+        <a:font script="Yiii" typeface="Microsoft Yi Baiti"/>
+        <a:font script="Tibt" typeface="Microsoft Himalaya"/>
+        <a:font script="Thaa" typeface="MV Boli"/>
+        <a:font script="Deva" typeface="Mangal"/>
+        <a:font script="Telu" typeface="Gautami"/>
+        <a:font script="Taml" typeface="Latha"/>
+        <a:font script="Syrc" typeface="Estrangelo Edessa"/>
+        <a:font script="Orya" typeface="Kalinga"/>
+        <a:font script="Mlym" typeface="Kartika"/>
+        <a:font script="Laoo" typeface="DokChampa"/>
+        <a:font script="Sinh" typeface="Iskoola Pota"/>
+        <a:font script="Mong" typeface="Mongolian Baiti"/>
+        <a:font script="Viet" typeface="Arial"/>
+        <a:font script="Uigh" typeface="Microsoft Uighur"/>
+        <a:font script="Geor" typeface="Sylfaen"/>
+      </a:minorFont>
+    </a:fontScheme>
+    <a:fmtScheme name="Office">
+      <a:fillStyleLst>
+        <a:solidFill>
+          <a:schemeClr val="phClr"/>
+        </a:solidFill>
+        <a:gradFill rotWithShape="1">
+          <a:gsLst>
+            <a:gs pos="0">
+              <a:schemeClr val="phClr">
+                <a:tint val="50000"/>
+                <a:satMod val="300000"/>
+              </a:schemeClr>
+            </a:gs>
+            <a:gs pos="35000">
+              <a:schemeClr val="phClr">
+                <a:tint val="37000"/>
+                <a:satMod val="300000"/>
+              </a:schemeClr>
+            </a:gs>
+            <a:gs pos="100000">
+              <a:schemeClr val="phClr">
+                <a:tint val="15000"/>
+                <a:satMod val="350000"/>
+              </a:schemeClr>
+            </a:gs>
+          </a:gsLst>
+          <a:lin ang="16200000" scaled="1"/>
+        </a:gradFill>
+        <a:gradFill rotWithShape="1">
+          <a:gsLst>
+            <a:gs pos="0">
+              <a:schemeClr val="phClr">
+                <a:tint val="100000"/>
+                <a:shade val="100000"/>
+                <a:satMod val="130000"/>
+              </a:schemeClr>
+            </a:gs>
+            <a:gs pos="100000">
+              <a:schemeClr val="phClr">
+                <a:tint val="50000"/>
+                <a:shade val="100000"/>
+                <a:satMod val="350000"/>
+              </a:schemeClr>
+            </a:gs>
+          </a:gsLst>
+          <a:lin ang="16200000" scaled="0"/>
+        </a:gradFill>
+      </a:fillStyleLst>
+      <a:lnStyleLst>
+        <a:ln w="9525" cap="flat" cmpd="sng" algn="ctr">
+          <a:solidFill>
+            <a:schemeClr val="phClr">
+              <a:shade val="95000"/>
+              <a:satMod val="105000"/>
+            </a:schemeClr>
+          </a:solidFill>
+          <a:prstDash val="solid"/>
+        </a:ln>
+        <a:ln w="25400" cap="flat" cmpd="sng" algn="ctr">
+          <a:solidFill>
+            <a:schemeClr val="phClr"/>
+          </a:solidFill>
+          <a:prstDash val="solid"/>
+        </a:ln>
+        <a:ln w="38100" cap="flat" cmpd="sng" algn="ctr">
+          <a:solidFill>
+            <a:schemeClr val="phClr"/>
+          </a:solidFill>
+          <a:prstDash val="solid"/>
+        </a:ln>
+      </a:lnStyleLst>
+      <a:effectStyleLst>
+        <a:effectStyle>
+          <a:effectLst>
+            <a:outerShdw blurRad="40000" dist="20000" dir="5400000" rotWithShape="0">
+              <a:srgbClr val="000000">
+                <a:alpha val="38000"/>
+              </a:srgbClr>
+            </a:outerShdw>
+          </a:effectLst>
+        </a:effectStyle>
+        <a:effectStyle>
+          <a:effectLst>
+            <a:outerShdw blurRad="40000" dist="23000" dir="5400000" rotWithShape="0">
+              <a:srgbClr val="000000">
+                <a:alpha val="35000"/>
+              </a:srgbClr>
+            </a:outerShdw>
+          </a:effectLst>
+        </a:effectStyle>
+        <a:effectStyle>
+          <a:effectLst>
+            <a:outerShdw blurRad="40000" dist="23000" dir="5400000" rotWithShape="0">
+              <a:srgbClr val="000000">
+                <a:alpha val="35000"/>
+              </a:srgbClr>
+            </a:outerShdw>
+          </a:effectLst>
+          <a:scene3d>
+            <a:camera prst="orthographicFront">
+              <a:rot lat="0" lon="0" rev="0"/>
+            </a:camera>
+            <a:lightRig rig="threePt" dir="t">
+              <a:rot lat="0" lon="0" rev="1200000"/>
+            </a:lightRig>
+          </a:scene3d>
+          <a:sp3d>
+            <a:bevelT w="63500" h="25400"/>
+          </a:sp3d>
+        </a:effectStyle>
+      </a:effectStyleLst>
+      <a:bgFillStyleLst>
+        <a:solidFill>
+          <a:schemeClr val="phClr"/>
+        </a:solidFill>
+        <a:gradFill rotWithShape="1">
+          <a:gsLst>
+            <a:gs pos="0">
+              <a:schemeClr val="phClr">
+                <a:tint val="40000"/>
+                <a:satMod val="350000"/>
+              </a:schemeClr>
+            </a:gs>
+            <a:gs pos="40000">
+              <a:schemeClr val="phClr">
+                <a:tint val="45000"/>
+                <a:shade val="99000"/>
+                <a:satMod val="350000"/>
+              </a:schemeClr>
+            </a:gs>
+            <a:gs pos="100000">
+              <a:schemeClr val="phClr">
+                <a:shade val="20000"/>
+                <a:satMod val="255000"/>
+              </a:schemeClr>
+            </a:gs>
+          </a:gsLst>
+          <a:path path="circle">
+            <a:fillToRect l="50000" t="-80000" r="50000" b="180000"/>
+          </a:path>
+        </a:gradFill>
+        <a:gradFill rotWithShape="1">
+          <a:gsLst>
+            <a:gs pos="0">
+              <a:schemeClr val="phClr">
+                <a:tint val="80000"/>
+                <a:satMod val="300000"/>
+              </a:schemeClr>
+            </a:gs>
+            <a:gs pos="100000">
+              <a:schemeClr val="phClr">
+                <a:shade val="30000"/>
+                <a:satMod val="200000"/>
+              </a:schemeClr>
+            </a:gs>
+          </a:gsLst>
+          <a:path path="circle">
+            <a:fillToRect l="50000" t="50000" r="50000" b="50000"/>
+          </a:path>
+        </a:gradFill>
+      </a:bgFillStyleLst>
+    </a:fmtScheme>
+  </a:themeElements>
+  <a:objectDefaults>
+    <a:spDef>
+      <a:spPr/>
+      <a:bodyPr/>
+      <a:lstStyle/>
+      <a:style>
+        <a:lnRef idx="1">
+          <a:schemeClr val="accent1"/>
+        </a:lnRef>
+        <a:fillRef idx="3">
+          <a:schemeClr val="accent1"/>
+        </a:fillRef>
+        <a:effectRef idx="2">
+          <a:schemeClr val="accent1"/>
+        </a:effectRef>
+        <a:fontRef idx="minor">
+          <a:schemeClr val="lt1"/>
+        </a:fontRef>
+      </a:style>
+    </a:spDef>
+    <a:lnDef>
+      <a:spPr/>
+      <a:bodyPr/>
+      <a:lstStyle/>
+      <a:style>
+        <a:lnRef idx="2">
+          <a:schemeClr val="accent1"/>
+        </a:lnRef>
+        <a:fillRef idx="0">
+          <a:schemeClr val="accent1"/>
+        </a:fillRef>
+        <a:effectRef idx="1">
+          <a:schemeClr val="accent1"/>
+        </a:effectRef>
+        <a:fontRef idx="minor">
+          <a:schemeClr val="tx1"/>
+        </a:fontRef>
+      </a:style>
+    </a:lnDef>
+  </a:objectDefaults>
+  <a:extraClrSchemeLst/>
+</a:theme>
 </file>